--- a/PPT/한끼줍쇼v2 (던전, 퀘스트 내용 추가).pptx
+++ b/PPT/한끼줍쇼v2 (던전, 퀘스트 내용 추가).pptx
@@ -5,7 +5,7 @@
     <p:sldMasterId id="2147483648" r:id="rId1"/>
   </p:sldMasterIdLst>
   <p:notesMasterIdLst>
-    <p:notesMasterId r:id="rId21"/>
+    <p:notesMasterId r:id="rId20"/>
   </p:notesMasterIdLst>
   <p:sldIdLst>
     <p:sldId id="287" r:id="rId2"/>
@@ -26,7 +26,6 @@
     <p:sldId id="278" r:id="rId17"/>
     <p:sldId id="279" r:id="rId18"/>
     <p:sldId id="280" r:id="rId19"/>
-    <p:sldId id="285" r:id="rId20"/>
   </p:sldIdLst>
   <p:sldSz cx="12192000" cy="6858000"/>
   <p:notesSz cx="6858000" cy="9144000"/>
@@ -1424,129 +1423,6 @@
     <p:extLst>
       <p:ext uri="{BB962C8B-B14F-4D97-AF65-F5344CB8AC3E}">
         <p14:creationId xmlns:p14="http://schemas.microsoft.com/office/powerpoint/2010/main" val="1539741958"/>
-      </p:ext>
-    </p:extLst>
-  </p:cSld>
-  <p:clrMapOvr>
-    <a:masterClrMapping/>
-  </p:clrMapOvr>
-</p:notes>
-</file>
-
-<file path=ppt/notesSlides/notesSlide16.xml><?xml version="1.0" encoding="utf-8"?>
-<p:notes xmlns:a="http://schemas.openxmlformats.org/drawingml/2006/main" xmlns:r="http://schemas.openxmlformats.org/officeDocument/2006/relationships" xmlns:p="http://schemas.openxmlformats.org/presentationml/2006/main">
-  <p:cSld>
-    <p:spTree>
-      <p:nvGrpSpPr>
-        <p:cNvPr id="1" name=""/>
-        <p:cNvGrpSpPr/>
-        <p:nvPr/>
-      </p:nvGrpSpPr>
-      <p:grpSpPr>
-        <a:xfrm>
-          <a:off x="0" y="0"/>
-          <a:ext cx="0" cy="0"/>
-          <a:chOff x="0" y="0"/>
-          <a:chExt cx="0" cy="0"/>
-        </a:xfrm>
-      </p:grpSpPr>
-      <p:sp>
-        <p:nvSpPr>
-          <p:cNvPr id="2" name="슬라이드 이미지 개체 틀 1"/>
-          <p:cNvSpPr>
-            <a:spLocks noGrp="1" noRot="1" noChangeAspect="1"/>
-          </p:cNvSpPr>
-          <p:nvPr>
-            <p:ph type="sldImg"/>
-          </p:nvPr>
-        </p:nvSpPr>
-        <p:spPr/>
-      </p:sp>
-      <p:sp>
-        <p:nvSpPr>
-          <p:cNvPr id="3" name="슬라이드 노트 개체 틀 2"/>
-          <p:cNvSpPr>
-            <a:spLocks noGrp="1"/>
-          </p:cNvSpPr>
-          <p:nvPr>
-            <p:ph type="body" idx="1"/>
-          </p:nvPr>
-        </p:nvSpPr>
-        <p:spPr/>
-        <p:txBody>
-          <a:bodyPr/>
-          <a:lstStyle/>
-          <a:p>
-            <a:r>
-              <a:rPr lang="ko-KR" altLang="en-US"/>
-              <a:t>뒷부분까지 보시면 </a:t>
-            </a:r>
-            <a:r>
-              <a:rPr lang="en-US" altLang="ko-KR"/>
-              <a:t>isDead </a:t>
-            </a:r>
-            <a:r>
-              <a:rPr lang="ko-KR" altLang="en-US"/>
-              <a:t>죽음 여부를 체크를 해서 </a:t>
-            </a:r>
-            <a:br>
-              <a:rPr lang="en-US" altLang="ko-KR"/>
-            </a:br>
-            <a:r>
-              <a:rPr lang="ko-KR" altLang="en-US"/>
-              <a:t>만약에 한쪽이 전멸을 했다</a:t>
-            </a:r>
-            <a:r>
-              <a:rPr lang="en-US" altLang="ko-KR"/>
-              <a:t>, </a:t>
-            </a:r>
-            <a:r>
-              <a:rPr lang="ko-KR" altLang="en-US"/>
-              <a:t>하면 다른 </a:t>
-            </a:r>
-            <a:r>
-              <a:rPr lang="en-US" altLang="ko-KR"/>
-              <a:t>UI</a:t>
-            </a:r>
-            <a:r>
-              <a:rPr lang="ko-KR" altLang="en-US"/>
-              <a:t>로 넘어가도록 작업을 했습니다</a:t>
-            </a:r>
-            <a:r>
-              <a:rPr lang="en-US" altLang="ko-KR"/>
-              <a:t>. </a:t>
-            </a:r>
-            <a:endParaRPr lang="ko-KR" altLang="en-US"/>
-          </a:p>
-        </p:txBody>
-      </p:sp>
-      <p:sp>
-        <p:nvSpPr>
-          <p:cNvPr id="4" name="슬라이드 번호 개체 틀 3"/>
-          <p:cNvSpPr>
-            <a:spLocks noGrp="1"/>
-          </p:cNvSpPr>
-          <p:nvPr>
-            <p:ph type="sldNum" sz="quarter" idx="5"/>
-          </p:nvPr>
-        </p:nvSpPr>
-        <p:spPr/>
-        <p:txBody>
-          <a:bodyPr/>
-          <a:lstStyle/>
-          <a:p>
-            <a:fld id="{AC6C4DA3-AEDD-4EA0-BA24-E52EB4A7AD09}" type="slidenum">
-              <a:rPr lang="ko-KR" altLang="en-US" smtClean="0"/>
-              <a:t>19</a:t>
-            </a:fld>
-            <a:endParaRPr lang="ko-KR" altLang="en-US"/>
-          </a:p>
-        </p:txBody>
-      </p:sp>
-    </p:spTree>
-    <p:extLst>
-      <p:ext uri="{BB962C8B-B14F-4D97-AF65-F5344CB8AC3E}">
-        <p14:creationId xmlns:p14="http://schemas.microsoft.com/office/powerpoint/2010/main" val="3322464397"/>
       </p:ext>
     </p:extLst>
   </p:cSld>
@@ -9722,430 +9598,6 @@
     <p:extLst>
       <p:ext uri="{BB962C8B-B14F-4D97-AF65-F5344CB8AC3E}">
         <p14:creationId xmlns:p14="http://schemas.microsoft.com/office/powerpoint/2010/main" val="3529839104"/>
-      </p:ext>
-    </p:extLst>
-  </p:cSld>
-  <p:clrMapOvr>
-    <a:masterClrMapping/>
-  </p:clrMapOvr>
-</p:sld>
-</file>
-
-<file path=ppt/slides/slide19.xml><?xml version="1.0" encoding="utf-8"?>
-<p:sld xmlns:a="http://schemas.openxmlformats.org/drawingml/2006/main" xmlns:r="http://schemas.openxmlformats.org/officeDocument/2006/relationships" xmlns:p="http://schemas.openxmlformats.org/presentationml/2006/main">
-  <p:cSld>
-    <p:bg>
-      <p:bgPr>
-        <a:solidFill>
-          <a:schemeClr val="tx1"/>
-        </a:solidFill>
-        <a:effectLst/>
-      </p:bgPr>
-    </p:bg>
-    <p:spTree>
-      <p:nvGrpSpPr>
-        <p:cNvPr id="1" name=""/>
-        <p:cNvGrpSpPr/>
-        <p:nvPr/>
-      </p:nvGrpSpPr>
-      <p:grpSpPr>
-        <a:xfrm>
-          <a:off x="0" y="0"/>
-          <a:ext cx="0" cy="0"/>
-          <a:chOff x="0" y="0"/>
-          <a:chExt cx="0" cy="0"/>
-        </a:xfrm>
-      </p:grpSpPr>
-      <p:sp>
-        <p:nvSpPr>
-          <p:cNvPr id="7" name="TextBox 6">
-            <a:extLst>
-              <a:ext uri="{FF2B5EF4-FFF2-40B4-BE49-F238E27FC236}">
-                <a16:creationId xmlns:a16="http://schemas.microsoft.com/office/drawing/2014/main" id="{57D789ED-E9F7-24E6-F755-AB0AE85FD0A2}"/>
-              </a:ext>
-            </a:extLst>
-          </p:cNvPr>
-          <p:cNvSpPr txBox="1"/>
-          <p:nvPr/>
-        </p:nvSpPr>
-        <p:spPr>
-          <a:xfrm>
-            <a:off x="1153838" y="2403415"/>
-            <a:ext cx="1210588" cy="707886"/>
-          </a:xfrm>
-          <a:prstGeom prst="rect">
-            <a:avLst/>
-          </a:prstGeom>
-          <a:noFill/>
-        </p:spPr>
-        <p:txBody>
-          <a:bodyPr wrap="none" lIns="91440" tIns="45720" rIns="91440" bIns="45720" rtlCol="0" anchor="t">
-            <a:spAutoFit/>
-          </a:bodyPr>
-          <a:lstStyle/>
-          <a:p>
-            <a:r>
-              <a:rPr lang="ko-KR" altLang="en-US" sz="4000" dirty="0" err="1">
-                <a:solidFill>
-                  <a:schemeClr val="bg1"/>
-                </a:solidFill>
-                <a:latin typeface="Pretendard Black" panose="02000A03000000020004" pitchFamily="50" charset="-127"/>
-                <a:ea typeface="Pretendard Black"/>
-                <a:cs typeface="Pretendard Black" panose="02000A03000000020004" pitchFamily="50" charset="-127"/>
-              </a:rPr>
-              <a:t>포션</a:t>
-            </a:r>
-            <a:endParaRPr lang="ko-KR" altLang="en-US" sz="4000" dirty="0" err="1">
-              <a:solidFill>
-                <a:schemeClr val="bg1"/>
-              </a:solidFill>
-              <a:latin typeface="Pretendard Black" panose="02000A03000000020004" pitchFamily="50" charset="-127"/>
-              <a:ea typeface="Pretendard Black" panose="02000A03000000020004" pitchFamily="50" charset="-127"/>
-              <a:cs typeface="Pretendard Black" panose="02000A03000000020004" pitchFamily="50" charset="-127"/>
-            </a:endParaRPr>
-          </a:p>
-        </p:txBody>
-      </p:sp>
-      <p:sp>
-        <p:nvSpPr>
-          <p:cNvPr id="27" name="TextBox 26">
-            <a:extLst>
-              <a:ext uri="{FF2B5EF4-FFF2-40B4-BE49-F238E27FC236}">
-                <a16:creationId xmlns:a16="http://schemas.microsoft.com/office/drawing/2014/main" id="{76DFBF0E-FDF1-1F46-CC62-E837A6407A10}"/>
-              </a:ext>
-            </a:extLst>
-          </p:cNvPr>
-          <p:cNvSpPr txBox="1"/>
-          <p:nvPr/>
-        </p:nvSpPr>
-        <p:spPr>
-          <a:xfrm>
-            <a:off x="1185529" y="3133096"/>
-            <a:ext cx="2449710" cy="1938992"/>
-          </a:xfrm>
-          <a:prstGeom prst="rect">
-            <a:avLst/>
-          </a:prstGeom>
-          <a:noFill/>
-        </p:spPr>
-        <p:txBody>
-          <a:bodyPr wrap="none" lIns="91440" tIns="45720" rIns="91440" bIns="45720" rtlCol="0" anchor="t">
-            <a:spAutoFit/>
-          </a:bodyPr>
-          <a:lstStyle/>
-          <a:p>
-            <a:r>
-              <a:rPr lang="en-US" altLang="ko-KR" sz="2000" spc="-150" dirty="0" err="1">
-                <a:solidFill>
-                  <a:schemeClr val="bg1"/>
-                </a:solidFill>
-                <a:latin typeface="AppleSDGothicNeoB00" panose="02000503000000000000" pitchFamily="2" charset="-127"/>
-                <a:ea typeface="AppleSDGothicNeoB00"/>
-                <a:cs typeface="Pretendard Black" panose="02000A03000000020004" pitchFamily="50" charset="-127"/>
-              </a:rPr>
-              <a:t>전투중에</a:t>
-            </a:r>
-            <a:endParaRPr lang="en-US" altLang="ko-KR" sz="2000" spc="-150" dirty="0">
-              <a:solidFill>
-                <a:schemeClr val="bg1"/>
-              </a:solidFill>
-              <a:latin typeface="AppleSDGothicNeoB00" panose="02000503000000000000" pitchFamily="2" charset="-127"/>
-              <a:ea typeface="AppleSDGothicNeoB00"/>
-              <a:cs typeface="Pretendard Black" panose="02000A03000000020004" pitchFamily="50" charset="-127"/>
-            </a:endParaRPr>
-          </a:p>
-          <a:p>
-            <a:r>
-              <a:rPr lang="en-US" altLang="ko-KR" sz="2000" spc="-150" dirty="0" err="1">
-                <a:solidFill>
-                  <a:schemeClr val="bg1"/>
-                </a:solidFill>
-                <a:latin typeface="AppleSDGothicNeoB00" panose="02000503000000000000" pitchFamily="2" charset="-127"/>
-                <a:ea typeface="AppleSDGothicNeoB00"/>
-                <a:cs typeface="Pretendard Black" panose="02000A03000000020004" pitchFamily="50" charset="-127"/>
-              </a:rPr>
-              <a:t>체력과</a:t>
-            </a:r>
-            <a:r>
-              <a:rPr lang="en-US" altLang="ko-KR" sz="2000" spc="-150" dirty="0">
-                <a:solidFill>
-                  <a:schemeClr val="bg1"/>
-                </a:solidFill>
-                <a:latin typeface="AppleSDGothicNeoB00" panose="02000503000000000000" pitchFamily="2" charset="-127"/>
-                <a:ea typeface="AppleSDGothicNeoB00"/>
-                <a:cs typeface="Pretendard Black" panose="02000A03000000020004" pitchFamily="50" charset="-127"/>
-              </a:rPr>
-              <a:t> </a:t>
-            </a:r>
-            <a:r>
-              <a:rPr lang="en-US" altLang="ko-KR" sz="2000" spc="-150" dirty="0" err="1">
-                <a:solidFill>
-                  <a:schemeClr val="bg1"/>
-                </a:solidFill>
-                <a:latin typeface="AppleSDGothicNeoB00" panose="02000503000000000000" pitchFamily="2" charset="-127"/>
-                <a:ea typeface="AppleSDGothicNeoB00"/>
-                <a:cs typeface="Pretendard Black" panose="02000A03000000020004" pitchFamily="50" charset="-127"/>
-              </a:rPr>
-              <a:t>마나를</a:t>
-            </a:r>
-          </a:p>
-          <a:p>
-            <a:r>
-              <a:rPr lang="en-US" altLang="ko-KR" sz="2000" spc="-150" dirty="0" err="1">
-                <a:solidFill>
-                  <a:schemeClr val="bg1"/>
-                </a:solidFill>
-                <a:latin typeface="AppleSDGothicNeoB00" panose="02000503000000000000" pitchFamily="2" charset="-127"/>
-                <a:ea typeface="AppleSDGothicNeoB00"/>
-                <a:cs typeface="Pretendard Black" panose="02000A03000000020004" pitchFamily="50" charset="-127"/>
-              </a:rPr>
-              <a:t>회복할</a:t>
-            </a:r>
-            <a:r>
-              <a:rPr lang="en-US" altLang="ko-KR" sz="2000" spc="-150" dirty="0">
-                <a:solidFill>
-                  <a:schemeClr val="bg1"/>
-                </a:solidFill>
-                <a:latin typeface="AppleSDGothicNeoB00" panose="02000503000000000000" pitchFamily="2" charset="-127"/>
-                <a:ea typeface="AppleSDGothicNeoB00"/>
-                <a:cs typeface="Pretendard Black" panose="02000A03000000020004" pitchFamily="50" charset="-127"/>
-              </a:rPr>
-              <a:t> 수 </a:t>
-            </a:r>
-            <a:r>
-              <a:rPr lang="en-US" altLang="ko-KR" sz="2000" spc="-150" dirty="0" err="1">
-                <a:solidFill>
-                  <a:schemeClr val="bg1"/>
-                </a:solidFill>
-                <a:latin typeface="AppleSDGothicNeoB00" panose="02000503000000000000" pitchFamily="2" charset="-127"/>
-                <a:ea typeface="AppleSDGothicNeoB00"/>
-                <a:cs typeface="Pretendard Black" panose="02000A03000000020004" pitchFamily="50" charset="-127"/>
-              </a:rPr>
-              <a:t>있어요</a:t>
-            </a:r>
-          </a:p>
-          <a:p>
-            <a:endParaRPr lang="en-US" altLang="ko-KR" sz="2000" spc="-150" dirty="0">
-              <a:solidFill>
-                <a:schemeClr val="bg1"/>
-              </a:solidFill>
-              <a:latin typeface="AppleSDGothicNeoB00" panose="02000503000000000000" pitchFamily="2" charset="-127"/>
-              <a:ea typeface="AppleSDGothicNeoB00"/>
-              <a:cs typeface="Pretendard Black" panose="02000A03000000020004" pitchFamily="50" charset="-127"/>
-            </a:endParaRPr>
-          </a:p>
-          <a:p>
-            <a:r>
-              <a:rPr lang="en-US" altLang="ko-KR" sz="2000" spc="-150" dirty="0">
-                <a:solidFill>
-                  <a:schemeClr val="bg1"/>
-                </a:solidFill>
-                <a:latin typeface="AppleSDGothicNeoB00" panose="02000503000000000000" pitchFamily="2" charset="-127"/>
-                <a:ea typeface="AppleSDGothicNeoB00"/>
-                <a:cs typeface="Pretendard Black" panose="02000A03000000020004" pitchFamily="50" charset="-127"/>
-              </a:rPr>
-              <a:t>(</a:t>
-            </a:r>
-            <a:r>
-              <a:rPr lang="en-US" altLang="ko-KR" sz="2000" spc="-150" dirty="0" err="1">
-                <a:solidFill>
-                  <a:schemeClr val="bg1"/>
-                </a:solidFill>
-                <a:latin typeface="AppleSDGothicNeoB00" panose="02000503000000000000" pitchFamily="2" charset="-127"/>
-                <a:ea typeface="AppleSDGothicNeoB00"/>
-                <a:cs typeface="Pretendard Black" panose="02000A03000000020004" pitchFamily="50" charset="-127"/>
-              </a:rPr>
-              <a:t>인벤토리</a:t>
-            </a:r>
-            <a:r>
-              <a:rPr lang="en-US" altLang="ko-KR" sz="2000" spc="-150" dirty="0">
-                <a:solidFill>
-                  <a:schemeClr val="bg1"/>
-                </a:solidFill>
-                <a:latin typeface="AppleSDGothicNeoB00" panose="02000503000000000000" pitchFamily="2" charset="-127"/>
-                <a:ea typeface="AppleSDGothicNeoB00"/>
-                <a:cs typeface="Pretendard Black" panose="02000A03000000020004" pitchFamily="50" charset="-127"/>
-              </a:rPr>
-              <a:t> </a:t>
-            </a:r>
-            <a:r>
-              <a:rPr lang="en-US" altLang="ko-KR" sz="2000" spc="-150" dirty="0" err="1">
-                <a:solidFill>
-                  <a:schemeClr val="bg1"/>
-                </a:solidFill>
-                <a:latin typeface="AppleSDGothicNeoB00" panose="02000503000000000000" pitchFamily="2" charset="-127"/>
-                <a:ea typeface="AppleSDGothicNeoB00"/>
-                <a:cs typeface="Pretendard Black" panose="02000A03000000020004" pitchFamily="50" charset="-127"/>
-              </a:rPr>
-              <a:t>딕셔너리와</a:t>
-            </a:r>
-          </a:p>
-          <a:p>
-            <a:r>
-              <a:rPr lang="en-US" altLang="ko-KR" sz="2000" spc="-150" dirty="0" err="1">
-                <a:solidFill>
-                  <a:schemeClr val="bg1"/>
-                </a:solidFill>
-                <a:latin typeface="AppleSDGothicNeoB00" panose="02000503000000000000" pitchFamily="2" charset="-127"/>
-                <a:ea typeface="AppleSDGothicNeoB00"/>
-                <a:cs typeface="Pretendard Black" panose="02000A03000000020004" pitchFamily="50" charset="-127"/>
-              </a:rPr>
-              <a:t>LINQ?사용</a:t>
-            </a:r>
-            <a:r>
-              <a:rPr lang="en-US" altLang="ko-KR" sz="2000" spc="-150" dirty="0">
-                <a:solidFill>
-                  <a:schemeClr val="bg1"/>
-                </a:solidFill>
-                <a:latin typeface="AppleSDGothicNeoB00" panose="02000503000000000000" pitchFamily="2" charset="-127"/>
-                <a:ea typeface="AppleSDGothicNeoB00"/>
-                <a:cs typeface="Pretendard Black" panose="02000A03000000020004" pitchFamily="50" charset="-127"/>
-              </a:rPr>
-              <a:t>)</a:t>
-            </a:r>
-          </a:p>
-        </p:txBody>
-      </p:sp>
-      <p:sp>
-        <p:nvSpPr>
-          <p:cNvPr id="6" name="TextBox 5">
-            <a:extLst>
-              <a:ext uri="{FF2B5EF4-FFF2-40B4-BE49-F238E27FC236}">
-                <a16:creationId xmlns:a16="http://schemas.microsoft.com/office/drawing/2014/main" id="{66D086EB-0C52-1987-1F8D-A09E7FC4D2C8}"/>
-              </a:ext>
-            </a:extLst>
-          </p:cNvPr>
-          <p:cNvSpPr txBox="1"/>
-          <p:nvPr/>
-        </p:nvSpPr>
-        <p:spPr>
-          <a:xfrm>
-            <a:off x="1221133" y="852041"/>
-            <a:ext cx="1679229" cy="253916"/>
-          </a:xfrm>
-          <a:prstGeom prst="rect">
-            <a:avLst/>
-          </a:prstGeom>
-          <a:noFill/>
-        </p:spPr>
-        <p:txBody>
-          <a:bodyPr wrap="square" rtlCol="0">
-            <a:spAutoFit/>
-          </a:bodyPr>
-          <a:lstStyle/>
-          <a:p>
-            <a:pPr algn="ctr"/>
-            <a:r>
-              <a:rPr lang="en-US" altLang="ko-KR" sz="1050">
-                <a:solidFill>
-                  <a:schemeClr val="bg1"/>
-                </a:solidFill>
-                <a:latin typeface="Pretendard" panose="02000803000000020004" pitchFamily="50" charset="-127"/>
-                <a:ea typeface="Pretendard" panose="02000803000000020004" pitchFamily="50" charset="-127"/>
-                <a:cs typeface="Pretendard" panose="02000803000000020004" pitchFamily="50" charset="-127"/>
-              </a:rPr>
-              <a:t>&lt;</a:t>
-            </a:r>
-            <a:r>
-              <a:rPr lang="ko-KR" altLang="en-US" sz="1050">
-                <a:solidFill>
-                  <a:schemeClr val="bg1"/>
-                </a:solidFill>
-                <a:latin typeface="Pretendard" panose="02000803000000020004" pitchFamily="50" charset="-127"/>
-                <a:ea typeface="Pretendard" panose="02000803000000020004" pitchFamily="50" charset="-127"/>
-                <a:cs typeface="Pretendard" panose="02000803000000020004" pitchFamily="50" charset="-127"/>
-              </a:rPr>
-              <a:t>한끼줍쇼</a:t>
-            </a:r>
-            <a:r>
-              <a:rPr lang="en-US" altLang="ko-KR" sz="1050">
-                <a:solidFill>
-                  <a:schemeClr val="bg1"/>
-                </a:solidFill>
-                <a:latin typeface="Pretendard" panose="02000803000000020004" pitchFamily="50" charset="-127"/>
-                <a:ea typeface="Pretendard" panose="02000803000000020004" pitchFamily="50" charset="-127"/>
-                <a:cs typeface="Pretendard" panose="02000803000000020004" pitchFamily="50" charset="-127"/>
-              </a:rPr>
-              <a:t>&gt; </a:t>
-            </a:r>
-            <a:r>
-              <a:rPr lang="ko-KR" altLang="en-US" sz="1050">
-                <a:solidFill>
-                  <a:schemeClr val="bg1"/>
-                </a:solidFill>
-                <a:latin typeface="Pretendard" panose="02000803000000020004" pitchFamily="50" charset="-127"/>
-                <a:ea typeface="Pretendard" panose="02000803000000020004" pitchFamily="50" charset="-127"/>
-                <a:cs typeface="Pretendard" panose="02000803000000020004" pitchFamily="50" charset="-127"/>
-              </a:rPr>
-              <a:t>매니저님밥</a:t>
-            </a:r>
-            <a:r>
-              <a:rPr lang="en-US" altLang="ko-KR" sz="1050">
-                <a:solidFill>
-                  <a:schemeClr val="bg1"/>
-                </a:solidFill>
-                <a:latin typeface="Pretendard" panose="02000803000000020004" pitchFamily="50" charset="-127"/>
-                <a:ea typeface="Pretendard" panose="02000803000000020004" pitchFamily="50" charset="-127"/>
-                <a:cs typeface="Pretendard" panose="02000803000000020004" pitchFamily="50" charset="-127"/>
-              </a:rPr>
-              <a:t>4</a:t>
-            </a:r>
-            <a:r>
-              <a:rPr lang="ko-KR" altLang="en-US" sz="1050">
-                <a:solidFill>
-                  <a:schemeClr val="bg1"/>
-                </a:solidFill>
-                <a:latin typeface="Pretendard" panose="02000803000000020004" pitchFamily="50" charset="-127"/>
-                <a:ea typeface="Pretendard" panose="02000803000000020004" pitchFamily="50" charset="-127"/>
-                <a:cs typeface="Pretendard" panose="02000803000000020004" pitchFamily="50" charset="-127"/>
-              </a:rPr>
-              <a:t>조</a:t>
-            </a:r>
-            <a:endParaRPr lang="ko-KR" altLang="en-US" sz="1600" dirty="0">
-              <a:solidFill>
-                <a:schemeClr val="bg1"/>
-              </a:solidFill>
-              <a:latin typeface="Pretendard" panose="02000803000000020004" pitchFamily="50" charset="-127"/>
-              <a:ea typeface="Pretendard" panose="02000803000000020004" pitchFamily="50" charset="-127"/>
-              <a:cs typeface="Pretendard" panose="02000803000000020004" pitchFamily="50" charset="-127"/>
-            </a:endParaRPr>
-          </a:p>
-        </p:txBody>
-      </p:sp>
-      <p:pic>
-        <p:nvPicPr>
-          <p:cNvPr id="3" name="그림 2" descr="텍스트, 스크린샷이(가) 표시된 사진&#10;&#10;자동 생성된 설명">
-            <a:extLst>
-              <a:ext uri="{FF2B5EF4-FFF2-40B4-BE49-F238E27FC236}">
-                <a16:creationId xmlns:a16="http://schemas.microsoft.com/office/drawing/2014/main" id="{8E98DAF4-DBA2-41E9-881D-B8FA0A33AF12}"/>
-              </a:ext>
-            </a:extLst>
-          </p:cNvPr>
-          <p:cNvPicPr>
-            <a:picLocks noChangeAspect="1"/>
-          </p:cNvPicPr>
-          <p:nvPr/>
-        </p:nvPicPr>
-        <p:blipFill>
-          <a:blip r:embed="rId3"/>
-          <a:stretch>
-            <a:fillRect/>
-          </a:stretch>
-        </p:blipFill>
-        <p:spPr>
-          <a:xfrm>
-            <a:off x="4131151" y="132145"/>
-            <a:ext cx="7778280" cy="6603356"/>
-          </a:xfrm>
-          <a:prstGeom prst="rect">
-            <a:avLst/>
-          </a:prstGeom>
-        </p:spPr>
-      </p:pic>
-    </p:spTree>
-    <p:extLst>
-      <p:ext uri="{BB962C8B-B14F-4D97-AF65-F5344CB8AC3E}">
-        <p14:creationId xmlns:p14="http://schemas.microsoft.com/office/powerpoint/2010/main" val="2030193622"/>
       </p:ext>
     </p:extLst>
   </p:cSld>

--- a/PPT/한끼줍쇼v2 (던전, 퀘스트 내용 추가).pptx
+++ b/PPT/한끼줍쇼v2 (던전, 퀘스트 내용 추가).pptx
@@ -22,9 +22,9 @@
     <p:sldId id="284" r:id="rId13"/>
     <p:sldId id="272" r:id="rId14"/>
     <p:sldId id="274" r:id="rId15"/>
-    <p:sldId id="277" r:id="rId16"/>
-    <p:sldId id="278" r:id="rId17"/>
-    <p:sldId id="279" r:id="rId18"/>
+    <p:sldId id="279" r:id="rId16"/>
+    <p:sldId id="277" r:id="rId17"/>
+    <p:sldId id="278" r:id="rId18"/>
     <p:sldId id="280" r:id="rId19"/>
   </p:sldIdLst>
   <p:sldSz cx="12192000" cy="6858000"/>
@@ -222,7 +222,7 @@
           <a:p>
             <a:fld id="{3F2BDD87-8601-44C0-8762-86821ADC0357}" type="datetimeFigureOut">
               <a:rPr lang="ko-KR" altLang="en-US" smtClean="0"/>
-              <a:t>2024-10-03</a:t>
+              <a:t>2024-10-04</a:t>
             </a:fld>
             <a:endParaRPr lang="ko-KR" altLang="en-US"/>
           </a:p>
@@ -1053,7 +1053,7 @@
     </p:spTree>
     <p:extLst>
       <p:ext uri="{BB962C8B-B14F-4D97-AF65-F5344CB8AC3E}">
-        <p14:creationId xmlns:p14="http://schemas.microsoft.com/office/powerpoint/2010/main" val="1689277674"/>
+        <p14:creationId xmlns:p14="http://schemas.microsoft.com/office/powerpoint/2010/main" val="3858439223"/>
       </p:ext>
     </p:extLst>
   </p:cSld>
@@ -1176,7 +1176,7 @@
     </p:spTree>
     <p:extLst>
       <p:ext uri="{BB962C8B-B14F-4D97-AF65-F5344CB8AC3E}">
-        <p14:creationId xmlns:p14="http://schemas.microsoft.com/office/powerpoint/2010/main" val="1981375694"/>
+        <p14:creationId xmlns:p14="http://schemas.microsoft.com/office/powerpoint/2010/main" val="1689277674"/>
       </p:ext>
     </p:extLst>
   </p:cSld>
@@ -1299,7 +1299,7 @@
     </p:spTree>
     <p:extLst>
       <p:ext uri="{BB962C8B-B14F-4D97-AF65-F5344CB8AC3E}">
-        <p14:creationId xmlns:p14="http://schemas.microsoft.com/office/powerpoint/2010/main" val="3858439223"/>
+        <p14:creationId xmlns:p14="http://schemas.microsoft.com/office/powerpoint/2010/main" val="1981375694"/>
       </p:ext>
     </p:extLst>
   </p:cSld>
@@ -3039,7 +3039,7 @@
           <a:p>
             <a:fld id="{22607FF4-F8F4-476D-9DDE-70E24D09C499}" type="datetimeFigureOut">
               <a:rPr lang="ko-KR" altLang="en-US" smtClean="0"/>
-              <a:t>2024-10-03</a:t>
+              <a:t>2024-10-04</a:t>
             </a:fld>
             <a:endParaRPr lang="ko-KR" altLang="en-US"/>
           </a:p>
@@ -3237,7 +3237,7 @@
           <a:p>
             <a:fld id="{22607FF4-F8F4-476D-9DDE-70E24D09C499}" type="datetimeFigureOut">
               <a:rPr lang="ko-KR" altLang="en-US" smtClean="0"/>
-              <a:t>2024-10-03</a:t>
+              <a:t>2024-10-04</a:t>
             </a:fld>
             <a:endParaRPr lang="ko-KR" altLang="en-US"/>
           </a:p>
@@ -3445,7 +3445,7 @@
           <a:p>
             <a:fld id="{22607FF4-F8F4-476D-9DDE-70E24D09C499}" type="datetimeFigureOut">
               <a:rPr lang="ko-KR" altLang="en-US" smtClean="0"/>
-              <a:t>2024-10-03</a:t>
+              <a:t>2024-10-04</a:t>
             </a:fld>
             <a:endParaRPr lang="ko-KR" altLang="en-US"/>
           </a:p>
@@ -3643,7 +3643,7 @@
           <a:p>
             <a:fld id="{22607FF4-F8F4-476D-9DDE-70E24D09C499}" type="datetimeFigureOut">
               <a:rPr lang="ko-KR" altLang="en-US" smtClean="0"/>
-              <a:t>2024-10-03</a:t>
+              <a:t>2024-10-04</a:t>
             </a:fld>
             <a:endParaRPr lang="ko-KR" altLang="en-US"/>
           </a:p>
@@ -3918,7 +3918,7 @@
           <a:p>
             <a:fld id="{22607FF4-F8F4-476D-9DDE-70E24D09C499}" type="datetimeFigureOut">
               <a:rPr lang="ko-KR" altLang="en-US" smtClean="0"/>
-              <a:t>2024-10-03</a:t>
+              <a:t>2024-10-04</a:t>
             </a:fld>
             <a:endParaRPr lang="ko-KR" altLang="en-US"/>
           </a:p>
@@ -4183,7 +4183,7 @@
           <a:p>
             <a:fld id="{22607FF4-F8F4-476D-9DDE-70E24D09C499}" type="datetimeFigureOut">
               <a:rPr lang="ko-KR" altLang="en-US" smtClean="0"/>
-              <a:t>2024-10-03</a:t>
+              <a:t>2024-10-04</a:t>
             </a:fld>
             <a:endParaRPr lang="ko-KR" altLang="en-US"/>
           </a:p>
@@ -4595,7 +4595,7 @@
           <a:p>
             <a:fld id="{22607FF4-F8F4-476D-9DDE-70E24D09C499}" type="datetimeFigureOut">
               <a:rPr lang="ko-KR" altLang="en-US" smtClean="0"/>
-              <a:t>2024-10-03</a:t>
+              <a:t>2024-10-04</a:t>
             </a:fld>
             <a:endParaRPr lang="ko-KR" altLang="en-US"/>
           </a:p>
@@ -4736,7 +4736,7 @@
           <a:p>
             <a:fld id="{22607FF4-F8F4-476D-9DDE-70E24D09C499}" type="datetimeFigureOut">
               <a:rPr lang="ko-KR" altLang="en-US" smtClean="0"/>
-              <a:t>2024-10-03</a:t>
+              <a:t>2024-10-04</a:t>
             </a:fld>
             <a:endParaRPr lang="ko-KR" altLang="en-US"/>
           </a:p>
@@ -4849,7 +4849,7 @@
           <a:p>
             <a:fld id="{22607FF4-F8F4-476D-9DDE-70E24D09C499}" type="datetimeFigureOut">
               <a:rPr lang="ko-KR" altLang="en-US" smtClean="0"/>
-              <a:t>2024-10-03</a:t>
+              <a:t>2024-10-04</a:t>
             </a:fld>
             <a:endParaRPr lang="ko-KR" altLang="en-US"/>
           </a:p>
@@ -5160,7 +5160,7 @@
           <a:p>
             <a:fld id="{22607FF4-F8F4-476D-9DDE-70E24D09C499}" type="datetimeFigureOut">
               <a:rPr lang="ko-KR" altLang="en-US" smtClean="0"/>
-              <a:t>2024-10-03</a:t>
+              <a:t>2024-10-04</a:t>
             </a:fld>
             <a:endParaRPr lang="ko-KR" altLang="en-US"/>
           </a:p>
@@ -5448,7 +5448,7 @@
           <a:p>
             <a:fld id="{22607FF4-F8F4-476D-9DDE-70E24D09C499}" type="datetimeFigureOut">
               <a:rPr lang="ko-KR" altLang="en-US" smtClean="0"/>
-              <a:t>2024-10-03</a:t>
+              <a:t>2024-10-04</a:t>
             </a:fld>
             <a:endParaRPr lang="ko-KR" altLang="en-US"/>
           </a:p>
@@ -5689,7 +5689,7 @@
           <a:p>
             <a:fld id="{22607FF4-F8F4-476D-9DDE-70E24D09C499}" type="datetimeFigureOut">
               <a:rPr lang="ko-KR" altLang="en-US" smtClean="0"/>
-              <a:t>2024-10-03</a:t>
+              <a:t>2024-10-04</a:t>
             </a:fld>
             <a:endParaRPr lang="ko-KR" altLang="en-US"/>
           </a:p>
@@ -8163,7 +8163,7 @@
         <p:spPr>
           <a:xfrm>
             <a:off x="1153838" y="2403415"/>
-            <a:ext cx="3443571" cy="707886"/>
+            <a:ext cx="2133918" cy="707886"/>
           </a:xfrm>
           <a:prstGeom prst="rect">
             <a:avLst/>
@@ -8177,7 +8177,7 @@
           <a:lstStyle/>
           <a:p>
             <a:r>
-              <a:rPr lang="ko-KR" altLang="en-US" sz="4000" dirty="0">
+              <a:rPr lang="ko-KR" altLang="en-US" sz="4000">
                 <a:solidFill>
                   <a:schemeClr val="bg1"/>
                 </a:solidFill>
@@ -8185,8 +8185,27 @@
                 <a:ea typeface="Pretendard Black"/>
                 <a:cs typeface="Pretendard Black" panose="02000A03000000020004" pitchFamily="50" charset="-127"/>
               </a:rPr>
-              <a:t>퀘스트 클래스</a:t>
-            </a:r>
+              <a:t>퀘스트 </a:t>
+            </a:r>
+            <a:r>
+              <a:rPr lang="en-US" altLang="ko-KR" sz="4000">
+                <a:solidFill>
+                  <a:schemeClr val="bg1"/>
+                </a:solidFill>
+                <a:latin typeface="Pretendard Black" panose="02000A03000000020004" pitchFamily="50" charset="-127"/>
+                <a:ea typeface="Pretendard Black"/>
+                <a:cs typeface="Pretendard Black" panose="02000A03000000020004" pitchFamily="50" charset="-127"/>
+              </a:rPr>
+              <a:t>UI</a:t>
+            </a:r>
+            <a:endParaRPr lang="ko-KR" altLang="en-US" sz="4000" dirty="0">
+              <a:solidFill>
+                <a:schemeClr val="bg1"/>
+              </a:solidFill>
+              <a:latin typeface="Pretendard Black" panose="02000A03000000020004" pitchFamily="50" charset="-127"/>
+              <a:ea typeface="Pretendard Black"/>
+              <a:cs typeface="Pretendard Black" panose="02000A03000000020004" pitchFamily="50" charset="-127"/>
+            </a:endParaRPr>
           </a:p>
         </p:txBody>
       </p:sp>
@@ -8205,7 +8224,7 @@
         <p:spPr>
           <a:xfrm>
             <a:off x="1156593" y="3113805"/>
-            <a:ext cx="3566987" cy="1015663"/>
+            <a:ext cx="3566987" cy="707886"/>
           </a:xfrm>
           <a:prstGeom prst="rect">
             <a:avLst/>
@@ -8243,7 +8262,7 @@
                 </a:solidFill>
                 <a:ea typeface="AppleSDGothicNeoB00"/>
               </a:rPr>
-              <a:t>클래스</a:t>
+              <a:t>선택화면에서</a:t>
             </a:r>
           </a:p>
           <a:p>
@@ -8254,7 +8273,7 @@
                 </a:solidFill>
                 <a:ea typeface="AppleSDGothicNeoB00"/>
               </a:rPr>
-              <a:t>퀘스트의</a:t>
+              <a:t>퀘스트</a:t>
             </a:r>
             <a:r>
               <a:rPr lang="en-US" altLang="ko-KR" sz="2000" spc="-150" dirty="0">
@@ -8272,7 +8291,7 @@
                 </a:solidFill>
                 <a:ea typeface="AppleSDGothicNeoB00"/>
               </a:rPr>
-              <a:t>성격에</a:t>
+              <a:t>성공여부를</a:t>
             </a:r>
             <a:r>
               <a:rPr lang="en-US" altLang="ko-KR" sz="2000" spc="-150" dirty="0">
@@ -8290,10 +8309,17 @@
                 </a:solidFill>
                 <a:ea typeface="AppleSDGothicNeoB00"/>
               </a:rPr>
-              <a:t>맞는</a:t>
-            </a:r>
-          </a:p>
-          <a:p>
+              <a:t>항상</a:t>
+            </a:r>
+            <a:r>
+              <a:rPr lang="en-US" altLang="ko-KR" sz="2000" spc="-150" dirty="0">
+                <a:solidFill>
+                  <a:schemeClr val="bg1"/>
+                </a:solidFill>
+                <a:ea typeface="AppleSDGothicNeoB00"/>
+              </a:rPr>
+              <a:t> </a:t>
+            </a:r>
             <a:r>
               <a:rPr lang="en-US" altLang="ko-KR" sz="2000" spc="-150" dirty="0" err="1">
                 <a:solidFill>
@@ -8301,25 +8327,7 @@
                 </a:solidFill>
                 <a:ea typeface="AppleSDGothicNeoB00"/>
               </a:rPr>
-              <a:t>자식클래스</a:t>
-            </a:r>
-            <a:r>
-              <a:rPr lang="en-US" altLang="ko-KR" sz="2000" spc="-150" dirty="0">
-                <a:solidFill>
-                  <a:schemeClr val="bg1"/>
-                </a:solidFill>
-                <a:ea typeface="AppleSDGothicNeoB00"/>
-              </a:rPr>
-              <a:t> </a:t>
-            </a:r>
-            <a:r>
-              <a:rPr lang="en-US" altLang="ko-KR" sz="2000" spc="-150" dirty="0" err="1">
-                <a:solidFill>
-                  <a:schemeClr val="bg1"/>
-                </a:solidFill>
-                <a:ea typeface="AppleSDGothicNeoB00"/>
-              </a:rPr>
-              <a:t>생성</a:t>
+              <a:t>체크</a:t>
             </a:r>
           </a:p>
         </p:txBody>
@@ -8432,10 +8440,10 @@
       </p:sp>
       <p:pic>
         <p:nvPicPr>
-          <p:cNvPr id="2" name="그림 1" descr="텍스트, 스크린샷, 폰트이(가) 표시된 사진&#10;&#10;자동 생성된 설명">
-            <a:extLst>
-              <a:ext uri="{FF2B5EF4-FFF2-40B4-BE49-F238E27FC236}">
-                <a16:creationId xmlns:a16="http://schemas.microsoft.com/office/drawing/2014/main" id="{AF832BAC-6276-4623-838E-8B046A088E7B}"/>
+          <p:cNvPr id="2" name="그림 1" descr="텍스트, 스크린샷, 디스플레이, 소프트웨어이(가) 표시된 사진&#10;&#10;자동 생성된 설명">
+            <a:extLst>
+              <a:ext uri="{FF2B5EF4-FFF2-40B4-BE49-F238E27FC236}">
+                <a16:creationId xmlns:a16="http://schemas.microsoft.com/office/drawing/2014/main" id="{72366E56-DDF7-80E0-3FC6-D90118FB58F8}"/>
               </a:ext>
             </a:extLst>
           </p:cNvPr>
@@ -8452,18 +8460,70 @@
         </p:blipFill>
         <p:spPr>
           <a:xfrm>
-            <a:off x="5795420" y="2582119"/>
-            <a:ext cx="4324350" cy="1066800"/>
+            <a:off x="4326134" y="2487310"/>
+            <a:ext cx="7271226" cy="5000885"/>
           </a:xfrm>
           <a:prstGeom prst="rect">
             <a:avLst/>
           </a:prstGeom>
         </p:spPr>
       </p:pic>
+      <p:sp>
+        <p:nvSpPr>
+          <p:cNvPr id="4" name="직사각형 3">
+            <a:extLst>
+              <a:ext uri="{FF2B5EF4-FFF2-40B4-BE49-F238E27FC236}">
+                <a16:creationId xmlns:a16="http://schemas.microsoft.com/office/drawing/2014/main" id="{10212E26-602F-A658-3F30-021416F27442}"/>
+              </a:ext>
+            </a:extLst>
+          </p:cNvPr>
+          <p:cNvSpPr/>
+          <p:nvPr/>
+        </p:nvSpPr>
+        <p:spPr>
+          <a:xfrm>
+            <a:off x="5956300" y="4406900"/>
+            <a:ext cx="1174750" cy="209550"/>
+          </a:xfrm>
+          <a:prstGeom prst="rect">
+            <a:avLst/>
+          </a:prstGeom>
+          <a:noFill/>
+          <a:ln>
+            <a:solidFill>
+              <a:schemeClr val="bg1"/>
+            </a:solidFill>
+          </a:ln>
+        </p:spPr>
+        <p:style>
+          <a:lnRef idx="2">
+            <a:schemeClr val="accent1">
+              <a:shade val="15000"/>
+            </a:schemeClr>
+          </a:lnRef>
+          <a:fillRef idx="1">
+            <a:schemeClr val="accent1"/>
+          </a:fillRef>
+          <a:effectRef idx="0">
+            <a:schemeClr val="accent1"/>
+          </a:effectRef>
+          <a:fontRef idx="minor">
+            <a:schemeClr val="lt1"/>
+          </a:fontRef>
+        </p:style>
+        <p:txBody>
+          <a:bodyPr rtlCol="0" anchor="ctr"/>
+          <a:lstStyle/>
+          <a:p>
+            <a:pPr algn="ctr"/>
+            <a:endParaRPr lang="ko-KR" altLang="en-US"/>
+          </a:p>
+        </p:txBody>
+      </p:sp>
     </p:spTree>
     <p:extLst>
       <p:ext uri="{BB962C8B-B14F-4D97-AF65-F5344CB8AC3E}">
-        <p14:creationId xmlns:p14="http://schemas.microsoft.com/office/powerpoint/2010/main" val="146011450"/>
+        <p14:creationId xmlns:p14="http://schemas.microsoft.com/office/powerpoint/2010/main" val="130132520"/>
       </p:ext>
     </p:extLst>
   </p:cSld>
@@ -8569,88 +8629,82 @@
           <a:lstStyle/>
           <a:p>
             <a:r>
-              <a:rPr lang="en-US" altLang="ko-KR" sz="2000" spc="-150" dirty="0">
+              <a:rPr lang="en-US" altLang="ko-KR" sz="2000" spc="-150">
                 <a:solidFill>
                   <a:schemeClr val="bg1"/>
                 </a:solidFill>
                 <a:ea typeface="AppleSDGothicNeoB00"/>
               </a:rPr>
-              <a:t>각 </a:t>
-            </a:r>
-            <a:r>
-              <a:rPr lang="en-US" altLang="ko-KR" sz="2000" spc="-150" dirty="0" err="1">
+              <a:t>퀘스트의 </a:t>
+            </a:r>
+            <a:r>
+              <a:rPr lang="ko-KR" altLang="en-US" sz="2000" spc="-150">
                 <a:solidFill>
                   <a:schemeClr val="bg1"/>
                 </a:solidFill>
                 <a:ea typeface="AppleSDGothicNeoB00"/>
               </a:rPr>
-              <a:t>클래스에</a:t>
-            </a:r>
-            <a:r>
-              <a:rPr lang="en-US" altLang="ko-KR" sz="2000" spc="-150" dirty="0">
+              <a:t>내용</a:t>
+            </a:r>
+            <a:r>
+              <a:rPr lang="en-US" altLang="ko-KR" sz="2000" spc="-150">
                 <a:solidFill>
                   <a:schemeClr val="bg1"/>
                 </a:solidFill>
                 <a:ea typeface="AppleSDGothicNeoB00"/>
               </a:rPr>
-              <a:t> </a:t>
-            </a:r>
-            <a:r>
-              <a:rPr lang="en-US" altLang="ko-KR" sz="2000" spc="-150" dirty="0" err="1">
+              <a:t>에 </a:t>
+            </a:r>
+            <a:r>
+              <a:rPr lang="ko-KR" altLang="en-US" sz="2000" spc="-150">
                 <a:solidFill>
                   <a:schemeClr val="bg1"/>
                 </a:solidFill>
                 <a:ea typeface="AppleSDGothicNeoB00"/>
               </a:rPr>
-              <a:t>맞는</a:t>
-            </a:r>
-          </a:p>
-          <a:p>
-            <a:r>
-              <a:rPr lang="en-US" altLang="ko-KR" sz="2000" spc="-150" dirty="0" err="1">
+              <a:t>따라</a:t>
+            </a:r>
+            <a:endParaRPr lang="en-US" altLang="ko-KR" sz="2000" spc="-150" dirty="0" err="1">
+              <a:solidFill>
+                <a:schemeClr val="bg1"/>
+              </a:solidFill>
+              <a:ea typeface="AppleSDGothicNeoB00"/>
+            </a:endParaRPr>
+          </a:p>
+          <a:p>
+            <a:r>
+              <a:rPr lang="en-US" altLang="ko-KR" sz="2000" spc="-150" err="1">
                 <a:solidFill>
                   <a:schemeClr val="bg1"/>
                 </a:solidFill>
                 <a:ea typeface="AppleSDGothicNeoB00"/>
               </a:rPr>
-              <a:t>성공여부를</a:t>
-            </a:r>
-            <a:r>
-              <a:rPr lang="en-US" altLang="ko-KR" sz="2000" spc="-150" dirty="0">
+              <a:t>자식클래스</a:t>
+            </a:r>
+            <a:r>
+              <a:rPr lang="en-US" altLang="ko-KR" sz="2000" spc="-150">
                 <a:solidFill>
                   <a:schemeClr val="bg1"/>
                 </a:solidFill>
                 <a:ea typeface="AppleSDGothicNeoB00"/>
               </a:rPr>
-              <a:t> </a:t>
-            </a:r>
-            <a:r>
-              <a:rPr lang="en-US" altLang="ko-KR" sz="2000" spc="-150" dirty="0" err="1">
+              <a:t> 생성 </a:t>
+            </a:r>
+            <a:r>
+              <a:rPr lang="ko-KR" altLang="en-US" sz="2000" spc="-150">
                 <a:solidFill>
                   <a:schemeClr val="bg1"/>
                 </a:solidFill>
                 <a:ea typeface="AppleSDGothicNeoB00"/>
               </a:rPr>
-              <a:t>체크하는</a:t>
-            </a:r>
-            <a:r>
-              <a:rPr lang="en-US" altLang="ko-KR" sz="2000" spc="-150" dirty="0">
-                <a:solidFill>
-                  <a:schemeClr val="bg1"/>
-                </a:solidFill>
-                <a:ea typeface="AppleSDGothicNeoB00"/>
-              </a:rPr>
-              <a:t> </a:t>
-            </a:r>
-            <a:r>
-              <a:rPr lang="en-US" altLang="ko-KR" sz="2000" spc="-150" dirty="0" err="1">
-                <a:solidFill>
-                  <a:schemeClr val="bg1"/>
-                </a:solidFill>
-                <a:ea typeface="AppleSDGothicNeoB00"/>
-              </a:rPr>
-              <a:t>함수</a:t>
-            </a:r>
+              <a:t>했어요</a:t>
+            </a:r>
+            <a:endParaRPr lang="en-US" altLang="ko-KR" sz="2000" spc="-150" dirty="0" err="1">
+              <a:solidFill>
+                <a:schemeClr val="bg1"/>
+              </a:solidFill>
+              <a:ea typeface="AppleSDGothicNeoB00"/>
+            </a:endParaRPr>
           </a:p>
         </p:txBody>
       </p:sp>
@@ -8762,10 +8816,10 @@
       </p:sp>
       <p:pic>
         <p:nvPicPr>
-          <p:cNvPr id="3" name="그림 2" descr="텍스트, 스크린샷, 폰트이(가) 표시된 사진&#10;&#10;자동 생성된 설명">
-            <a:extLst>
-              <a:ext uri="{FF2B5EF4-FFF2-40B4-BE49-F238E27FC236}">
-                <a16:creationId xmlns:a16="http://schemas.microsoft.com/office/drawing/2014/main" id="{F88325F8-0317-179A-9CC9-BD3544390E32}"/>
+          <p:cNvPr id="2" name="그림 1" descr="텍스트, 스크린샷, 폰트이(가) 표시된 사진&#10;&#10;자동 생성된 설명">
+            <a:extLst>
+              <a:ext uri="{FF2B5EF4-FFF2-40B4-BE49-F238E27FC236}">
+                <a16:creationId xmlns:a16="http://schemas.microsoft.com/office/drawing/2014/main" id="{AF832BAC-6276-4623-838E-8B046A088E7B}"/>
               </a:ext>
             </a:extLst>
           </p:cNvPr>
@@ -8776,14 +8830,13 @@
         </p:nvPicPr>
         <p:blipFill>
           <a:blip r:embed="rId3"/>
-          <a:stretch>
-            <a:fillRect/>
-          </a:stretch>
+          <a:srcRect t="48562"/>
+          <a:stretch/>
         </p:blipFill>
         <p:spPr>
           <a:xfrm>
-            <a:off x="5778118" y="853632"/>
-            <a:ext cx="4985915" cy="2893671"/>
+            <a:off x="5416407" y="3632047"/>
+            <a:ext cx="5010871" cy="635854"/>
           </a:xfrm>
           <a:prstGeom prst="rect">
             <a:avLst/>
@@ -8792,10 +8845,10 @@
       </p:pic>
       <p:pic>
         <p:nvPicPr>
-          <p:cNvPr id="4" name="그림 3" descr="텍스트, 스크린샷, 폰트, 소프트웨어이(가) 표시된 사진&#10;&#10;자동 생성된 설명">
-            <a:extLst>
-              <a:ext uri="{FF2B5EF4-FFF2-40B4-BE49-F238E27FC236}">
-                <a16:creationId xmlns:a16="http://schemas.microsoft.com/office/drawing/2014/main" id="{B81D2848-CED8-026F-46D7-80A908C33A75}"/>
+          <p:cNvPr id="5" name="그림 4" descr="텍스트, 스크린샷, 폰트이(가) 표시된 사진&#10;&#10;자동 생성된 설명">
+            <a:extLst>
+              <a:ext uri="{FF2B5EF4-FFF2-40B4-BE49-F238E27FC236}">
+                <a16:creationId xmlns:a16="http://schemas.microsoft.com/office/drawing/2014/main" id="{4325BD59-4A52-AFEC-2801-D96D98313262}"/>
               </a:ext>
             </a:extLst>
           </p:cNvPr>
@@ -8805,25 +8858,254 @@
           <p:nvPr/>
         </p:nvPicPr>
         <p:blipFill>
-          <a:blip r:embed="rId4"/>
-          <a:stretch>
-            <a:fillRect/>
-          </a:stretch>
+          <a:blip r:embed="rId3"/>
+          <a:srcRect b="50000"/>
+          <a:stretch/>
         </p:blipFill>
         <p:spPr>
           <a:xfrm>
-            <a:off x="4109012" y="4057999"/>
-            <a:ext cx="7967240" cy="2281927"/>
+            <a:off x="5416408" y="2403415"/>
+            <a:ext cx="5010871" cy="618081"/>
           </a:xfrm>
           <a:prstGeom prst="rect">
             <a:avLst/>
           </a:prstGeom>
         </p:spPr>
       </p:pic>
+      <p:sp>
+        <p:nvSpPr>
+          <p:cNvPr id="10" name="TextBox 9">
+            <a:extLst>
+              <a:ext uri="{FF2B5EF4-FFF2-40B4-BE49-F238E27FC236}">
+                <a16:creationId xmlns:a16="http://schemas.microsoft.com/office/drawing/2014/main" id="{AD713C17-6794-B6DF-671B-2669438C0F5D}"/>
+              </a:ext>
+            </a:extLst>
+          </p:cNvPr>
+          <p:cNvSpPr txBox="1"/>
+          <p:nvPr/>
+        </p:nvSpPr>
+        <p:spPr>
+          <a:xfrm>
+            <a:off x="5562996" y="4339866"/>
+            <a:ext cx="2861681" cy="307777"/>
+          </a:xfrm>
+          <a:prstGeom prst="rect">
+            <a:avLst/>
+          </a:prstGeom>
+          <a:noFill/>
+        </p:spPr>
+        <p:txBody>
+          <a:bodyPr wrap="none" rtlCol="0">
+            <a:spAutoFit/>
+          </a:bodyPr>
+          <a:lstStyle/>
+          <a:p>
+            <a:r>
+              <a:rPr lang="ko-KR" altLang="en-US" sz="1400">
+                <a:solidFill>
+                  <a:schemeClr val="bg1">
+                    <a:lumMod val="75000"/>
+                  </a:schemeClr>
+                </a:solidFill>
+                <a:latin typeface="AppleSDGothicNeoB00" panose="02000503000000000000" pitchFamily="2" charset="-127"/>
+                <a:ea typeface="AppleSDGothicNeoB00" panose="02000503000000000000" pitchFamily="2" charset="-127"/>
+              </a:rPr>
+              <a:t>인벤토리에 특정 아이템을 장착하세요</a:t>
+            </a:r>
+            <a:r>
+              <a:rPr lang="en-US" altLang="ko-KR" sz="1400">
+                <a:solidFill>
+                  <a:schemeClr val="bg1">
+                    <a:lumMod val="75000"/>
+                  </a:schemeClr>
+                </a:solidFill>
+                <a:latin typeface="AppleSDGothicNeoB00" panose="02000503000000000000" pitchFamily="2" charset="-127"/>
+                <a:ea typeface="AppleSDGothicNeoB00" panose="02000503000000000000" pitchFamily="2" charset="-127"/>
+              </a:rPr>
+              <a:t>!</a:t>
+            </a:r>
+            <a:endParaRPr lang="ko-KR" altLang="en-US" sz="1400">
+              <a:solidFill>
+                <a:schemeClr val="bg1">
+                  <a:lumMod val="75000"/>
+                </a:schemeClr>
+              </a:solidFill>
+              <a:latin typeface="AppleSDGothicNeoB00" panose="02000503000000000000" pitchFamily="2" charset="-127"/>
+              <a:ea typeface="AppleSDGothicNeoB00" panose="02000503000000000000" pitchFamily="2" charset="-127"/>
+            </a:endParaRPr>
+          </a:p>
+        </p:txBody>
+      </p:sp>
+      <p:sp>
+        <p:nvSpPr>
+          <p:cNvPr id="9" name="TextBox 8">
+            <a:extLst>
+              <a:ext uri="{FF2B5EF4-FFF2-40B4-BE49-F238E27FC236}">
+                <a16:creationId xmlns:a16="http://schemas.microsoft.com/office/drawing/2014/main" id="{34F725AB-3B4E-4A48-E851-CCE4101001C3}"/>
+              </a:ext>
+            </a:extLst>
+          </p:cNvPr>
+          <p:cNvSpPr txBox="1"/>
+          <p:nvPr/>
+        </p:nvSpPr>
+        <p:spPr>
+          <a:xfrm>
+            <a:off x="5562996" y="3098416"/>
+            <a:ext cx="2752677" cy="307777"/>
+          </a:xfrm>
+          <a:prstGeom prst="rect">
+            <a:avLst/>
+          </a:prstGeom>
+          <a:noFill/>
+        </p:spPr>
+        <p:txBody>
+          <a:bodyPr wrap="none" rtlCol="0">
+            <a:spAutoFit/>
+          </a:bodyPr>
+          <a:lstStyle/>
+          <a:p>
+            <a:r>
+              <a:rPr lang="ko-KR" altLang="en-US" sz="1400">
+                <a:solidFill>
+                  <a:schemeClr val="bg1">
+                    <a:lumMod val="75000"/>
+                  </a:schemeClr>
+                </a:solidFill>
+                <a:latin typeface="AppleSDGothicNeoB00" panose="02000503000000000000" pitchFamily="2" charset="-127"/>
+                <a:ea typeface="AppleSDGothicNeoB00" panose="02000503000000000000" pitchFamily="2" charset="-127"/>
+              </a:rPr>
+              <a:t>일정 횟수 이상 던전을 클리어하세요</a:t>
+            </a:r>
+            <a:r>
+              <a:rPr lang="en-US" altLang="ko-KR" sz="1400">
+                <a:solidFill>
+                  <a:schemeClr val="bg1">
+                    <a:lumMod val="75000"/>
+                  </a:schemeClr>
+                </a:solidFill>
+                <a:latin typeface="AppleSDGothicNeoB00" panose="02000503000000000000" pitchFamily="2" charset="-127"/>
+                <a:ea typeface="AppleSDGothicNeoB00" panose="02000503000000000000" pitchFamily="2" charset="-127"/>
+              </a:rPr>
+              <a:t>!</a:t>
+            </a:r>
+            <a:endParaRPr lang="ko-KR" altLang="en-US" sz="1400">
+              <a:solidFill>
+                <a:schemeClr val="bg1">
+                  <a:lumMod val="75000"/>
+                </a:schemeClr>
+              </a:solidFill>
+              <a:latin typeface="AppleSDGothicNeoB00" panose="02000503000000000000" pitchFamily="2" charset="-127"/>
+              <a:ea typeface="AppleSDGothicNeoB00" panose="02000503000000000000" pitchFamily="2" charset="-127"/>
+            </a:endParaRPr>
+          </a:p>
+        </p:txBody>
+      </p:sp>
+      <p:sp>
+        <p:nvSpPr>
+          <p:cNvPr id="11" name="이등변 삼각형 10">
+            <a:extLst>
+              <a:ext uri="{FF2B5EF4-FFF2-40B4-BE49-F238E27FC236}">
+                <a16:creationId xmlns:a16="http://schemas.microsoft.com/office/drawing/2014/main" id="{45820476-7D5C-83CE-2451-EC220966A142}"/>
+              </a:ext>
+            </a:extLst>
+          </p:cNvPr>
+          <p:cNvSpPr/>
+          <p:nvPr/>
+        </p:nvSpPr>
+        <p:spPr>
+          <a:xfrm rot="5400000">
+            <a:off x="5404679" y="3168455"/>
+            <a:ext cx="170044" cy="146589"/>
+          </a:xfrm>
+          <a:prstGeom prst="triangle">
+            <a:avLst/>
+          </a:prstGeom>
+          <a:solidFill>
+            <a:schemeClr val="bg1">
+              <a:alpha val="76000"/>
+            </a:schemeClr>
+          </a:solidFill>
+        </p:spPr>
+        <p:style>
+          <a:lnRef idx="2">
+            <a:schemeClr val="accent1">
+              <a:shade val="15000"/>
+            </a:schemeClr>
+          </a:lnRef>
+          <a:fillRef idx="1">
+            <a:schemeClr val="accent1"/>
+          </a:fillRef>
+          <a:effectRef idx="0">
+            <a:schemeClr val="accent1"/>
+          </a:effectRef>
+          <a:fontRef idx="minor">
+            <a:schemeClr val="lt1"/>
+          </a:fontRef>
+        </p:style>
+        <p:txBody>
+          <a:bodyPr rtlCol="0" anchor="ctr"/>
+          <a:lstStyle/>
+          <a:p>
+            <a:pPr algn="ctr"/>
+            <a:endParaRPr lang="ko-KR" altLang="en-US"/>
+          </a:p>
+        </p:txBody>
+      </p:sp>
+      <p:sp>
+        <p:nvSpPr>
+          <p:cNvPr id="12" name="이등변 삼각형 11">
+            <a:extLst>
+              <a:ext uri="{FF2B5EF4-FFF2-40B4-BE49-F238E27FC236}">
+                <a16:creationId xmlns:a16="http://schemas.microsoft.com/office/drawing/2014/main" id="{8629CF60-618B-72F9-B0C3-994173F00439}"/>
+              </a:ext>
+            </a:extLst>
+          </p:cNvPr>
+          <p:cNvSpPr/>
+          <p:nvPr/>
+        </p:nvSpPr>
+        <p:spPr>
+          <a:xfrm rot="5400000">
+            <a:off x="5405075" y="4420628"/>
+            <a:ext cx="170044" cy="146589"/>
+          </a:xfrm>
+          <a:prstGeom prst="triangle">
+            <a:avLst/>
+          </a:prstGeom>
+          <a:solidFill>
+            <a:schemeClr val="bg1">
+              <a:alpha val="76000"/>
+            </a:schemeClr>
+          </a:solidFill>
+        </p:spPr>
+        <p:style>
+          <a:lnRef idx="2">
+            <a:schemeClr val="accent1">
+              <a:shade val="15000"/>
+            </a:schemeClr>
+          </a:lnRef>
+          <a:fillRef idx="1">
+            <a:schemeClr val="accent1"/>
+          </a:fillRef>
+          <a:effectRef idx="0">
+            <a:schemeClr val="accent1"/>
+          </a:effectRef>
+          <a:fontRef idx="minor">
+            <a:schemeClr val="lt1"/>
+          </a:fontRef>
+        </p:style>
+        <p:txBody>
+          <a:bodyPr rtlCol="0" anchor="ctr"/>
+          <a:lstStyle/>
+          <a:p>
+            <a:pPr algn="ctr"/>
+            <a:endParaRPr lang="ko-KR" altLang="en-US"/>
+          </a:p>
+        </p:txBody>
+      </p:sp>
     </p:spTree>
     <p:extLst>
       <p:ext uri="{BB962C8B-B14F-4D97-AF65-F5344CB8AC3E}">
-        <p14:creationId xmlns:p14="http://schemas.microsoft.com/office/powerpoint/2010/main" val="4030390168"/>
+        <p14:creationId xmlns:p14="http://schemas.microsoft.com/office/powerpoint/2010/main" val="146011450"/>
       </p:ext>
     </p:extLst>
   </p:cSld>
@@ -8873,7 +9155,7 @@
         <p:spPr>
           <a:xfrm>
             <a:off x="1153838" y="2403415"/>
-            <a:ext cx="2133918" cy="707886"/>
+            <a:ext cx="3443571" cy="707886"/>
           </a:xfrm>
           <a:prstGeom prst="rect">
             <a:avLst/>
@@ -8887,7 +9169,7 @@
           <a:lstStyle/>
           <a:p>
             <a:r>
-              <a:rPr lang="ko-KR" altLang="en-US" sz="4000">
+              <a:rPr lang="ko-KR" altLang="en-US" sz="4000" dirty="0">
                 <a:solidFill>
                   <a:schemeClr val="bg1"/>
                 </a:solidFill>
@@ -8895,27 +9177,8 @@
                 <a:ea typeface="Pretendard Black"/>
                 <a:cs typeface="Pretendard Black" panose="02000A03000000020004" pitchFamily="50" charset="-127"/>
               </a:rPr>
-              <a:t>퀘스트 </a:t>
-            </a:r>
-            <a:r>
-              <a:rPr lang="en-US" altLang="ko-KR" sz="4000">
-                <a:solidFill>
-                  <a:schemeClr val="bg1"/>
-                </a:solidFill>
-                <a:latin typeface="Pretendard Black" panose="02000A03000000020004" pitchFamily="50" charset="-127"/>
-                <a:ea typeface="Pretendard Black"/>
-                <a:cs typeface="Pretendard Black" panose="02000A03000000020004" pitchFamily="50" charset="-127"/>
-              </a:rPr>
-              <a:t>UI</a:t>
-            </a:r>
-            <a:endParaRPr lang="ko-KR" altLang="en-US" sz="4000" dirty="0">
-              <a:solidFill>
-                <a:schemeClr val="bg1"/>
-              </a:solidFill>
-              <a:latin typeface="Pretendard Black" panose="02000A03000000020004" pitchFamily="50" charset="-127"/>
-              <a:ea typeface="Pretendard Black"/>
-              <a:cs typeface="Pretendard Black" panose="02000A03000000020004" pitchFamily="50" charset="-127"/>
-            </a:endParaRPr>
+              <a:t>퀘스트 클래스</a:t>
+            </a:r>
           </a:p>
         </p:txBody>
       </p:sp>
@@ -8948,97 +9211,46 @@
           <a:lstStyle/>
           <a:p>
             <a:r>
-              <a:rPr lang="en-US" altLang="ko-KR" sz="2000" spc="-150" dirty="0" err="1">
+              <a:rPr lang="en-US" altLang="ko-KR" sz="2000" spc="-150">
                 <a:solidFill>
                   <a:schemeClr val="bg1"/>
                 </a:solidFill>
                 <a:ea typeface="AppleSDGothicNeoB00"/>
               </a:rPr>
-              <a:t>퀘스트</a:t>
-            </a:r>
-            <a:r>
-              <a:rPr lang="en-US" altLang="ko-KR" sz="2000" spc="-150" dirty="0">
+              <a:t>각 </a:t>
+            </a:r>
+            <a:r>
+              <a:rPr lang="ko-KR" altLang="en-US" sz="2000" spc="-150">
                 <a:solidFill>
                   <a:schemeClr val="bg1"/>
                 </a:solidFill>
                 <a:ea typeface="AppleSDGothicNeoB00"/>
               </a:rPr>
-              <a:t> </a:t>
-            </a:r>
-            <a:r>
-              <a:rPr lang="en-US" altLang="ko-KR" sz="2000" spc="-150" dirty="0" err="1">
+              <a:t>클래스에서 성공여부를</a:t>
+            </a:r>
+            <a:br>
+              <a:rPr lang="en-US" altLang="ko-KR" sz="2000" spc="-150">
                 <a:solidFill>
                   <a:schemeClr val="bg1"/>
                 </a:solidFill>
                 <a:ea typeface="AppleSDGothicNeoB00"/>
               </a:rPr>
-              <a:t>선택화면에서</a:t>
-            </a:r>
-          </a:p>
-          <a:p>
-            <a:r>
-              <a:rPr lang="en-US" altLang="ko-KR" sz="2000" spc="-150" dirty="0" err="1">
+            </a:br>
+            <a:r>
+              <a:rPr lang="ko-KR" altLang="en-US" sz="2000" spc="-150">
                 <a:solidFill>
                   <a:schemeClr val="bg1"/>
                 </a:solidFill>
                 <a:ea typeface="AppleSDGothicNeoB00"/>
               </a:rPr>
-              <a:t>퀘스트</a:t>
-            </a:r>
-            <a:r>
-              <a:rPr lang="en-US" altLang="ko-KR" sz="2000" spc="-150" dirty="0">
-                <a:solidFill>
-                  <a:schemeClr val="bg1"/>
-                </a:solidFill>
-                <a:ea typeface="AppleSDGothicNeoB00"/>
-              </a:rPr>
-              <a:t> </a:t>
-            </a:r>
-            <a:r>
-              <a:rPr lang="en-US" altLang="ko-KR" sz="2000" spc="-150" dirty="0" err="1">
-                <a:solidFill>
-                  <a:schemeClr val="bg1"/>
-                </a:solidFill>
-                <a:ea typeface="AppleSDGothicNeoB00"/>
-              </a:rPr>
-              <a:t>성공여부를</a:t>
-            </a:r>
-            <a:r>
-              <a:rPr lang="en-US" altLang="ko-KR" sz="2000" spc="-150" dirty="0">
-                <a:solidFill>
-                  <a:schemeClr val="bg1"/>
-                </a:solidFill>
-                <a:ea typeface="AppleSDGothicNeoB00"/>
-              </a:rPr>
-              <a:t> </a:t>
-            </a:r>
-            <a:r>
-              <a:rPr lang="en-US" altLang="ko-KR" sz="2000" spc="-150" dirty="0" err="1">
-                <a:solidFill>
-                  <a:schemeClr val="bg1"/>
-                </a:solidFill>
-                <a:ea typeface="AppleSDGothicNeoB00"/>
-              </a:rPr>
-              <a:t>항상</a:t>
-            </a:r>
-            <a:r>
-              <a:rPr lang="en-US" altLang="ko-KR" sz="2000" spc="-150" dirty="0">
-                <a:solidFill>
-                  <a:schemeClr val="bg1"/>
-                </a:solidFill>
-                <a:ea typeface="AppleSDGothicNeoB00"/>
-              </a:rPr>
-              <a:t> </a:t>
-            </a:r>
-            <a:r>
-              <a:rPr lang="en-US" altLang="ko-KR" sz="2000" spc="-150" dirty="0" err="1">
-                <a:solidFill>
-                  <a:schemeClr val="bg1"/>
-                </a:solidFill>
-                <a:ea typeface="AppleSDGothicNeoB00"/>
-              </a:rPr>
-              <a:t>체크</a:t>
-            </a:r>
+              <a:t>체크하는 함수를 넣었어요</a:t>
+            </a:r>
+            <a:endParaRPr lang="en-US" altLang="ko-KR" sz="2000" spc="-150" dirty="0" err="1">
+              <a:solidFill>
+                <a:schemeClr val="bg1"/>
+              </a:solidFill>
+              <a:ea typeface="AppleSDGothicNeoB00"/>
+            </a:endParaRPr>
           </a:p>
         </p:txBody>
       </p:sp>
@@ -9150,10 +9362,10 @@
       </p:sp>
       <p:pic>
         <p:nvPicPr>
-          <p:cNvPr id="2" name="그림 1" descr="텍스트, 스크린샷, 디스플레이, 소프트웨어이(가) 표시된 사진&#10;&#10;자동 생성된 설명">
-            <a:extLst>
-              <a:ext uri="{FF2B5EF4-FFF2-40B4-BE49-F238E27FC236}">
-                <a16:creationId xmlns:a16="http://schemas.microsoft.com/office/drawing/2014/main" id="{72366E56-DDF7-80E0-3FC6-D90118FB58F8}"/>
+          <p:cNvPr id="3" name="그림 2" descr="텍스트, 스크린샷, 폰트이(가) 표시된 사진&#10;&#10;자동 생성된 설명">
+            <a:extLst>
+              <a:ext uri="{FF2B5EF4-FFF2-40B4-BE49-F238E27FC236}">
+                <a16:creationId xmlns:a16="http://schemas.microsoft.com/office/drawing/2014/main" id="{F88325F8-0317-179A-9CC9-BD3544390E32}"/>
               </a:ext>
             </a:extLst>
           </p:cNvPr>
@@ -9164,14 +9376,43 @@
         </p:nvPicPr>
         <p:blipFill>
           <a:blip r:embed="rId3"/>
+          <a:srcRect b="21141"/>
+          <a:stretch/>
+        </p:blipFill>
+        <p:spPr>
+          <a:xfrm>
+            <a:off x="4723580" y="2374855"/>
+            <a:ext cx="4985915" cy="2281927"/>
+          </a:xfrm>
+          <a:prstGeom prst="rect">
+            <a:avLst/>
+          </a:prstGeom>
+        </p:spPr>
+      </p:pic>
+      <p:pic>
+        <p:nvPicPr>
+          <p:cNvPr id="4" name="그림 3" descr="텍스트, 스크린샷, 폰트, 소프트웨어이(가) 표시된 사진&#10;&#10;자동 생성된 설명">
+            <a:extLst>
+              <a:ext uri="{FF2B5EF4-FFF2-40B4-BE49-F238E27FC236}">
+                <a16:creationId xmlns:a16="http://schemas.microsoft.com/office/drawing/2014/main" id="{B81D2848-CED8-026F-46D7-80A908C33A75}"/>
+              </a:ext>
+            </a:extLst>
+          </p:cNvPr>
+          <p:cNvPicPr>
+            <a:picLocks noChangeAspect="1"/>
+          </p:cNvPicPr>
+          <p:nvPr/>
+        </p:nvPicPr>
+        <p:blipFill>
+          <a:blip r:embed="rId4"/>
           <a:stretch>
             <a:fillRect/>
           </a:stretch>
         </p:blipFill>
         <p:spPr>
           <a:xfrm>
-            <a:off x="4326134" y="2487310"/>
-            <a:ext cx="7271226" cy="5000885"/>
+            <a:off x="4597409" y="4813276"/>
+            <a:ext cx="7967240" cy="2281927"/>
           </a:xfrm>
           <a:prstGeom prst="rect">
             <a:avLst/>
@@ -9181,7 +9422,7 @@
     </p:spTree>
     <p:extLst>
       <p:ext uri="{BB962C8B-B14F-4D97-AF65-F5344CB8AC3E}">
-        <p14:creationId xmlns:p14="http://schemas.microsoft.com/office/powerpoint/2010/main" val="130132520"/>
+        <p14:creationId xmlns:p14="http://schemas.microsoft.com/office/powerpoint/2010/main" val="4030390168"/>
       </p:ext>
     </p:extLst>
   </p:cSld>

--- a/PPT/한끼줍쇼v2 (던전, 퀘스트 내용 추가).pptx
+++ b/PPT/한끼줍쇼v2 (던전, 퀘스트 내용 추가).pptx
@@ -5,7 +5,7 @@
     <p:sldMasterId id="2147483648" r:id="rId1"/>
   </p:sldMasterIdLst>
   <p:notesMasterIdLst>
-    <p:notesMasterId r:id="rId20"/>
+    <p:notesMasterId r:id="rId24"/>
   </p:notesMasterIdLst>
   <p:sldIdLst>
     <p:sldId id="287" r:id="rId2"/>
@@ -22,10 +22,14 @@
     <p:sldId id="284" r:id="rId13"/>
     <p:sldId id="272" r:id="rId14"/>
     <p:sldId id="274" r:id="rId15"/>
-    <p:sldId id="279" r:id="rId16"/>
-    <p:sldId id="277" r:id="rId17"/>
-    <p:sldId id="278" r:id="rId18"/>
-    <p:sldId id="280" r:id="rId19"/>
+    <p:sldId id="288" r:id="rId16"/>
+    <p:sldId id="289" r:id="rId17"/>
+    <p:sldId id="290" r:id="rId18"/>
+    <p:sldId id="291" r:id="rId19"/>
+    <p:sldId id="277" r:id="rId20"/>
+    <p:sldId id="279" r:id="rId21"/>
+    <p:sldId id="278" r:id="rId22"/>
+    <p:sldId id="280" r:id="rId23"/>
   </p:sldIdLst>
   <p:sldSz cx="12192000" cy="6858000"/>
   <p:notesSz cx="6858000" cy="9144000"/>
@@ -1042,18 +1046,78 @@
           <a:bodyPr/>
           <a:lstStyle/>
           <a:p>
+            <a:pPr marL="0" marR="0" lvl="0" indent="0" algn="r" defTabSz="914400" rtl="0" eaLnBrk="1" fontAlgn="auto" latinLnBrk="1" hangingPunct="1">
+              <a:lnSpc>
+                <a:spcPct val="100000"/>
+              </a:lnSpc>
+              <a:spcBef>
+                <a:spcPts val="0"/>
+              </a:spcBef>
+              <a:spcAft>
+                <a:spcPts val="0"/>
+              </a:spcAft>
+              <a:buClrTx/>
+              <a:buSzTx/>
+              <a:buFontTx/>
+              <a:buNone/>
+              <a:tabLst/>
+              <a:defRPr/>
+            </a:pPr>
             <a:fld id="{AC6C4DA3-AEDD-4EA0-BA24-E52EB4A7AD09}" type="slidenum">
-              <a:rPr lang="ko-KR" altLang="en-US" smtClean="0"/>
+              <a:rPr kumimoji="0" lang="ko-KR" altLang="en-US" sz="1200" b="0" i="0" u="none" strike="noStrike" kern="1200" cap="none" spc="0" normalizeH="0" baseline="0" noProof="0" smtClean="0">
+                <a:ln>
+                  <a:noFill/>
+                </a:ln>
+                <a:solidFill>
+                  <a:prstClr val="black"/>
+                </a:solidFill>
+                <a:effectLst/>
+                <a:uLnTx/>
+                <a:uFillTx/>
+                <a:latin typeface="맑은 고딕" panose="02110004020202020204"/>
+                <a:ea typeface="맑은 고딕" panose="020B0503020000020004" pitchFamily="50" charset="-127"/>
+                <a:cs typeface="+mn-cs"/>
+              </a:rPr>
+              <a:pPr marL="0" marR="0" lvl="0" indent="0" algn="r" defTabSz="914400" rtl="0" eaLnBrk="1" fontAlgn="auto" latinLnBrk="1" hangingPunct="1">
+                <a:lnSpc>
+                  <a:spcPct val="100000"/>
+                </a:lnSpc>
+                <a:spcBef>
+                  <a:spcPts val="0"/>
+                </a:spcBef>
+                <a:spcAft>
+                  <a:spcPts val="0"/>
+                </a:spcAft>
+                <a:buClrTx/>
+                <a:buSzTx/>
+                <a:buFontTx/>
+                <a:buNone/>
+                <a:tabLst/>
+                <a:defRPr/>
+              </a:pPr>
               <a:t>15</a:t>
             </a:fld>
-            <a:endParaRPr lang="ko-KR" altLang="en-US"/>
+            <a:endParaRPr kumimoji="0" lang="ko-KR" altLang="en-US" sz="1200" b="0" i="0" u="none" strike="noStrike" kern="1200" cap="none" spc="0" normalizeH="0" baseline="0" noProof="0">
+              <a:ln>
+                <a:noFill/>
+              </a:ln>
+              <a:solidFill>
+                <a:prstClr val="black"/>
+              </a:solidFill>
+              <a:effectLst/>
+              <a:uLnTx/>
+              <a:uFillTx/>
+              <a:latin typeface="맑은 고딕" panose="02110004020202020204"/>
+              <a:ea typeface="맑은 고딕" panose="020B0503020000020004" pitchFamily="50" charset="-127"/>
+              <a:cs typeface="+mn-cs"/>
+            </a:endParaRPr>
           </a:p>
         </p:txBody>
       </p:sp>
     </p:spTree>
     <p:extLst>
       <p:ext uri="{BB962C8B-B14F-4D97-AF65-F5344CB8AC3E}">
-        <p14:creationId xmlns:p14="http://schemas.microsoft.com/office/powerpoint/2010/main" val="3858439223"/>
+        <p14:creationId xmlns:p14="http://schemas.microsoft.com/office/powerpoint/2010/main" val="3253292930"/>
       </p:ext>
     </p:extLst>
   </p:cSld>
@@ -1165,18 +1229,78 @@
           <a:bodyPr/>
           <a:lstStyle/>
           <a:p>
+            <a:pPr marL="0" marR="0" lvl="0" indent="0" algn="r" defTabSz="914400" rtl="0" eaLnBrk="1" fontAlgn="auto" latinLnBrk="1" hangingPunct="1">
+              <a:lnSpc>
+                <a:spcPct val="100000"/>
+              </a:lnSpc>
+              <a:spcBef>
+                <a:spcPts val="0"/>
+              </a:spcBef>
+              <a:spcAft>
+                <a:spcPts val="0"/>
+              </a:spcAft>
+              <a:buClrTx/>
+              <a:buSzTx/>
+              <a:buFontTx/>
+              <a:buNone/>
+              <a:tabLst/>
+              <a:defRPr/>
+            </a:pPr>
             <a:fld id="{AC6C4DA3-AEDD-4EA0-BA24-E52EB4A7AD09}" type="slidenum">
-              <a:rPr lang="ko-KR" altLang="en-US" smtClean="0"/>
+              <a:rPr kumimoji="0" lang="ko-KR" altLang="en-US" sz="1200" b="0" i="0" u="none" strike="noStrike" kern="1200" cap="none" spc="0" normalizeH="0" baseline="0" noProof="0" smtClean="0">
+                <a:ln>
+                  <a:noFill/>
+                </a:ln>
+                <a:solidFill>
+                  <a:prstClr val="black"/>
+                </a:solidFill>
+                <a:effectLst/>
+                <a:uLnTx/>
+                <a:uFillTx/>
+                <a:latin typeface="맑은 고딕" panose="02110004020202020204"/>
+                <a:ea typeface="맑은 고딕" panose="020B0503020000020004" pitchFamily="50" charset="-127"/>
+                <a:cs typeface="+mn-cs"/>
+              </a:rPr>
+              <a:pPr marL="0" marR="0" lvl="0" indent="0" algn="r" defTabSz="914400" rtl="0" eaLnBrk="1" fontAlgn="auto" latinLnBrk="1" hangingPunct="1">
+                <a:lnSpc>
+                  <a:spcPct val="100000"/>
+                </a:lnSpc>
+                <a:spcBef>
+                  <a:spcPts val="0"/>
+                </a:spcBef>
+                <a:spcAft>
+                  <a:spcPts val="0"/>
+                </a:spcAft>
+                <a:buClrTx/>
+                <a:buSzTx/>
+                <a:buFontTx/>
+                <a:buNone/>
+                <a:tabLst/>
+                <a:defRPr/>
+              </a:pPr>
               <a:t>16</a:t>
             </a:fld>
-            <a:endParaRPr lang="ko-KR" altLang="en-US"/>
+            <a:endParaRPr kumimoji="0" lang="ko-KR" altLang="en-US" sz="1200" b="0" i="0" u="none" strike="noStrike" kern="1200" cap="none" spc="0" normalizeH="0" baseline="0" noProof="0">
+              <a:ln>
+                <a:noFill/>
+              </a:ln>
+              <a:solidFill>
+                <a:prstClr val="black"/>
+              </a:solidFill>
+              <a:effectLst/>
+              <a:uLnTx/>
+              <a:uFillTx/>
+              <a:latin typeface="맑은 고딕" panose="02110004020202020204"/>
+              <a:ea typeface="맑은 고딕" panose="020B0503020000020004" pitchFamily="50" charset="-127"/>
+              <a:cs typeface="+mn-cs"/>
+            </a:endParaRPr>
           </a:p>
         </p:txBody>
       </p:sp>
     </p:spTree>
     <p:extLst>
       <p:ext uri="{BB962C8B-B14F-4D97-AF65-F5344CB8AC3E}">
-        <p14:creationId xmlns:p14="http://schemas.microsoft.com/office/powerpoint/2010/main" val="1689277674"/>
+        <p14:creationId xmlns:p14="http://schemas.microsoft.com/office/powerpoint/2010/main" val="2879505367"/>
       </p:ext>
     </p:extLst>
   </p:cSld>
@@ -1288,18 +1412,78 @@
           <a:bodyPr/>
           <a:lstStyle/>
           <a:p>
+            <a:pPr marL="0" marR="0" lvl="0" indent="0" algn="r" defTabSz="914400" rtl="0" eaLnBrk="1" fontAlgn="auto" latinLnBrk="1" hangingPunct="1">
+              <a:lnSpc>
+                <a:spcPct val="100000"/>
+              </a:lnSpc>
+              <a:spcBef>
+                <a:spcPts val="0"/>
+              </a:spcBef>
+              <a:spcAft>
+                <a:spcPts val="0"/>
+              </a:spcAft>
+              <a:buClrTx/>
+              <a:buSzTx/>
+              <a:buFontTx/>
+              <a:buNone/>
+              <a:tabLst/>
+              <a:defRPr/>
+            </a:pPr>
             <a:fld id="{AC6C4DA3-AEDD-4EA0-BA24-E52EB4A7AD09}" type="slidenum">
-              <a:rPr lang="ko-KR" altLang="en-US" smtClean="0"/>
+              <a:rPr kumimoji="0" lang="ko-KR" altLang="en-US" sz="1200" b="0" i="0" u="none" strike="noStrike" kern="1200" cap="none" spc="0" normalizeH="0" baseline="0" noProof="0" smtClean="0">
+                <a:ln>
+                  <a:noFill/>
+                </a:ln>
+                <a:solidFill>
+                  <a:prstClr val="black"/>
+                </a:solidFill>
+                <a:effectLst/>
+                <a:uLnTx/>
+                <a:uFillTx/>
+                <a:latin typeface="맑은 고딕" panose="02110004020202020204"/>
+                <a:ea typeface="맑은 고딕" panose="020B0503020000020004" pitchFamily="50" charset="-127"/>
+                <a:cs typeface="+mn-cs"/>
+              </a:rPr>
+              <a:pPr marL="0" marR="0" lvl="0" indent="0" algn="r" defTabSz="914400" rtl="0" eaLnBrk="1" fontAlgn="auto" latinLnBrk="1" hangingPunct="1">
+                <a:lnSpc>
+                  <a:spcPct val="100000"/>
+                </a:lnSpc>
+                <a:spcBef>
+                  <a:spcPts val="0"/>
+                </a:spcBef>
+                <a:spcAft>
+                  <a:spcPts val="0"/>
+                </a:spcAft>
+                <a:buClrTx/>
+                <a:buSzTx/>
+                <a:buFontTx/>
+                <a:buNone/>
+                <a:tabLst/>
+                <a:defRPr/>
+              </a:pPr>
               <a:t>17</a:t>
             </a:fld>
-            <a:endParaRPr lang="ko-KR" altLang="en-US"/>
+            <a:endParaRPr kumimoji="0" lang="ko-KR" altLang="en-US" sz="1200" b="0" i="0" u="none" strike="noStrike" kern="1200" cap="none" spc="0" normalizeH="0" baseline="0" noProof="0">
+              <a:ln>
+                <a:noFill/>
+              </a:ln>
+              <a:solidFill>
+                <a:prstClr val="black"/>
+              </a:solidFill>
+              <a:effectLst/>
+              <a:uLnTx/>
+              <a:uFillTx/>
+              <a:latin typeface="맑은 고딕" panose="02110004020202020204"/>
+              <a:ea typeface="맑은 고딕" panose="020B0503020000020004" pitchFamily="50" charset="-127"/>
+              <a:cs typeface="+mn-cs"/>
+            </a:endParaRPr>
           </a:p>
         </p:txBody>
       </p:sp>
     </p:spTree>
     <p:extLst>
       <p:ext uri="{BB962C8B-B14F-4D97-AF65-F5344CB8AC3E}">
-        <p14:creationId xmlns:p14="http://schemas.microsoft.com/office/powerpoint/2010/main" val="1981375694"/>
+        <p14:creationId xmlns:p14="http://schemas.microsoft.com/office/powerpoint/2010/main" val="3236716839"/>
       </p:ext>
     </p:extLst>
   </p:cSld>
@@ -1411,9 +1595,561 @@
           <a:bodyPr/>
           <a:lstStyle/>
           <a:p>
+            <a:pPr marL="0" marR="0" lvl="0" indent="0" algn="r" defTabSz="914400" rtl="0" eaLnBrk="1" fontAlgn="auto" latinLnBrk="1" hangingPunct="1">
+              <a:lnSpc>
+                <a:spcPct val="100000"/>
+              </a:lnSpc>
+              <a:spcBef>
+                <a:spcPts val="0"/>
+              </a:spcBef>
+              <a:spcAft>
+                <a:spcPts val="0"/>
+              </a:spcAft>
+              <a:buClrTx/>
+              <a:buSzTx/>
+              <a:buFontTx/>
+              <a:buNone/>
+              <a:tabLst/>
+              <a:defRPr/>
+            </a:pPr>
+            <a:fld id="{AC6C4DA3-AEDD-4EA0-BA24-E52EB4A7AD09}" type="slidenum">
+              <a:rPr kumimoji="0" lang="ko-KR" altLang="en-US" sz="1200" b="0" i="0" u="none" strike="noStrike" kern="1200" cap="none" spc="0" normalizeH="0" baseline="0" noProof="0" smtClean="0">
+                <a:ln>
+                  <a:noFill/>
+                </a:ln>
+                <a:solidFill>
+                  <a:prstClr val="black"/>
+                </a:solidFill>
+                <a:effectLst/>
+                <a:uLnTx/>
+                <a:uFillTx/>
+                <a:latin typeface="맑은 고딕" panose="02110004020202020204"/>
+                <a:ea typeface="맑은 고딕" panose="020B0503020000020004" pitchFamily="50" charset="-127"/>
+                <a:cs typeface="+mn-cs"/>
+              </a:rPr>
+              <a:pPr marL="0" marR="0" lvl="0" indent="0" algn="r" defTabSz="914400" rtl="0" eaLnBrk="1" fontAlgn="auto" latinLnBrk="1" hangingPunct="1">
+                <a:lnSpc>
+                  <a:spcPct val="100000"/>
+                </a:lnSpc>
+                <a:spcBef>
+                  <a:spcPts val="0"/>
+                </a:spcBef>
+                <a:spcAft>
+                  <a:spcPts val="0"/>
+                </a:spcAft>
+                <a:buClrTx/>
+                <a:buSzTx/>
+                <a:buFontTx/>
+                <a:buNone/>
+                <a:tabLst/>
+                <a:defRPr/>
+              </a:pPr>
+              <a:t>18</a:t>
+            </a:fld>
+            <a:endParaRPr kumimoji="0" lang="ko-KR" altLang="en-US" sz="1200" b="0" i="0" u="none" strike="noStrike" kern="1200" cap="none" spc="0" normalizeH="0" baseline="0" noProof="0">
+              <a:ln>
+                <a:noFill/>
+              </a:ln>
+              <a:solidFill>
+                <a:prstClr val="black"/>
+              </a:solidFill>
+              <a:effectLst/>
+              <a:uLnTx/>
+              <a:uFillTx/>
+              <a:latin typeface="맑은 고딕" panose="02110004020202020204"/>
+              <a:ea typeface="맑은 고딕" panose="020B0503020000020004" pitchFamily="50" charset="-127"/>
+              <a:cs typeface="+mn-cs"/>
+            </a:endParaRPr>
+          </a:p>
+        </p:txBody>
+      </p:sp>
+    </p:spTree>
+    <p:extLst>
+      <p:ext uri="{BB962C8B-B14F-4D97-AF65-F5344CB8AC3E}">
+        <p14:creationId xmlns:p14="http://schemas.microsoft.com/office/powerpoint/2010/main" val="1476966534"/>
+      </p:ext>
+    </p:extLst>
+  </p:cSld>
+  <p:clrMapOvr>
+    <a:masterClrMapping/>
+  </p:clrMapOvr>
+</p:notes>
+</file>
+
+<file path=ppt/notesSlides/notesSlide16.xml><?xml version="1.0" encoding="utf-8"?>
+<p:notes xmlns:a="http://schemas.openxmlformats.org/drawingml/2006/main" xmlns:r="http://schemas.openxmlformats.org/officeDocument/2006/relationships" xmlns:p="http://schemas.openxmlformats.org/presentationml/2006/main">
+  <p:cSld>
+    <p:spTree>
+      <p:nvGrpSpPr>
+        <p:cNvPr id="1" name=""/>
+        <p:cNvGrpSpPr/>
+        <p:nvPr/>
+      </p:nvGrpSpPr>
+      <p:grpSpPr>
+        <a:xfrm>
+          <a:off x="0" y="0"/>
+          <a:ext cx="0" cy="0"/>
+          <a:chOff x="0" y="0"/>
+          <a:chExt cx="0" cy="0"/>
+        </a:xfrm>
+      </p:grpSpPr>
+      <p:sp>
+        <p:nvSpPr>
+          <p:cNvPr id="2" name="슬라이드 이미지 개체 틀 1"/>
+          <p:cNvSpPr>
+            <a:spLocks noGrp="1" noRot="1" noChangeAspect="1"/>
+          </p:cNvSpPr>
+          <p:nvPr>
+            <p:ph type="sldImg"/>
+          </p:nvPr>
+        </p:nvSpPr>
+        <p:spPr/>
+      </p:sp>
+      <p:sp>
+        <p:nvSpPr>
+          <p:cNvPr id="3" name="슬라이드 노트 개체 틀 2"/>
+          <p:cNvSpPr>
+            <a:spLocks noGrp="1"/>
+          </p:cNvSpPr>
+          <p:nvPr>
+            <p:ph type="body" idx="1"/>
+          </p:nvPr>
+        </p:nvSpPr>
+        <p:spPr/>
+        <p:txBody>
+          <a:bodyPr/>
+          <a:lstStyle/>
+          <a:p>
+            <a:r>
+              <a:rPr lang="ko-KR" altLang="en-US"/>
+              <a:t>뒷부분까지 보시면 </a:t>
+            </a:r>
+            <a:r>
+              <a:rPr lang="en-US" altLang="ko-KR"/>
+              <a:t>isDead </a:t>
+            </a:r>
+            <a:r>
+              <a:rPr lang="ko-KR" altLang="en-US"/>
+              <a:t>죽음 여부를 체크를 해서 </a:t>
+            </a:r>
+            <a:br>
+              <a:rPr lang="en-US" altLang="ko-KR"/>
+            </a:br>
+            <a:r>
+              <a:rPr lang="ko-KR" altLang="en-US"/>
+              <a:t>만약에 한쪽이 전멸을 했다</a:t>
+            </a:r>
+            <a:r>
+              <a:rPr lang="en-US" altLang="ko-KR"/>
+              <a:t>, </a:t>
+            </a:r>
+            <a:r>
+              <a:rPr lang="ko-KR" altLang="en-US"/>
+              <a:t>하면 다른 </a:t>
+            </a:r>
+            <a:r>
+              <a:rPr lang="en-US" altLang="ko-KR"/>
+              <a:t>UI</a:t>
+            </a:r>
+            <a:r>
+              <a:rPr lang="ko-KR" altLang="en-US"/>
+              <a:t>로 넘어가도록 작업을 했습니다</a:t>
+            </a:r>
+            <a:r>
+              <a:rPr lang="en-US" altLang="ko-KR"/>
+              <a:t>. </a:t>
+            </a:r>
+            <a:endParaRPr lang="ko-KR" altLang="en-US"/>
+          </a:p>
+        </p:txBody>
+      </p:sp>
+      <p:sp>
+        <p:nvSpPr>
+          <p:cNvPr id="4" name="슬라이드 번호 개체 틀 3"/>
+          <p:cNvSpPr>
+            <a:spLocks noGrp="1"/>
+          </p:cNvSpPr>
+          <p:nvPr>
+            <p:ph type="sldNum" sz="quarter" idx="5"/>
+          </p:nvPr>
+        </p:nvSpPr>
+        <p:spPr/>
+        <p:txBody>
+          <a:bodyPr/>
+          <a:lstStyle/>
+          <a:p>
             <a:fld id="{AC6C4DA3-AEDD-4EA0-BA24-E52EB4A7AD09}" type="slidenum">
               <a:rPr lang="ko-KR" altLang="en-US" smtClean="0"/>
-              <a:t>18</a:t>
+              <a:t>19</a:t>
+            </a:fld>
+            <a:endParaRPr lang="ko-KR" altLang="en-US"/>
+          </a:p>
+        </p:txBody>
+      </p:sp>
+    </p:spTree>
+    <p:extLst>
+      <p:ext uri="{BB962C8B-B14F-4D97-AF65-F5344CB8AC3E}">
+        <p14:creationId xmlns:p14="http://schemas.microsoft.com/office/powerpoint/2010/main" val="1689277674"/>
+      </p:ext>
+    </p:extLst>
+  </p:cSld>
+  <p:clrMapOvr>
+    <a:masterClrMapping/>
+  </p:clrMapOvr>
+</p:notes>
+</file>
+
+<file path=ppt/notesSlides/notesSlide17.xml><?xml version="1.0" encoding="utf-8"?>
+<p:notes xmlns:a="http://schemas.openxmlformats.org/drawingml/2006/main" xmlns:r="http://schemas.openxmlformats.org/officeDocument/2006/relationships" xmlns:p="http://schemas.openxmlformats.org/presentationml/2006/main">
+  <p:cSld>
+    <p:spTree>
+      <p:nvGrpSpPr>
+        <p:cNvPr id="1" name=""/>
+        <p:cNvGrpSpPr/>
+        <p:nvPr/>
+      </p:nvGrpSpPr>
+      <p:grpSpPr>
+        <a:xfrm>
+          <a:off x="0" y="0"/>
+          <a:ext cx="0" cy="0"/>
+          <a:chOff x="0" y="0"/>
+          <a:chExt cx="0" cy="0"/>
+        </a:xfrm>
+      </p:grpSpPr>
+      <p:sp>
+        <p:nvSpPr>
+          <p:cNvPr id="2" name="슬라이드 이미지 개체 틀 1"/>
+          <p:cNvSpPr>
+            <a:spLocks noGrp="1" noRot="1" noChangeAspect="1"/>
+          </p:cNvSpPr>
+          <p:nvPr>
+            <p:ph type="sldImg"/>
+          </p:nvPr>
+        </p:nvSpPr>
+        <p:spPr/>
+      </p:sp>
+      <p:sp>
+        <p:nvSpPr>
+          <p:cNvPr id="3" name="슬라이드 노트 개체 틀 2"/>
+          <p:cNvSpPr>
+            <a:spLocks noGrp="1"/>
+          </p:cNvSpPr>
+          <p:nvPr>
+            <p:ph type="body" idx="1"/>
+          </p:nvPr>
+        </p:nvSpPr>
+        <p:spPr/>
+        <p:txBody>
+          <a:bodyPr/>
+          <a:lstStyle/>
+          <a:p>
+            <a:r>
+              <a:rPr lang="ko-KR" altLang="en-US"/>
+              <a:t>뒷부분까지 보시면 </a:t>
+            </a:r>
+            <a:r>
+              <a:rPr lang="en-US" altLang="ko-KR"/>
+              <a:t>isDead </a:t>
+            </a:r>
+            <a:r>
+              <a:rPr lang="ko-KR" altLang="en-US"/>
+              <a:t>죽음 여부를 체크를 해서 </a:t>
+            </a:r>
+            <a:br>
+              <a:rPr lang="en-US" altLang="ko-KR"/>
+            </a:br>
+            <a:r>
+              <a:rPr lang="ko-KR" altLang="en-US"/>
+              <a:t>만약에 한쪽이 전멸을 했다</a:t>
+            </a:r>
+            <a:r>
+              <a:rPr lang="en-US" altLang="ko-KR"/>
+              <a:t>, </a:t>
+            </a:r>
+            <a:r>
+              <a:rPr lang="ko-KR" altLang="en-US"/>
+              <a:t>하면 다른 </a:t>
+            </a:r>
+            <a:r>
+              <a:rPr lang="en-US" altLang="ko-KR"/>
+              <a:t>UI</a:t>
+            </a:r>
+            <a:r>
+              <a:rPr lang="ko-KR" altLang="en-US"/>
+              <a:t>로 넘어가도록 작업을 했습니다</a:t>
+            </a:r>
+            <a:r>
+              <a:rPr lang="en-US" altLang="ko-KR"/>
+              <a:t>. </a:t>
+            </a:r>
+            <a:endParaRPr lang="ko-KR" altLang="en-US"/>
+          </a:p>
+        </p:txBody>
+      </p:sp>
+      <p:sp>
+        <p:nvSpPr>
+          <p:cNvPr id="4" name="슬라이드 번호 개체 틀 3"/>
+          <p:cNvSpPr>
+            <a:spLocks noGrp="1"/>
+          </p:cNvSpPr>
+          <p:nvPr>
+            <p:ph type="sldNum" sz="quarter" idx="5"/>
+          </p:nvPr>
+        </p:nvSpPr>
+        <p:spPr/>
+        <p:txBody>
+          <a:bodyPr/>
+          <a:lstStyle/>
+          <a:p>
+            <a:fld id="{AC6C4DA3-AEDD-4EA0-BA24-E52EB4A7AD09}" type="slidenum">
+              <a:rPr lang="ko-KR" altLang="en-US" smtClean="0"/>
+              <a:t>20</a:t>
+            </a:fld>
+            <a:endParaRPr lang="ko-KR" altLang="en-US"/>
+          </a:p>
+        </p:txBody>
+      </p:sp>
+    </p:spTree>
+    <p:extLst>
+      <p:ext uri="{BB962C8B-B14F-4D97-AF65-F5344CB8AC3E}">
+        <p14:creationId xmlns:p14="http://schemas.microsoft.com/office/powerpoint/2010/main" val="3858439223"/>
+      </p:ext>
+    </p:extLst>
+  </p:cSld>
+  <p:clrMapOvr>
+    <a:masterClrMapping/>
+  </p:clrMapOvr>
+</p:notes>
+</file>
+
+<file path=ppt/notesSlides/notesSlide18.xml><?xml version="1.0" encoding="utf-8"?>
+<p:notes xmlns:a="http://schemas.openxmlformats.org/drawingml/2006/main" xmlns:r="http://schemas.openxmlformats.org/officeDocument/2006/relationships" xmlns:p="http://schemas.openxmlformats.org/presentationml/2006/main">
+  <p:cSld>
+    <p:spTree>
+      <p:nvGrpSpPr>
+        <p:cNvPr id="1" name=""/>
+        <p:cNvGrpSpPr/>
+        <p:nvPr/>
+      </p:nvGrpSpPr>
+      <p:grpSpPr>
+        <a:xfrm>
+          <a:off x="0" y="0"/>
+          <a:ext cx="0" cy="0"/>
+          <a:chOff x="0" y="0"/>
+          <a:chExt cx="0" cy="0"/>
+        </a:xfrm>
+      </p:grpSpPr>
+      <p:sp>
+        <p:nvSpPr>
+          <p:cNvPr id="2" name="슬라이드 이미지 개체 틀 1"/>
+          <p:cNvSpPr>
+            <a:spLocks noGrp="1" noRot="1" noChangeAspect="1"/>
+          </p:cNvSpPr>
+          <p:nvPr>
+            <p:ph type="sldImg"/>
+          </p:nvPr>
+        </p:nvSpPr>
+        <p:spPr/>
+      </p:sp>
+      <p:sp>
+        <p:nvSpPr>
+          <p:cNvPr id="3" name="슬라이드 노트 개체 틀 2"/>
+          <p:cNvSpPr>
+            <a:spLocks noGrp="1"/>
+          </p:cNvSpPr>
+          <p:nvPr>
+            <p:ph type="body" idx="1"/>
+          </p:nvPr>
+        </p:nvSpPr>
+        <p:spPr/>
+        <p:txBody>
+          <a:bodyPr/>
+          <a:lstStyle/>
+          <a:p>
+            <a:r>
+              <a:rPr lang="ko-KR" altLang="en-US"/>
+              <a:t>뒷부분까지 보시면 </a:t>
+            </a:r>
+            <a:r>
+              <a:rPr lang="en-US" altLang="ko-KR"/>
+              <a:t>isDead </a:t>
+            </a:r>
+            <a:r>
+              <a:rPr lang="ko-KR" altLang="en-US"/>
+              <a:t>죽음 여부를 체크를 해서 </a:t>
+            </a:r>
+            <a:br>
+              <a:rPr lang="en-US" altLang="ko-KR"/>
+            </a:br>
+            <a:r>
+              <a:rPr lang="ko-KR" altLang="en-US"/>
+              <a:t>만약에 한쪽이 전멸을 했다</a:t>
+            </a:r>
+            <a:r>
+              <a:rPr lang="en-US" altLang="ko-KR"/>
+              <a:t>, </a:t>
+            </a:r>
+            <a:r>
+              <a:rPr lang="ko-KR" altLang="en-US"/>
+              <a:t>하면 다른 </a:t>
+            </a:r>
+            <a:r>
+              <a:rPr lang="en-US" altLang="ko-KR"/>
+              <a:t>UI</a:t>
+            </a:r>
+            <a:r>
+              <a:rPr lang="ko-KR" altLang="en-US"/>
+              <a:t>로 넘어가도록 작업을 했습니다</a:t>
+            </a:r>
+            <a:r>
+              <a:rPr lang="en-US" altLang="ko-KR"/>
+              <a:t>. </a:t>
+            </a:r>
+            <a:endParaRPr lang="ko-KR" altLang="en-US"/>
+          </a:p>
+        </p:txBody>
+      </p:sp>
+      <p:sp>
+        <p:nvSpPr>
+          <p:cNvPr id="4" name="슬라이드 번호 개체 틀 3"/>
+          <p:cNvSpPr>
+            <a:spLocks noGrp="1"/>
+          </p:cNvSpPr>
+          <p:nvPr>
+            <p:ph type="sldNum" sz="quarter" idx="5"/>
+          </p:nvPr>
+        </p:nvSpPr>
+        <p:spPr/>
+        <p:txBody>
+          <a:bodyPr/>
+          <a:lstStyle/>
+          <a:p>
+            <a:fld id="{AC6C4DA3-AEDD-4EA0-BA24-E52EB4A7AD09}" type="slidenum">
+              <a:rPr lang="ko-KR" altLang="en-US" smtClean="0"/>
+              <a:t>21</a:t>
+            </a:fld>
+            <a:endParaRPr lang="ko-KR" altLang="en-US"/>
+          </a:p>
+        </p:txBody>
+      </p:sp>
+    </p:spTree>
+    <p:extLst>
+      <p:ext uri="{BB962C8B-B14F-4D97-AF65-F5344CB8AC3E}">
+        <p14:creationId xmlns:p14="http://schemas.microsoft.com/office/powerpoint/2010/main" val="1981375694"/>
+      </p:ext>
+    </p:extLst>
+  </p:cSld>
+  <p:clrMapOvr>
+    <a:masterClrMapping/>
+  </p:clrMapOvr>
+</p:notes>
+</file>
+
+<file path=ppt/notesSlides/notesSlide19.xml><?xml version="1.0" encoding="utf-8"?>
+<p:notes xmlns:a="http://schemas.openxmlformats.org/drawingml/2006/main" xmlns:r="http://schemas.openxmlformats.org/officeDocument/2006/relationships" xmlns:p="http://schemas.openxmlformats.org/presentationml/2006/main">
+  <p:cSld>
+    <p:spTree>
+      <p:nvGrpSpPr>
+        <p:cNvPr id="1" name=""/>
+        <p:cNvGrpSpPr/>
+        <p:nvPr/>
+      </p:nvGrpSpPr>
+      <p:grpSpPr>
+        <a:xfrm>
+          <a:off x="0" y="0"/>
+          <a:ext cx="0" cy="0"/>
+          <a:chOff x="0" y="0"/>
+          <a:chExt cx="0" cy="0"/>
+        </a:xfrm>
+      </p:grpSpPr>
+      <p:sp>
+        <p:nvSpPr>
+          <p:cNvPr id="2" name="슬라이드 이미지 개체 틀 1"/>
+          <p:cNvSpPr>
+            <a:spLocks noGrp="1" noRot="1" noChangeAspect="1"/>
+          </p:cNvSpPr>
+          <p:nvPr>
+            <p:ph type="sldImg"/>
+          </p:nvPr>
+        </p:nvSpPr>
+        <p:spPr/>
+      </p:sp>
+      <p:sp>
+        <p:nvSpPr>
+          <p:cNvPr id="3" name="슬라이드 노트 개체 틀 2"/>
+          <p:cNvSpPr>
+            <a:spLocks noGrp="1"/>
+          </p:cNvSpPr>
+          <p:nvPr>
+            <p:ph type="body" idx="1"/>
+          </p:nvPr>
+        </p:nvSpPr>
+        <p:spPr/>
+        <p:txBody>
+          <a:bodyPr/>
+          <a:lstStyle/>
+          <a:p>
+            <a:r>
+              <a:rPr lang="ko-KR" altLang="en-US"/>
+              <a:t>뒷부분까지 보시면 </a:t>
+            </a:r>
+            <a:r>
+              <a:rPr lang="en-US" altLang="ko-KR"/>
+              <a:t>isDead </a:t>
+            </a:r>
+            <a:r>
+              <a:rPr lang="ko-KR" altLang="en-US"/>
+              <a:t>죽음 여부를 체크를 해서 </a:t>
+            </a:r>
+            <a:br>
+              <a:rPr lang="en-US" altLang="ko-KR"/>
+            </a:br>
+            <a:r>
+              <a:rPr lang="ko-KR" altLang="en-US"/>
+              <a:t>만약에 한쪽이 전멸을 했다</a:t>
+            </a:r>
+            <a:r>
+              <a:rPr lang="en-US" altLang="ko-KR"/>
+              <a:t>, </a:t>
+            </a:r>
+            <a:r>
+              <a:rPr lang="ko-KR" altLang="en-US"/>
+              <a:t>하면 다른 </a:t>
+            </a:r>
+            <a:r>
+              <a:rPr lang="en-US" altLang="ko-KR"/>
+              <a:t>UI</a:t>
+            </a:r>
+            <a:r>
+              <a:rPr lang="ko-KR" altLang="en-US"/>
+              <a:t>로 넘어가도록 작업을 했습니다</a:t>
+            </a:r>
+            <a:r>
+              <a:rPr lang="en-US" altLang="ko-KR"/>
+              <a:t>. </a:t>
+            </a:r>
+            <a:endParaRPr lang="ko-KR" altLang="en-US"/>
+          </a:p>
+        </p:txBody>
+      </p:sp>
+      <p:sp>
+        <p:nvSpPr>
+          <p:cNvPr id="4" name="슬라이드 번호 개체 틀 3"/>
+          <p:cNvSpPr>
+            <a:spLocks noGrp="1"/>
+          </p:cNvSpPr>
+          <p:nvPr>
+            <p:ph type="sldNum" sz="quarter" idx="5"/>
+          </p:nvPr>
+        </p:nvSpPr>
+        <p:spPr/>
+        <p:txBody>
+          <a:bodyPr/>
+          <a:lstStyle/>
+          <a:p>
+            <a:fld id="{AC6C4DA3-AEDD-4EA0-BA24-E52EB4A7AD09}" type="slidenum">
+              <a:rPr lang="ko-KR" altLang="en-US" smtClean="0"/>
+              <a:t>22</a:t>
             </a:fld>
             <a:endParaRPr lang="ko-KR" altLang="en-US"/>
           </a:p>
@@ -8162,8 +8898,8 @@
         </p:nvSpPr>
         <p:spPr>
           <a:xfrm>
-            <a:off x="1153838" y="2403415"/>
-            <a:ext cx="2133918" cy="707886"/>
+            <a:off x="856787" y="2403415"/>
+            <a:ext cx="2930610" cy="707886"/>
           </a:xfrm>
           <a:prstGeom prst="rect">
             <a:avLst/>
@@ -8176,34 +8912,52 @@
           </a:bodyPr>
           <a:lstStyle/>
           <a:p>
-            <a:r>
-              <a:rPr lang="ko-KR" altLang="en-US" sz="4000">
+            <a:pPr marL="0" marR="0" lvl="0" indent="0" algn="l" defTabSz="914400" rtl="0" eaLnBrk="1" fontAlgn="auto" latinLnBrk="1" hangingPunct="1">
+              <a:lnSpc>
+                <a:spcPct val="100000"/>
+              </a:lnSpc>
+              <a:spcBef>
+                <a:spcPts val="0"/>
+              </a:spcBef>
+              <a:spcAft>
+                <a:spcPts val="0"/>
+              </a:spcAft>
+              <a:buClrTx/>
+              <a:buSzTx/>
+              <a:buFontTx/>
+              <a:buNone/>
+              <a:tabLst/>
+              <a:defRPr/>
+            </a:pPr>
+            <a:r>
+              <a:rPr kumimoji="0" lang="ko-KR" altLang="en-US" sz="4000" b="0" i="0" u="none" strike="noStrike" kern="1200" cap="none" spc="0" normalizeH="0" baseline="0" noProof="0" dirty="0">
+                <a:ln>
+                  <a:noFill/>
+                </a:ln>
                 <a:solidFill>
-                  <a:schemeClr val="bg1"/>
+                  <a:prstClr val="white"/>
                 </a:solidFill>
+                <a:effectLst/>
+                <a:uLnTx/>
+                <a:uFillTx/>
                 <a:latin typeface="Pretendard Black" panose="02000A03000000020004" pitchFamily="50" charset="-127"/>
                 <a:ea typeface="Pretendard Black"/>
                 <a:cs typeface="Pretendard Black" panose="02000A03000000020004" pitchFamily="50" charset="-127"/>
               </a:rPr>
-              <a:t>퀘스트 </a:t>
-            </a:r>
-            <a:r>
-              <a:rPr lang="en-US" altLang="ko-KR" sz="4000">
-                <a:solidFill>
-                  <a:schemeClr val="bg1"/>
-                </a:solidFill>
-                <a:latin typeface="Pretendard Black" panose="02000A03000000020004" pitchFamily="50" charset="-127"/>
-                <a:ea typeface="Pretendard Black"/>
-                <a:cs typeface="Pretendard Black" panose="02000A03000000020004" pitchFamily="50" charset="-127"/>
-              </a:rPr>
-              <a:t>UI</a:t>
-            </a:r>
-            <a:endParaRPr lang="ko-KR" altLang="en-US" sz="4000" dirty="0">
+              <a:t>스킬 클래스</a:t>
+            </a:r>
+            <a:endParaRPr kumimoji="0" lang="ko-KR" altLang="en-US" sz="4000" b="0" i="0" u="none" strike="noStrike" kern="1200" cap="none" spc="0" normalizeH="0" baseline="0" noProof="0" dirty="0">
+              <a:ln>
+                <a:noFill/>
+              </a:ln>
               <a:solidFill>
-                <a:schemeClr val="bg1"/>
+                <a:prstClr val="white"/>
               </a:solidFill>
+              <a:effectLst/>
+              <a:uLnTx/>
+              <a:uFillTx/>
               <a:latin typeface="Pretendard Black" panose="02000A03000000020004" pitchFamily="50" charset="-127"/>
-              <a:ea typeface="Pretendard Black"/>
+              <a:ea typeface="Pretendard Black" panose="02000A03000000020004" pitchFamily="50" charset="-127"/>
               <a:cs typeface="Pretendard Black" panose="02000A03000000020004" pitchFamily="50" charset="-127"/>
             </a:endParaRPr>
           </a:p>
@@ -8223,8 +8977,8 @@
         </p:nvSpPr>
         <p:spPr>
           <a:xfrm>
-            <a:off x="1156593" y="3113805"/>
-            <a:ext cx="3566987" cy="707886"/>
+            <a:off x="888478" y="3133096"/>
+            <a:ext cx="2460930" cy="707886"/>
           </a:xfrm>
           <a:prstGeom prst="rect">
             <a:avLst/>
@@ -8232,102 +8986,216 @@
           <a:noFill/>
         </p:spPr>
         <p:txBody>
-          <a:bodyPr wrap="square" lIns="91440" tIns="45720" rIns="91440" bIns="45720" rtlCol="0" anchor="t">
+          <a:bodyPr wrap="none" lIns="91440" tIns="45720" rIns="91440" bIns="45720" rtlCol="0" anchor="t">
             <a:spAutoFit/>
           </a:bodyPr>
           <a:lstStyle/>
           <a:p>
-            <a:r>
-              <a:rPr lang="en-US" altLang="ko-KR" sz="2000" spc="-150" dirty="0" err="1">
+            <a:pPr marL="0" marR="0" lvl="0" indent="0" algn="l" defTabSz="914400" rtl="0" eaLnBrk="1" fontAlgn="auto" latinLnBrk="1" hangingPunct="1">
+              <a:lnSpc>
+                <a:spcPct val="100000"/>
+              </a:lnSpc>
+              <a:spcBef>
+                <a:spcPts val="0"/>
+              </a:spcBef>
+              <a:spcAft>
+                <a:spcPts val="0"/>
+              </a:spcAft>
+              <a:buClrTx/>
+              <a:buSzTx/>
+              <a:buFontTx/>
+              <a:buNone/>
+              <a:tabLst/>
+              <a:defRPr/>
+            </a:pPr>
+            <a:r>
+              <a:rPr kumimoji="0" lang="en-US" altLang="ko-KR" sz="2000" b="0" i="0" u="none" strike="noStrike" kern="1200" cap="none" spc="-150" normalizeH="0" baseline="0" noProof="0" dirty="0" err="1">
+                <a:ln>
+                  <a:noFill/>
+                </a:ln>
                 <a:solidFill>
-                  <a:schemeClr val="bg1"/>
+                  <a:prstClr val="white"/>
                 </a:solidFill>
+                <a:effectLst/>
+                <a:uLnTx/>
+                <a:uFillTx/>
+                <a:latin typeface="AppleSDGothicNeoB00" panose="02000503000000000000" pitchFamily="2" charset="-127"/>
                 <a:ea typeface="AppleSDGothicNeoB00"/>
-              </a:rPr>
-              <a:t>퀘스트</a:t>
-            </a:r>
-            <a:r>
-              <a:rPr lang="en-US" altLang="ko-KR" sz="2000" spc="-150" dirty="0">
+                <a:cs typeface="Pretendard Black" panose="02000A03000000020004" pitchFamily="50" charset="-127"/>
+              </a:rPr>
+              <a:t>스킬</a:t>
+            </a:r>
+            <a:r>
+              <a:rPr kumimoji="0" lang="en-US" altLang="ko-KR" sz="2000" b="0" i="0" u="none" strike="noStrike" kern="1200" cap="none" spc="-150" normalizeH="0" baseline="0" noProof="0" dirty="0">
+                <a:ln>
+                  <a:noFill/>
+                </a:ln>
                 <a:solidFill>
-                  <a:schemeClr val="bg1"/>
+                  <a:prstClr val="white"/>
                 </a:solidFill>
+                <a:effectLst/>
+                <a:uLnTx/>
+                <a:uFillTx/>
+                <a:latin typeface="AppleSDGothicNeoB00" panose="02000503000000000000" pitchFamily="2" charset="-127"/>
                 <a:ea typeface="AppleSDGothicNeoB00"/>
+                <a:cs typeface="Pretendard Black" panose="02000A03000000020004" pitchFamily="50" charset="-127"/>
               </a:rPr>
               <a:t> </a:t>
             </a:r>
             <a:r>
-              <a:rPr lang="en-US" altLang="ko-KR" sz="2000" spc="-150" dirty="0" err="1">
+              <a:rPr kumimoji="0" lang="en-US" altLang="ko-KR" sz="2000" b="0" i="0" u="none" strike="noStrike" kern="1200" cap="none" spc="-150" normalizeH="0" baseline="0" noProof="0" dirty="0" err="1">
+                <a:ln>
+                  <a:noFill/>
+                </a:ln>
                 <a:solidFill>
-                  <a:schemeClr val="bg1"/>
+                  <a:prstClr val="white"/>
                 </a:solidFill>
+                <a:effectLst/>
+                <a:uLnTx/>
+                <a:uFillTx/>
+                <a:latin typeface="AppleSDGothicNeoB00" panose="02000503000000000000" pitchFamily="2" charset="-127"/>
                 <a:ea typeface="AppleSDGothicNeoB00"/>
-              </a:rPr>
-              <a:t>선택화면에서</a:t>
-            </a:r>
-          </a:p>
-          <a:p>
-            <a:r>
-              <a:rPr lang="en-US" altLang="ko-KR" sz="2000" spc="-150" dirty="0" err="1">
+                <a:cs typeface="Pretendard Black" panose="02000A03000000020004" pitchFamily="50" charset="-127"/>
+              </a:rPr>
+              <a:t>클래스를</a:t>
+            </a:r>
+            <a:r>
+              <a:rPr kumimoji="0" lang="en-US" altLang="ko-KR" sz="2000" b="0" i="0" u="none" strike="noStrike" kern="1200" cap="none" spc="-150" normalizeH="0" baseline="0" noProof="0" dirty="0">
+                <a:ln>
+                  <a:noFill/>
+                </a:ln>
                 <a:solidFill>
-                  <a:schemeClr val="bg1"/>
+                  <a:prstClr val="white"/>
                 </a:solidFill>
+                <a:effectLst/>
+                <a:uLnTx/>
+                <a:uFillTx/>
+                <a:latin typeface="AppleSDGothicNeoB00" panose="02000503000000000000" pitchFamily="2" charset="-127"/>
                 <a:ea typeface="AppleSDGothicNeoB00"/>
-              </a:rPr>
-              <a:t>퀘스트</a:t>
-            </a:r>
-            <a:r>
-              <a:rPr lang="en-US" altLang="ko-KR" sz="2000" spc="-150" dirty="0">
+                <a:cs typeface="Pretendard Black" panose="02000A03000000020004" pitchFamily="50" charset="-127"/>
+              </a:rPr>
+              <a:t> </a:t>
+            </a:r>
+            <a:r>
+              <a:rPr kumimoji="0" lang="en-US" altLang="ko-KR" sz="2000" b="0" i="0" u="none" strike="noStrike" kern="1200" cap="none" spc="-150" normalizeH="0" baseline="0" noProof="0" dirty="0" err="1">
+                <a:ln>
+                  <a:noFill/>
+                </a:ln>
                 <a:solidFill>
-                  <a:schemeClr val="bg1"/>
+                  <a:prstClr val="white"/>
                 </a:solidFill>
+                <a:effectLst/>
+                <a:uLnTx/>
+                <a:uFillTx/>
+                <a:latin typeface="AppleSDGothicNeoB00" panose="02000503000000000000" pitchFamily="2" charset="-127"/>
                 <a:ea typeface="AppleSDGothicNeoB00"/>
+                <a:cs typeface="Pretendard Black" panose="02000A03000000020004" pitchFamily="50" charset="-127"/>
+              </a:rPr>
+              <a:t>만들고</a:t>
+            </a:r>
+          </a:p>
+          <a:p>
+            <a:pPr marL="0" marR="0" lvl="0" indent="0" algn="l" defTabSz="914400" rtl="0" eaLnBrk="1" fontAlgn="auto" latinLnBrk="1" hangingPunct="1">
+              <a:lnSpc>
+                <a:spcPct val="100000"/>
+              </a:lnSpc>
+              <a:spcBef>
+                <a:spcPts val="0"/>
+              </a:spcBef>
+              <a:spcAft>
+                <a:spcPts val="0"/>
+              </a:spcAft>
+              <a:buClrTx/>
+              <a:buSzTx/>
+              <a:buFontTx/>
+              <a:buNone/>
+              <a:tabLst/>
+              <a:defRPr/>
+            </a:pPr>
+            <a:r>
+              <a:rPr kumimoji="0" lang="en-US" altLang="ko-KR" sz="2000" b="0" i="0" u="none" strike="noStrike" kern="1200" cap="none" spc="-150" normalizeH="0" baseline="0" noProof="0" dirty="0" err="1">
+                <a:ln>
+                  <a:noFill/>
+                </a:ln>
+                <a:solidFill>
+                  <a:prstClr val="white"/>
+                </a:solidFill>
+                <a:effectLst/>
+                <a:uLnTx/>
+                <a:uFillTx/>
+                <a:latin typeface="AppleSDGothicNeoB00" panose="02000503000000000000" pitchFamily="2" charset="-127"/>
+                <a:ea typeface="AppleSDGothicNeoB00"/>
+                <a:cs typeface="Pretendard Black" panose="02000A03000000020004" pitchFamily="50" charset="-127"/>
+              </a:rPr>
+              <a:t>광역기</a:t>
+            </a:r>
+            <a:r>
+              <a:rPr kumimoji="0" lang="en-US" altLang="ko-KR" sz="2000" b="0" i="0" u="none" strike="noStrike" kern="1200" cap="none" spc="-150" normalizeH="0" baseline="0" noProof="0" dirty="0">
+                <a:ln>
+                  <a:noFill/>
+                </a:ln>
+                <a:solidFill>
+                  <a:prstClr val="white"/>
+                </a:solidFill>
+                <a:effectLst/>
+                <a:uLnTx/>
+                <a:uFillTx/>
+                <a:latin typeface="AppleSDGothicNeoB00" panose="02000503000000000000" pitchFamily="2" charset="-127"/>
+                <a:ea typeface="AppleSDGothicNeoB00"/>
+                <a:cs typeface="Pretendard Black" panose="02000A03000000020004" pitchFamily="50" charset="-127"/>
               </a:rPr>
               <a:t> </a:t>
             </a:r>
             <a:r>
-              <a:rPr lang="en-US" altLang="ko-KR" sz="2000" spc="-150" dirty="0" err="1">
+              <a:rPr kumimoji="0" lang="en-US" altLang="ko-KR" sz="2000" b="0" i="0" u="none" strike="noStrike" kern="1200" cap="none" spc="-150" normalizeH="0" baseline="0" noProof="0" dirty="0" err="1">
+                <a:ln>
+                  <a:noFill/>
+                </a:ln>
                 <a:solidFill>
-                  <a:schemeClr val="bg1"/>
+                  <a:prstClr val="white"/>
                 </a:solidFill>
+                <a:effectLst/>
+                <a:uLnTx/>
+                <a:uFillTx/>
+                <a:latin typeface="AppleSDGothicNeoB00" panose="02000503000000000000" pitchFamily="2" charset="-127"/>
                 <a:ea typeface="AppleSDGothicNeoB00"/>
-              </a:rPr>
-              <a:t>성공여부를</a:t>
-            </a:r>
-            <a:r>
-              <a:rPr lang="en-US" altLang="ko-KR" sz="2000" spc="-150" dirty="0">
+                <a:cs typeface="Pretendard Black" panose="02000A03000000020004" pitchFamily="50" charset="-127"/>
+              </a:rPr>
+              <a:t>여부를</a:t>
+            </a:r>
+            <a:r>
+              <a:rPr kumimoji="0" lang="en-US" altLang="ko-KR" sz="2000" b="0" i="0" u="none" strike="noStrike" kern="1200" cap="none" spc="-150" normalizeH="0" baseline="0" noProof="0" dirty="0">
+                <a:ln>
+                  <a:noFill/>
+                </a:ln>
                 <a:solidFill>
-                  <a:schemeClr val="bg1"/>
+                  <a:prstClr val="white"/>
                 </a:solidFill>
+                <a:effectLst/>
+                <a:uLnTx/>
+                <a:uFillTx/>
+                <a:latin typeface="AppleSDGothicNeoB00" panose="02000503000000000000" pitchFamily="2" charset="-127"/>
                 <a:ea typeface="AppleSDGothicNeoB00"/>
+                <a:cs typeface="Pretendard Black" panose="02000A03000000020004" pitchFamily="50" charset="-127"/>
               </a:rPr>
               <a:t> </a:t>
             </a:r>
             <a:r>
-              <a:rPr lang="en-US" altLang="ko-KR" sz="2000" spc="-150" dirty="0" err="1">
+              <a:rPr kumimoji="0" lang="en-US" altLang="ko-KR" sz="2000" b="0" i="0" u="none" strike="noStrike" kern="1200" cap="none" spc="-150" normalizeH="0" baseline="0" noProof="0" dirty="0" err="1">
+                <a:ln>
+                  <a:noFill/>
+                </a:ln>
                 <a:solidFill>
-                  <a:schemeClr val="bg1"/>
+                  <a:prstClr val="white"/>
                 </a:solidFill>
+                <a:effectLst/>
+                <a:uLnTx/>
+                <a:uFillTx/>
+                <a:latin typeface="AppleSDGothicNeoB00" panose="02000503000000000000" pitchFamily="2" charset="-127"/>
                 <a:ea typeface="AppleSDGothicNeoB00"/>
-              </a:rPr>
-              <a:t>항상</a:t>
-            </a:r>
-            <a:r>
-              <a:rPr lang="en-US" altLang="ko-KR" sz="2000" spc="-150" dirty="0">
-                <a:solidFill>
-                  <a:schemeClr val="bg1"/>
-                </a:solidFill>
-                <a:ea typeface="AppleSDGothicNeoB00"/>
-              </a:rPr>
-              <a:t> </a:t>
-            </a:r>
-            <a:r>
-              <a:rPr lang="en-US" altLang="ko-KR" sz="2000" spc="-150" dirty="0" err="1">
-                <a:solidFill>
-                  <a:schemeClr val="bg1"/>
-                </a:solidFill>
-                <a:ea typeface="AppleSDGothicNeoB00"/>
-              </a:rPr>
-              <a:t>체크</a:t>
+                <a:cs typeface="Pretendard Black" panose="02000A03000000020004" pitchFamily="50" charset="-127"/>
+              </a:rPr>
+              <a:t>결정</a:t>
             </a:r>
           </a:p>
         </p:txBody>
@@ -8360,12 +9228,34 @@
           </a:bodyPr>
           <a:lstStyle/>
           <a:p>
-            <a:pPr algn="ctr"/>
-            <a:r>
-              <a:rPr lang="en-US" altLang="ko-KR" sz="1050">
+            <a:pPr marL="0" marR="0" lvl="0" indent="0" algn="ctr" defTabSz="914400" rtl="0" eaLnBrk="1" fontAlgn="auto" latinLnBrk="1" hangingPunct="1">
+              <a:lnSpc>
+                <a:spcPct val="100000"/>
+              </a:lnSpc>
+              <a:spcBef>
+                <a:spcPts val="0"/>
+              </a:spcBef>
+              <a:spcAft>
+                <a:spcPts val="0"/>
+              </a:spcAft>
+              <a:buClrTx/>
+              <a:buSzTx/>
+              <a:buFontTx/>
+              <a:buNone/>
+              <a:tabLst/>
+              <a:defRPr/>
+            </a:pPr>
+            <a:r>
+              <a:rPr kumimoji="0" lang="en-US" altLang="ko-KR" sz="1050" b="0" i="0" u="none" strike="noStrike" kern="1200" cap="none" spc="0" normalizeH="0" baseline="0" noProof="0">
+                <a:ln>
+                  <a:noFill/>
+                </a:ln>
                 <a:solidFill>
-                  <a:schemeClr val="bg1"/>
+                  <a:prstClr val="white"/>
                 </a:solidFill>
+                <a:effectLst/>
+                <a:uLnTx/>
+                <a:uFillTx/>
                 <a:latin typeface="Pretendard" panose="02000803000000020004" pitchFamily="50" charset="-127"/>
                 <a:ea typeface="Pretendard" panose="02000803000000020004" pitchFamily="50" charset="-127"/>
                 <a:cs typeface="Pretendard" panose="02000803000000020004" pitchFamily="50" charset="-127"/>
@@ -8373,10 +9263,16 @@
               <a:t>&lt;</a:t>
             </a:r>
             <a:r>
-              <a:rPr lang="ko-KR" altLang="en-US" sz="1050">
+              <a:rPr kumimoji="0" lang="ko-KR" altLang="en-US" sz="1050" b="0" i="0" u="none" strike="noStrike" kern="1200" cap="none" spc="0" normalizeH="0" baseline="0" noProof="0">
+                <a:ln>
+                  <a:noFill/>
+                </a:ln>
                 <a:solidFill>
-                  <a:schemeClr val="bg1"/>
+                  <a:prstClr val="white"/>
                 </a:solidFill>
+                <a:effectLst/>
+                <a:uLnTx/>
+                <a:uFillTx/>
                 <a:latin typeface="Pretendard" panose="02000803000000020004" pitchFamily="50" charset="-127"/>
                 <a:ea typeface="Pretendard" panose="02000803000000020004" pitchFamily="50" charset="-127"/>
                 <a:cs typeface="Pretendard" panose="02000803000000020004" pitchFamily="50" charset="-127"/>
@@ -8384,10 +9280,16 @@
               <a:t>한끼줍쇼</a:t>
             </a:r>
             <a:r>
-              <a:rPr lang="en-US" altLang="ko-KR" sz="1050">
+              <a:rPr kumimoji="0" lang="en-US" altLang="ko-KR" sz="1050" b="0" i="0" u="none" strike="noStrike" kern="1200" cap="none" spc="0" normalizeH="0" baseline="0" noProof="0">
+                <a:ln>
+                  <a:noFill/>
+                </a:ln>
                 <a:solidFill>
-                  <a:schemeClr val="bg1"/>
+                  <a:prstClr val="white"/>
                 </a:solidFill>
+                <a:effectLst/>
+                <a:uLnTx/>
+                <a:uFillTx/>
                 <a:latin typeface="Pretendard" panose="02000803000000020004" pitchFamily="50" charset="-127"/>
                 <a:ea typeface="Pretendard" panose="02000803000000020004" pitchFamily="50" charset="-127"/>
                 <a:cs typeface="Pretendard" panose="02000803000000020004" pitchFamily="50" charset="-127"/>
@@ -8395,10 +9297,16 @@
               <a:t>&gt; </a:t>
             </a:r>
             <a:r>
-              <a:rPr lang="ko-KR" altLang="en-US" sz="1050">
+              <a:rPr kumimoji="0" lang="ko-KR" altLang="en-US" sz="1050" b="0" i="0" u="none" strike="noStrike" kern="1200" cap="none" spc="0" normalizeH="0" baseline="0" noProof="0">
+                <a:ln>
+                  <a:noFill/>
+                </a:ln>
                 <a:solidFill>
-                  <a:schemeClr val="bg1"/>
+                  <a:prstClr val="white"/>
                 </a:solidFill>
+                <a:effectLst/>
+                <a:uLnTx/>
+                <a:uFillTx/>
                 <a:latin typeface="Pretendard" panose="02000803000000020004" pitchFamily="50" charset="-127"/>
                 <a:ea typeface="Pretendard" panose="02000803000000020004" pitchFamily="50" charset="-127"/>
                 <a:cs typeface="Pretendard" panose="02000803000000020004" pitchFamily="50" charset="-127"/>
@@ -8406,10 +9314,16 @@
               <a:t>매니저님밥</a:t>
             </a:r>
             <a:r>
-              <a:rPr lang="en-US" altLang="ko-KR" sz="1050">
+              <a:rPr kumimoji="0" lang="en-US" altLang="ko-KR" sz="1050" b="0" i="0" u="none" strike="noStrike" kern="1200" cap="none" spc="0" normalizeH="0" baseline="0" noProof="0">
+                <a:ln>
+                  <a:noFill/>
+                </a:ln>
                 <a:solidFill>
-                  <a:schemeClr val="bg1"/>
+                  <a:prstClr val="white"/>
                 </a:solidFill>
+                <a:effectLst/>
+                <a:uLnTx/>
+                <a:uFillTx/>
                 <a:latin typeface="Pretendard" panose="02000803000000020004" pitchFamily="50" charset="-127"/>
                 <a:ea typeface="Pretendard" panose="02000803000000020004" pitchFamily="50" charset="-127"/>
                 <a:cs typeface="Pretendard" panose="02000803000000020004" pitchFamily="50" charset="-127"/>
@@ -8417,20 +9331,32 @@
               <a:t>4</a:t>
             </a:r>
             <a:r>
-              <a:rPr lang="ko-KR" altLang="en-US" sz="1050">
+              <a:rPr kumimoji="0" lang="ko-KR" altLang="en-US" sz="1050" b="0" i="0" u="none" strike="noStrike" kern="1200" cap="none" spc="0" normalizeH="0" baseline="0" noProof="0">
+                <a:ln>
+                  <a:noFill/>
+                </a:ln>
                 <a:solidFill>
-                  <a:schemeClr val="bg1"/>
+                  <a:prstClr val="white"/>
                 </a:solidFill>
+                <a:effectLst/>
+                <a:uLnTx/>
+                <a:uFillTx/>
                 <a:latin typeface="Pretendard" panose="02000803000000020004" pitchFamily="50" charset="-127"/>
                 <a:ea typeface="Pretendard" panose="02000803000000020004" pitchFamily="50" charset="-127"/>
                 <a:cs typeface="Pretendard" panose="02000803000000020004" pitchFamily="50" charset="-127"/>
               </a:rPr>
               <a:t>조</a:t>
             </a:r>
-            <a:endParaRPr lang="ko-KR" altLang="en-US" sz="1600" dirty="0">
+            <a:endParaRPr kumimoji="0" lang="ko-KR" altLang="en-US" sz="1600" b="0" i="0" u="none" strike="noStrike" kern="1200" cap="none" spc="0" normalizeH="0" baseline="0" noProof="0" dirty="0">
+              <a:ln>
+                <a:noFill/>
+              </a:ln>
               <a:solidFill>
-                <a:schemeClr val="bg1"/>
+                <a:prstClr val="white"/>
               </a:solidFill>
+              <a:effectLst/>
+              <a:uLnTx/>
+              <a:uFillTx/>
               <a:latin typeface="Pretendard" panose="02000803000000020004" pitchFamily="50" charset="-127"/>
               <a:ea typeface="Pretendard" panose="02000803000000020004" pitchFamily="50" charset="-127"/>
               <a:cs typeface="Pretendard" panose="02000803000000020004" pitchFamily="50" charset="-127"/>
@@ -8443,7 +9369,7 @@
           <p:cNvPr id="2" name="그림 1" descr="텍스트, 스크린샷, 디스플레이, 소프트웨어이(가) 표시된 사진&#10;&#10;자동 생성된 설명">
             <a:extLst>
               <a:ext uri="{FF2B5EF4-FFF2-40B4-BE49-F238E27FC236}">
-                <a16:creationId xmlns:a16="http://schemas.microsoft.com/office/drawing/2014/main" id="{72366E56-DDF7-80E0-3FC6-D90118FB58F8}"/>
+                <a16:creationId xmlns:a16="http://schemas.microsoft.com/office/drawing/2014/main" id="{E890D527-BCE5-23F5-F197-1E2F7A0DAC33}"/>
               </a:ext>
             </a:extLst>
           </p:cNvPr>
@@ -8460,70 +9386,18 @@
         </p:blipFill>
         <p:spPr>
           <a:xfrm>
-            <a:off x="4326134" y="2487310"/>
-            <a:ext cx="7271226" cy="5000885"/>
+            <a:off x="3784169" y="990028"/>
+            <a:ext cx="8304508" cy="4877943"/>
           </a:xfrm>
           <a:prstGeom prst="rect">
             <a:avLst/>
           </a:prstGeom>
         </p:spPr>
       </p:pic>
-      <p:sp>
-        <p:nvSpPr>
-          <p:cNvPr id="4" name="직사각형 3">
-            <a:extLst>
-              <a:ext uri="{FF2B5EF4-FFF2-40B4-BE49-F238E27FC236}">
-                <a16:creationId xmlns:a16="http://schemas.microsoft.com/office/drawing/2014/main" id="{10212E26-602F-A658-3F30-021416F27442}"/>
-              </a:ext>
-            </a:extLst>
-          </p:cNvPr>
-          <p:cNvSpPr/>
-          <p:nvPr/>
-        </p:nvSpPr>
-        <p:spPr>
-          <a:xfrm>
-            <a:off x="5956300" y="4406900"/>
-            <a:ext cx="1174750" cy="209550"/>
-          </a:xfrm>
-          <a:prstGeom prst="rect">
-            <a:avLst/>
-          </a:prstGeom>
-          <a:noFill/>
-          <a:ln>
-            <a:solidFill>
-              <a:schemeClr val="bg1"/>
-            </a:solidFill>
-          </a:ln>
-        </p:spPr>
-        <p:style>
-          <a:lnRef idx="2">
-            <a:schemeClr val="accent1">
-              <a:shade val="15000"/>
-            </a:schemeClr>
-          </a:lnRef>
-          <a:fillRef idx="1">
-            <a:schemeClr val="accent1"/>
-          </a:fillRef>
-          <a:effectRef idx="0">
-            <a:schemeClr val="accent1"/>
-          </a:effectRef>
-          <a:fontRef idx="minor">
-            <a:schemeClr val="lt1"/>
-          </a:fontRef>
-        </p:style>
-        <p:txBody>
-          <a:bodyPr rtlCol="0" anchor="ctr"/>
-          <a:lstStyle/>
-          <a:p>
-            <a:pPr algn="ctr"/>
-            <a:endParaRPr lang="ko-KR" altLang="en-US"/>
-          </a:p>
-        </p:txBody>
-      </p:sp>
     </p:spTree>
     <p:extLst>
       <p:ext uri="{BB962C8B-B14F-4D97-AF65-F5344CB8AC3E}">
-        <p14:creationId xmlns:p14="http://schemas.microsoft.com/office/powerpoint/2010/main" val="130132520"/>
+        <p14:creationId xmlns:p14="http://schemas.microsoft.com/office/powerpoint/2010/main" val="2367346746"/>
       </p:ext>
     </p:extLst>
   </p:cSld>
@@ -8572,8 +9446,8 @@
         </p:nvSpPr>
         <p:spPr>
           <a:xfrm>
-            <a:off x="1153838" y="2403415"/>
-            <a:ext cx="3443571" cy="707886"/>
+            <a:off x="856787" y="2403415"/>
+            <a:ext cx="2930610" cy="707886"/>
           </a:xfrm>
           <a:prstGeom prst="rect">
             <a:avLst/>
@@ -8586,17 +9460,54 @@
           </a:bodyPr>
           <a:lstStyle/>
           <a:p>
-            <a:r>
-              <a:rPr lang="ko-KR" altLang="en-US" sz="4000" dirty="0">
+            <a:pPr marL="0" marR="0" lvl="0" indent="0" algn="l" defTabSz="914400" rtl="0" eaLnBrk="1" fontAlgn="auto" latinLnBrk="1" hangingPunct="1">
+              <a:lnSpc>
+                <a:spcPct val="100000"/>
+              </a:lnSpc>
+              <a:spcBef>
+                <a:spcPts val="0"/>
+              </a:spcBef>
+              <a:spcAft>
+                <a:spcPts val="0"/>
+              </a:spcAft>
+              <a:buClrTx/>
+              <a:buSzTx/>
+              <a:buFontTx/>
+              <a:buNone/>
+              <a:tabLst/>
+              <a:defRPr/>
+            </a:pPr>
+            <a:r>
+              <a:rPr kumimoji="0" lang="ko-KR" altLang="en-US" sz="4000" b="0" i="0" u="none" strike="noStrike" kern="1200" cap="none" spc="0" normalizeH="0" baseline="0" noProof="0" dirty="0">
+                <a:ln>
+                  <a:noFill/>
+                </a:ln>
                 <a:solidFill>
-                  <a:schemeClr val="bg1"/>
+                  <a:prstClr val="white"/>
                 </a:solidFill>
+                <a:effectLst/>
+                <a:uLnTx/>
+                <a:uFillTx/>
                 <a:latin typeface="Pretendard Black" panose="02000A03000000020004" pitchFamily="50" charset="-127"/>
                 <a:ea typeface="Pretendard Black"/>
                 <a:cs typeface="Pretendard Black" panose="02000A03000000020004" pitchFamily="50" charset="-127"/>
               </a:rPr>
-              <a:t>퀘스트 클래스</a:t>
-            </a:r>
+              <a:t>스킬 클래스</a:t>
+            </a:r>
+            <a:endParaRPr kumimoji="0" lang="ko-KR" altLang="en-US" sz="4000" b="0" i="0" u="none" strike="noStrike" kern="1200" cap="none" spc="0" normalizeH="0" baseline="0" noProof="0" dirty="0">
+              <a:ln>
+                <a:noFill/>
+              </a:ln>
+              <a:solidFill>
+                <a:prstClr val="white"/>
+              </a:solidFill>
+              <a:effectLst/>
+              <a:uLnTx/>
+              <a:uFillTx/>
+              <a:latin typeface="Pretendard Black" panose="02000A03000000020004" pitchFamily="50" charset="-127"/>
+              <a:ea typeface="Pretendard Black" panose="02000A03000000020004" pitchFamily="50" charset="-127"/>
+              <a:cs typeface="Pretendard Black" panose="02000A03000000020004" pitchFamily="50" charset="-127"/>
+            </a:endParaRPr>
           </a:p>
         </p:txBody>
       </p:sp>
@@ -8614,8 +9525,8 @@
         </p:nvSpPr>
         <p:spPr>
           <a:xfrm>
-            <a:off x="1156593" y="3113805"/>
-            <a:ext cx="3566987" cy="707886"/>
+            <a:off x="888478" y="3133096"/>
+            <a:ext cx="1986441" cy="400110"/>
           </a:xfrm>
           <a:prstGeom prst="rect">
             <a:avLst/>
@@ -8623,88 +9534,113 @@
           <a:noFill/>
         </p:spPr>
         <p:txBody>
-          <a:bodyPr wrap="square" lIns="91440" tIns="45720" rIns="91440" bIns="45720" rtlCol="0" anchor="t">
+          <a:bodyPr wrap="none" lIns="91440" tIns="45720" rIns="91440" bIns="45720" rtlCol="0" anchor="t">
             <a:spAutoFit/>
           </a:bodyPr>
           <a:lstStyle/>
           <a:p>
-            <a:r>
-              <a:rPr lang="en-US" altLang="ko-KR" sz="2000" spc="-150">
+            <a:pPr marL="0" marR="0" lvl="0" indent="0" algn="l" defTabSz="914400" rtl="0" eaLnBrk="1" fontAlgn="auto" latinLnBrk="1" hangingPunct="1">
+              <a:lnSpc>
+                <a:spcPct val="100000"/>
+              </a:lnSpc>
+              <a:spcBef>
+                <a:spcPts val="0"/>
+              </a:spcBef>
+              <a:spcAft>
+                <a:spcPts val="0"/>
+              </a:spcAft>
+              <a:buClrTx/>
+              <a:buSzTx/>
+              <a:buFontTx/>
+              <a:buNone/>
+              <a:tabLst/>
+              <a:defRPr/>
+            </a:pPr>
+            <a:r>
+              <a:rPr kumimoji="0" lang="en-US" altLang="ko-KR" sz="2000" b="0" i="0" u="none" strike="noStrike" kern="1200" cap="none" spc="-150" normalizeH="0" baseline="0" noProof="0" dirty="0" err="1">
+                <a:ln>
+                  <a:noFill/>
+                </a:ln>
                 <a:solidFill>
-                  <a:schemeClr val="bg1"/>
+                  <a:prstClr val="white"/>
                 </a:solidFill>
+                <a:effectLst/>
+                <a:uLnTx/>
+                <a:uFillTx/>
+                <a:latin typeface="AppleSDGothicNeoB00" panose="02000503000000000000" pitchFamily="2" charset="-127"/>
                 <a:ea typeface="AppleSDGothicNeoB00"/>
-              </a:rPr>
-              <a:t>퀘스트의 </a:t>
-            </a:r>
-            <a:r>
-              <a:rPr lang="ko-KR" altLang="en-US" sz="2000" spc="-150">
+                <a:cs typeface="Pretendard Black" panose="02000A03000000020004" pitchFamily="50" charset="-127"/>
+              </a:rPr>
+              <a:t>스킬</a:t>
+            </a:r>
+            <a:r>
+              <a:rPr kumimoji="0" lang="en-US" altLang="ko-KR" sz="2000" b="0" i="0" u="none" strike="noStrike" kern="1200" cap="none" spc="-150" normalizeH="0" baseline="0" noProof="0" dirty="0">
+                <a:ln>
+                  <a:noFill/>
+                </a:ln>
                 <a:solidFill>
-                  <a:schemeClr val="bg1"/>
+                  <a:prstClr val="white"/>
                 </a:solidFill>
+                <a:effectLst/>
+                <a:uLnTx/>
+                <a:uFillTx/>
+                <a:latin typeface="AppleSDGothicNeoB00" panose="02000503000000000000" pitchFamily="2" charset="-127"/>
                 <a:ea typeface="AppleSDGothicNeoB00"/>
-              </a:rPr>
-              <a:t>내용</a:t>
-            </a:r>
-            <a:r>
-              <a:rPr lang="en-US" altLang="ko-KR" sz="2000" spc="-150">
+                <a:cs typeface="Pretendard Black" panose="02000A03000000020004" pitchFamily="50" charset="-127"/>
+              </a:rPr>
+              <a:t> </a:t>
+            </a:r>
+            <a:r>
+              <a:rPr kumimoji="0" lang="en-US" altLang="ko-KR" sz="2000" b="0" i="0" u="none" strike="noStrike" kern="1200" cap="none" spc="-150" normalizeH="0" baseline="0" noProof="0" dirty="0" err="1">
+                <a:ln>
+                  <a:noFill/>
+                </a:ln>
                 <a:solidFill>
-                  <a:schemeClr val="bg1"/>
+                  <a:prstClr val="white"/>
                 </a:solidFill>
+                <a:effectLst/>
+                <a:uLnTx/>
+                <a:uFillTx/>
+                <a:latin typeface="AppleSDGothicNeoB00" panose="02000503000000000000" pitchFamily="2" charset="-127"/>
                 <a:ea typeface="AppleSDGothicNeoB00"/>
-              </a:rPr>
-              <a:t>에 </a:t>
-            </a:r>
-            <a:r>
-              <a:rPr lang="ko-KR" altLang="en-US" sz="2000" spc="-150">
+                <a:cs typeface="Pretendard Black" panose="02000A03000000020004" pitchFamily="50" charset="-127"/>
+              </a:rPr>
+              <a:t>프리셋</a:t>
+            </a:r>
+            <a:r>
+              <a:rPr kumimoji="0" lang="en-US" altLang="ko-KR" sz="2000" b="0" i="0" u="none" strike="noStrike" kern="1200" cap="none" spc="-150" normalizeH="0" baseline="0" noProof="0" dirty="0">
+                <a:ln>
+                  <a:noFill/>
+                </a:ln>
                 <a:solidFill>
-                  <a:schemeClr val="bg1"/>
+                  <a:prstClr val="white"/>
                 </a:solidFill>
+                <a:effectLst/>
+                <a:uLnTx/>
+                <a:uFillTx/>
+                <a:latin typeface="AppleSDGothicNeoB00" panose="02000503000000000000" pitchFamily="2" charset="-127"/>
                 <a:ea typeface="AppleSDGothicNeoB00"/>
-              </a:rPr>
-              <a:t>따라</a:t>
-            </a:r>
-            <a:endParaRPr lang="en-US" altLang="ko-KR" sz="2000" spc="-150" dirty="0" err="1">
-              <a:solidFill>
-                <a:schemeClr val="bg1"/>
-              </a:solidFill>
-              <a:ea typeface="AppleSDGothicNeoB00"/>
-            </a:endParaRPr>
-          </a:p>
-          <a:p>
-            <a:r>
-              <a:rPr lang="en-US" altLang="ko-KR" sz="2000" spc="-150" err="1">
+                <a:cs typeface="Pretendard Black" panose="02000A03000000020004" pitchFamily="50" charset="-127"/>
+              </a:rPr>
+              <a:t> </a:t>
+            </a:r>
+            <a:r>
+              <a:rPr kumimoji="0" lang="en-US" altLang="ko-KR" sz="2000" b="0" i="0" u="none" strike="noStrike" kern="1200" cap="none" spc="-150" normalizeH="0" baseline="0" noProof="0" dirty="0" err="1">
+                <a:ln>
+                  <a:noFill/>
+                </a:ln>
                 <a:solidFill>
-                  <a:schemeClr val="bg1"/>
+                  <a:prstClr val="white"/>
                 </a:solidFill>
+                <a:effectLst/>
+                <a:uLnTx/>
+                <a:uFillTx/>
+                <a:latin typeface="AppleSDGothicNeoB00" panose="02000503000000000000" pitchFamily="2" charset="-127"/>
                 <a:ea typeface="AppleSDGothicNeoB00"/>
-              </a:rPr>
-              <a:t>자식클래스</a:t>
-            </a:r>
-            <a:r>
-              <a:rPr lang="en-US" altLang="ko-KR" sz="2000" spc="-150">
-                <a:solidFill>
-                  <a:schemeClr val="bg1"/>
-                </a:solidFill>
-                <a:ea typeface="AppleSDGothicNeoB00"/>
-              </a:rPr>
-              <a:t> 생성 </a:t>
-            </a:r>
-            <a:r>
-              <a:rPr lang="ko-KR" altLang="en-US" sz="2000" spc="-150">
-                <a:solidFill>
-                  <a:schemeClr val="bg1"/>
-                </a:solidFill>
-                <a:ea typeface="AppleSDGothicNeoB00"/>
-              </a:rPr>
-              <a:t>했어요</a:t>
-            </a:r>
-            <a:endParaRPr lang="en-US" altLang="ko-KR" sz="2000" spc="-150" dirty="0" err="1">
-              <a:solidFill>
-                <a:schemeClr val="bg1"/>
-              </a:solidFill>
-              <a:ea typeface="AppleSDGothicNeoB00"/>
-            </a:endParaRPr>
+                <a:cs typeface="Pretendard Black" panose="02000A03000000020004" pitchFamily="50" charset="-127"/>
+              </a:rPr>
+              <a:t>생성</a:t>
+            </a:r>
           </a:p>
         </p:txBody>
       </p:sp>
@@ -8736,12 +9672,34 @@
           </a:bodyPr>
           <a:lstStyle/>
           <a:p>
-            <a:pPr algn="ctr"/>
-            <a:r>
-              <a:rPr lang="en-US" altLang="ko-KR" sz="1050">
+            <a:pPr marL="0" marR="0" lvl="0" indent="0" algn="ctr" defTabSz="914400" rtl="0" eaLnBrk="1" fontAlgn="auto" latinLnBrk="1" hangingPunct="1">
+              <a:lnSpc>
+                <a:spcPct val="100000"/>
+              </a:lnSpc>
+              <a:spcBef>
+                <a:spcPts val="0"/>
+              </a:spcBef>
+              <a:spcAft>
+                <a:spcPts val="0"/>
+              </a:spcAft>
+              <a:buClrTx/>
+              <a:buSzTx/>
+              <a:buFontTx/>
+              <a:buNone/>
+              <a:tabLst/>
+              <a:defRPr/>
+            </a:pPr>
+            <a:r>
+              <a:rPr kumimoji="0" lang="en-US" altLang="ko-KR" sz="1050" b="0" i="0" u="none" strike="noStrike" kern="1200" cap="none" spc="0" normalizeH="0" baseline="0" noProof="0">
+                <a:ln>
+                  <a:noFill/>
+                </a:ln>
                 <a:solidFill>
-                  <a:schemeClr val="bg1"/>
+                  <a:prstClr val="white"/>
                 </a:solidFill>
+                <a:effectLst/>
+                <a:uLnTx/>
+                <a:uFillTx/>
                 <a:latin typeface="Pretendard" panose="02000803000000020004" pitchFamily="50" charset="-127"/>
                 <a:ea typeface="Pretendard" panose="02000803000000020004" pitchFamily="50" charset="-127"/>
                 <a:cs typeface="Pretendard" panose="02000803000000020004" pitchFamily="50" charset="-127"/>
@@ -8749,10 +9707,16 @@
               <a:t>&lt;</a:t>
             </a:r>
             <a:r>
-              <a:rPr lang="ko-KR" altLang="en-US" sz="1050">
+              <a:rPr kumimoji="0" lang="ko-KR" altLang="en-US" sz="1050" b="0" i="0" u="none" strike="noStrike" kern="1200" cap="none" spc="0" normalizeH="0" baseline="0" noProof="0">
+                <a:ln>
+                  <a:noFill/>
+                </a:ln>
                 <a:solidFill>
-                  <a:schemeClr val="bg1"/>
+                  <a:prstClr val="white"/>
                 </a:solidFill>
+                <a:effectLst/>
+                <a:uLnTx/>
+                <a:uFillTx/>
                 <a:latin typeface="Pretendard" panose="02000803000000020004" pitchFamily="50" charset="-127"/>
                 <a:ea typeface="Pretendard" panose="02000803000000020004" pitchFamily="50" charset="-127"/>
                 <a:cs typeface="Pretendard" panose="02000803000000020004" pitchFamily="50" charset="-127"/>
@@ -8760,10 +9724,16 @@
               <a:t>한끼줍쇼</a:t>
             </a:r>
             <a:r>
-              <a:rPr lang="en-US" altLang="ko-KR" sz="1050">
+              <a:rPr kumimoji="0" lang="en-US" altLang="ko-KR" sz="1050" b="0" i="0" u="none" strike="noStrike" kern="1200" cap="none" spc="0" normalizeH="0" baseline="0" noProof="0">
+                <a:ln>
+                  <a:noFill/>
+                </a:ln>
                 <a:solidFill>
-                  <a:schemeClr val="bg1"/>
+                  <a:prstClr val="white"/>
                 </a:solidFill>
+                <a:effectLst/>
+                <a:uLnTx/>
+                <a:uFillTx/>
                 <a:latin typeface="Pretendard" panose="02000803000000020004" pitchFamily="50" charset="-127"/>
                 <a:ea typeface="Pretendard" panose="02000803000000020004" pitchFamily="50" charset="-127"/>
                 <a:cs typeface="Pretendard" panose="02000803000000020004" pitchFamily="50" charset="-127"/>
@@ -8771,10 +9741,16 @@
               <a:t>&gt; </a:t>
             </a:r>
             <a:r>
-              <a:rPr lang="ko-KR" altLang="en-US" sz="1050">
+              <a:rPr kumimoji="0" lang="ko-KR" altLang="en-US" sz="1050" b="0" i="0" u="none" strike="noStrike" kern="1200" cap="none" spc="0" normalizeH="0" baseline="0" noProof="0">
+                <a:ln>
+                  <a:noFill/>
+                </a:ln>
                 <a:solidFill>
-                  <a:schemeClr val="bg1"/>
+                  <a:prstClr val="white"/>
                 </a:solidFill>
+                <a:effectLst/>
+                <a:uLnTx/>
+                <a:uFillTx/>
                 <a:latin typeface="Pretendard" panose="02000803000000020004" pitchFamily="50" charset="-127"/>
                 <a:ea typeface="Pretendard" panose="02000803000000020004" pitchFamily="50" charset="-127"/>
                 <a:cs typeface="Pretendard" panose="02000803000000020004" pitchFamily="50" charset="-127"/>
@@ -8782,10 +9758,16 @@
               <a:t>매니저님밥</a:t>
             </a:r>
             <a:r>
-              <a:rPr lang="en-US" altLang="ko-KR" sz="1050">
+              <a:rPr kumimoji="0" lang="en-US" altLang="ko-KR" sz="1050" b="0" i="0" u="none" strike="noStrike" kern="1200" cap="none" spc="0" normalizeH="0" baseline="0" noProof="0">
+                <a:ln>
+                  <a:noFill/>
+                </a:ln>
                 <a:solidFill>
-                  <a:schemeClr val="bg1"/>
+                  <a:prstClr val="white"/>
                 </a:solidFill>
+                <a:effectLst/>
+                <a:uLnTx/>
+                <a:uFillTx/>
                 <a:latin typeface="Pretendard" panose="02000803000000020004" pitchFamily="50" charset="-127"/>
                 <a:ea typeface="Pretendard" panose="02000803000000020004" pitchFamily="50" charset="-127"/>
                 <a:cs typeface="Pretendard" panose="02000803000000020004" pitchFamily="50" charset="-127"/>
@@ -8793,20 +9775,32 @@
               <a:t>4</a:t>
             </a:r>
             <a:r>
-              <a:rPr lang="ko-KR" altLang="en-US" sz="1050">
+              <a:rPr kumimoji="0" lang="ko-KR" altLang="en-US" sz="1050" b="0" i="0" u="none" strike="noStrike" kern="1200" cap="none" spc="0" normalizeH="0" baseline="0" noProof="0">
+                <a:ln>
+                  <a:noFill/>
+                </a:ln>
                 <a:solidFill>
-                  <a:schemeClr val="bg1"/>
+                  <a:prstClr val="white"/>
                 </a:solidFill>
+                <a:effectLst/>
+                <a:uLnTx/>
+                <a:uFillTx/>
                 <a:latin typeface="Pretendard" panose="02000803000000020004" pitchFamily="50" charset="-127"/>
                 <a:ea typeface="Pretendard" panose="02000803000000020004" pitchFamily="50" charset="-127"/>
                 <a:cs typeface="Pretendard" panose="02000803000000020004" pitchFamily="50" charset="-127"/>
               </a:rPr>
               <a:t>조</a:t>
             </a:r>
-            <a:endParaRPr lang="ko-KR" altLang="en-US" sz="1600" dirty="0">
+            <a:endParaRPr kumimoji="0" lang="ko-KR" altLang="en-US" sz="1600" b="0" i="0" u="none" strike="noStrike" kern="1200" cap="none" spc="0" normalizeH="0" baseline="0" noProof="0" dirty="0">
+              <a:ln>
+                <a:noFill/>
+              </a:ln>
               <a:solidFill>
-                <a:schemeClr val="bg1"/>
+                <a:prstClr val="white"/>
               </a:solidFill>
+              <a:effectLst/>
+              <a:uLnTx/>
+              <a:uFillTx/>
               <a:latin typeface="Pretendard" panose="02000803000000020004" pitchFamily="50" charset="-127"/>
               <a:ea typeface="Pretendard" panose="02000803000000020004" pitchFamily="50" charset="-127"/>
               <a:cs typeface="Pretendard" panose="02000803000000020004" pitchFamily="50" charset="-127"/>
@@ -8816,10 +9810,10 @@
       </p:sp>
       <p:pic>
         <p:nvPicPr>
-          <p:cNvPr id="2" name="그림 1" descr="텍스트, 스크린샷, 폰트이(가) 표시된 사진&#10;&#10;자동 생성된 설명">
-            <a:extLst>
-              <a:ext uri="{FF2B5EF4-FFF2-40B4-BE49-F238E27FC236}">
-                <a16:creationId xmlns:a16="http://schemas.microsoft.com/office/drawing/2014/main" id="{AF832BAC-6276-4623-838E-8B046A088E7B}"/>
+          <p:cNvPr id="3" name="그림 2" descr="텍스트, 스크린샷이(가) 표시된 사진&#10;&#10;자동 생성된 설명">
+            <a:extLst>
+              <a:ext uri="{FF2B5EF4-FFF2-40B4-BE49-F238E27FC236}">
+                <a16:creationId xmlns:a16="http://schemas.microsoft.com/office/drawing/2014/main" id="{1A5EAE4E-F408-0F95-031B-AF7E954CB917}"/>
               </a:ext>
             </a:extLst>
           </p:cNvPr>
@@ -8830,282 +9824,24 @@
         </p:nvPicPr>
         <p:blipFill>
           <a:blip r:embed="rId3"/>
-          <a:srcRect t="48562"/>
-          <a:stretch/>
+          <a:stretch>
+            <a:fillRect/>
+          </a:stretch>
         </p:blipFill>
         <p:spPr>
           <a:xfrm>
-            <a:off x="5416407" y="3632047"/>
-            <a:ext cx="5010871" cy="635854"/>
+            <a:off x="3784169" y="791778"/>
+            <a:ext cx="8278677" cy="5261527"/>
           </a:xfrm>
           <a:prstGeom prst="rect">
             <a:avLst/>
           </a:prstGeom>
         </p:spPr>
       </p:pic>
-      <p:pic>
-        <p:nvPicPr>
-          <p:cNvPr id="5" name="그림 4" descr="텍스트, 스크린샷, 폰트이(가) 표시된 사진&#10;&#10;자동 생성된 설명">
-            <a:extLst>
-              <a:ext uri="{FF2B5EF4-FFF2-40B4-BE49-F238E27FC236}">
-                <a16:creationId xmlns:a16="http://schemas.microsoft.com/office/drawing/2014/main" id="{4325BD59-4A52-AFEC-2801-D96D98313262}"/>
-              </a:ext>
-            </a:extLst>
-          </p:cNvPr>
-          <p:cNvPicPr>
-            <a:picLocks noChangeAspect="1"/>
-          </p:cNvPicPr>
-          <p:nvPr/>
-        </p:nvPicPr>
-        <p:blipFill>
-          <a:blip r:embed="rId3"/>
-          <a:srcRect b="50000"/>
-          <a:stretch/>
-        </p:blipFill>
-        <p:spPr>
-          <a:xfrm>
-            <a:off x="5416408" y="2403415"/>
-            <a:ext cx="5010871" cy="618081"/>
-          </a:xfrm>
-          <a:prstGeom prst="rect">
-            <a:avLst/>
-          </a:prstGeom>
-        </p:spPr>
-      </p:pic>
-      <p:sp>
-        <p:nvSpPr>
-          <p:cNvPr id="10" name="TextBox 9">
-            <a:extLst>
-              <a:ext uri="{FF2B5EF4-FFF2-40B4-BE49-F238E27FC236}">
-                <a16:creationId xmlns:a16="http://schemas.microsoft.com/office/drawing/2014/main" id="{AD713C17-6794-B6DF-671B-2669438C0F5D}"/>
-              </a:ext>
-            </a:extLst>
-          </p:cNvPr>
-          <p:cNvSpPr txBox="1"/>
-          <p:nvPr/>
-        </p:nvSpPr>
-        <p:spPr>
-          <a:xfrm>
-            <a:off x="5562996" y="4339866"/>
-            <a:ext cx="2861681" cy="307777"/>
-          </a:xfrm>
-          <a:prstGeom prst="rect">
-            <a:avLst/>
-          </a:prstGeom>
-          <a:noFill/>
-        </p:spPr>
-        <p:txBody>
-          <a:bodyPr wrap="none" rtlCol="0">
-            <a:spAutoFit/>
-          </a:bodyPr>
-          <a:lstStyle/>
-          <a:p>
-            <a:r>
-              <a:rPr lang="ko-KR" altLang="en-US" sz="1400">
-                <a:solidFill>
-                  <a:schemeClr val="bg1">
-                    <a:lumMod val="75000"/>
-                  </a:schemeClr>
-                </a:solidFill>
-                <a:latin typeface="AppleSDGothicNeoB00" panose="02000503000000000000" pitchFamily="2" charset="-127"/>
-                <a:ea typeface="AppleSDGothicNeoB00" panose="02000503000000000000" pitchFamily="2" charset="-127"/>
-              </a:rPr>
-              <a:t>인벤토리에 특정 아이템을 장착하세요</a:t>
-            </a:r>
-            <a:r>
-              <a:rPr lang="en-US" altLang="ko-KR" sz="1400">
-                <a:solidFill>
-                  <a:schemeClr val="bg1">
-                    <a:lumMod val="75000"/>
-                  </a:schemeClr>
-                </a:solidFill>
-                <a:latin typeface="AppleSDGothicNeoB00" panose="02000503000000000000" pitchFamily="2" charset="-127"/>
-                <a:ea typeface="AppleSDGothicNeoB00" panose="02000503000000000000" pitchFamily="2" charset="-127"/>
-              </a:rPr>
-              <a:t>!</a:t>
-            </a:r>
-            <a:endParaRPr lang="ko-KR" altLang="en-US" sz="1400">
-              <a:solidFill>
-                <a:schemeClr val="bg1">
-                  <a:lumMod val="75000"/>
-                </a:schemeClr>
-              </a:solidFill>
-              <a:latin typeface="AppleSDGothicNeoB00" panose="02000503000000000000" pitchFamily="2" charset="-127"/>
-              <a:ea typeface="AppleSDGothicNeoB00" panose="02000503000000000000" pitchFamily="2" charset="-127"/>
-            </a:endParaRPr>
-          </a:p>
-        </p:txBody>
-      </p:sp>
-      <p:sp>
-        <p:nvSpPr>
-          <p:cNvPr id="9" name="TextBox 8">
-            <a:extLst>
-              <a:ext uri="{FF2B5EF4-FFF2-40B4-BE49-F238E27FC236}">
-                <a16:creationId xmlns:a16="http://schemas.microsoft.com/office/drawing/2014/main" id="{34F725AB-3B4E-4A48-E851-CCE4101001C3}"/>
-              </a:ext>
-            </a:extLst>
-          </p:cNvPr>
-          <p:cNvSpPr txBox="1"/>
-          <p:nvPr/>
-        </p:nvSpPr>
-        <p:spPr>
-          <a:xfrm>
-            <a:off x="5562996" y="3098416"/>
-            <a:ext cx="2752677" cy="307777"/>
-          </a:xfrm>
-          <a:prstGeom prst="rect">
-            <a:avLst/>
-          </a:prstGeom>
-          <a:noFill/>
-        </p:spPr>
-        <p:txBody>
-          <a:bodyPr wrap="none" rtlCol="0">
-            <a:spAutoFit/>
-          </a:bodyPr>
-          <a:lstStyle/>
-          <a:p>
-            <a:r>
-              <a:rPr lang="ko-KR" altLang="en-US" sz="1400">
-                <a:solidFill>
-                  <a:schemeClr val="bg1">
-                    <a:lumMod val="75000"/>
-                  </a:schemeClr>
-                </a:solidFill>
-                <a:latin typeface="AppleSDGothicNeoB00" panose="02000503000000000000" pitchFamily="2" charset="-127"/>
-                <a:ea typeface="AppleSDGothicNeoB00" panose="02000503000000000000" pitchFamily="2" charset="-127"/>
-              </a:rPr>
-              <a:t>일정 횟수 이상 던전을 클리어하세요</a:t>
-            </a:r>
-            <a:r>
-              <a:rPr lang="en-US" altLang="ko-KR" sz="1400">
-                <a:solidFill>
-                  <a:schemeClr val="bg1">
-                    <a:lumMod val="75000"/>
-                  </a:schemeClr>
-                </a:solidFill>
-                <a:latin typeface="AppleSDGothicNeoB00" panose="02000503000000000000" pitchFamily="2" charset="-127"/>
-                <a:ea typeface="AppleSDGothicNeoB00" panose="02000503000000000000" pitchFamily="2" charset="-127"/>
-              </a:rPr>
-              <a:t>!</a:t>
-            </a:r>
-            <a:endParaRPr lang="ko-KR" altLang="en-US" sz="1400">
-              <a:solidFill>
-                <a:schemeClr val="bg1">
-                  <a:lumMod val="75000"/>
-                </a:schemeClr>
-              </a:solidFill>
-              <a:latin typeface="AppleSDGothicNeoB00" panose="02000503000000000000" pitchFamily="2" charset="-127"/>
-              <a:ea typeface="AppleSDGothicNeoB00" panose="02000503000000000000" pitchFamily="2" charset="-127"/>
-            </a:endParaRPr>
-          </a:p>
-        </p:txBody>
-      </p:sp>
-      <p:sp>
-        <p:nvSpPr>
-          <p:cNvPr id="11" name="이등변 삼각형 10">
-            <a:extLst>
-              <a:ext uri="{FF2B5EF4-FFF2-40B4-BE49-F238E27FC236}">
-                <a16:creationId xmlns:a16="http://schemas.microsoft.com/office/drawing/2014/main" id="{45820476-7D5C-83CE-2451-EC220966A142}"/>
-              </a:ext>
-            </a:extLst>
-          </p:cNvPr>
-          <p:cNvSpPr/>
-          <p:nvPr/>
-        </p:nvSpPr>
-        <p:spPr>
-          <a:xfrm rot="5400000">
-            <a:off x="5404679" y="3168455"/>
-            <a:ext cx="170044" cy="146589"/>
-          </a:xfrm>
-          <a:prstGeom prst="triangle">
-            <a:avLst/>
-          </a:prstGeom>
-          <a:solidFill>
-            <a:schemeClr val="bg1">
-              <a:alpha val="76000"/>
-            </a:schemeClr>
-          </a:solidFill>
-        </p:spPr>
-        <p:style>
-          <a:lnRef idx="2">
-            <a:schemeClr val="accent1">
-              <a:shade val="15000"/>
-            </a:schemeClr>
-          </a:lnRef>
-          <a:fillRef idx="1">
-            <a:schemeClr val="accent1"/>
-          </a:fillRef>
-          <a:effectRef idx="0">
-            <a:schemeClr val="accent1"/>
-          </a:effectRef>
-          <a:fontRef idx="minor">
-            <a:schemeClr val="lt1"/>
-          </a:fontRef>
-        </p:style>
-        <p:txBody>
-          <a:bodyPr rtlCol="0" anchor="ctr"/>
-          <a:lstStyle/>
-          <a:p>
-            <a:pPr algn="ctr"/>
-            <a:endParaRPr lang="ko-KR" altLang="en-US"/>
-          </a:p>
-        </p:txBody>
-      </p:sp>
-      <p:sp>
-        <p:nvSpPr>
-          <p:cNvPr id="12" name="이등변 삼각형 11">
-            <a:extLst>
-              <a:ext uri="{FF2B5EF4-FFF2-40B4-BE49-F238E27FC236}">
-                <a16:creationId xmlns:a16="http://schemas.microsoft.com/office/drawing/2014/main" id="{8629CF60-618B-72F9-B0C3-994173F00439}"/>
-              </a:ext>
-            </a:extLst>
-          </p:cNvPr>
-          <p:cNvSpPr/>
-          <p:nvPr/>
-        </p:nvSpPr>
-        <p:spPr>
-          <a:xfrm rot="5400000">
-            <a:off x="5405075" y="4420628"/>
-            <a:ext cx="170044" cy="146589"/>
-          </a:xfrm>
-          <a:prstGeom prst="triangle">
-            <a:avLst/>
-          </a:prstGeom>
-          <a:solidFill>
-            <a:schemeClr val="bg1">
-              <a:alpha val="76000"/>
-            </a:schemeClr>
-          </a:solidFill>
-        </p:spPr>
-        <p:style>
-          <a:lnRef idx="2">
-            <a:schemeClr val="accent1">
-              <a:shade val="15000"/>
-            </a:schemeClr>
-          </a:lnRef>
-          <a:fillRef idx="1">
-            <a:schemeClr val="accent1"/>
-          </a:fillRef>
-          <a:effectRef idx="0">
-            <a:schemeClr val="accent1"/>
-          </a:effectRef>
-          <a:fontRef idx="minor">
-            <a:schemeClr val="lt1"/>
-          </a:fontRef>
-        </p:style>
-        <p:txBody>
-          <a:bodyPr rtlCol="0" anchor="ctr"/>
-          <a:lstStyle/>
-          <a:p>
-            <a:pPr algn="ctr"/>
-            <a:endParaRPr lang="ko-KR" altLang="en-US"/>
-          </a:p>
-        </p:txBody>
-      </p:sp>
     </p:spTree>
     <p:extLst>
       <p:ext uri="{BB962C8B-B14F-4D97-AF65-F5344CB8AC3E}">
-        <p14:creationId xmlns:p14="http://schemas.microsoft.com/office/powerpoint/2010/main" val="146011450"/>
+        <p14:creationId xmlns:p14="http://schemas.microsoft.com/office/powerpoint/2010/main" val="933653785"/>
       </p:ext>
     </p:extLst>
   </p:cSld>
@@ -9154,8 +9890,8 @@
         </p:nvSpPr>
         <p:spPr>
           <a:xfrm>
-            <a:off x="1153838" y="2403415"/>
-            <a:ext cx="3443571" cy="707886"/>
+            <a:off x="856787" y="2403415"/>
+            <a:ext cx="2930610" cy="707886"/>
           </a:xfrm>
           <a:prstGeom prst="rect">
             <a:avLst/>
@@ -9168,17 +9904,54 @@
           </a:bodyPr>
           <a:lstStyle/>
           <a:p>
-            <a:r>
-              <a:rPr lang="ko-KR" altLang="en-US" sz="4000" dirty="0">
+            <a:pPr marL="0" marR="0" lvl="0" indent="0" algn="l" defTabSz="914400" rtl="0" eaLnBrk="1" fontAlgn="auto" latinLnBrk="1" hangingPunct="1">
+              <a:lnSpc>
+                <a:spcPct val="100000"/>
+              </a:lnSpc>
+              <a:spcBef>
+                <a:spcPts val="0"/>
+              </a:spcBef>
+              <a:spcAft>
+                <a:spcPts val="0"/>
+              </a:spcAft>
+              <a:buClrTx/>
+              <a:buSzTx/>
+              <a:buFontTx/>
+              <a:buNone/>
+              <a:tabLst/>
+              <a:defRPr/>
+            </a:pPr>
+            <a:r>
+              <a:rPr kumimoji="0" lang="ko-KR" altLang="en-US" sz="4000" b="0" i="0" u="none" strike="noStrike" kern="1200" cap="none" spc="0" normalizeH="0" baseline="0" noProof="0" dirty="0">
+                <a:ln>
+                  <a:noFill/>
+                </a:ln>
                 <a:solidFill>
-                  <a:schemeClr val="bg1"/>
+                  <a:prstClr val="white"/>
                 </a:solidFill>
+                <a:effectLst/>
+                <a:uLnTx/>
+                <a:uFillTx/>
                 <a:latin typeface="Pretendard Black" panose="02000A03000000020004" pitchFamily="50" charset="-127"/>
                 <a:ea typeface="Pretendard Black"/>
                 <a:cs typeface="Pretendard Black" panose="02000A03000000020004" pitchFamily="50" charset="-127"/>
               </a:rPr>
-              <a:t>퀘스트 클래스</a:t>
-            </a:r>
+              <a:t>스킬 클래스</a:t>
+            </a:r>
+            <a:endParaRPr kumimoji="0" lang="ko-KR" altLang="en-US" sz="4000" b="0" i="0" u="none" strike="noStrike" kern="1200" cap="none" spc="0" normalizeH="0" baseline="0" noProof="0" dirty="0">
+              <a:ln>
+                <a:noFill/>
+              </a:ln>
+              <a:solidFill>
+                <a:prstClr val="white"/>
+              </a:solidFill>
+              <a:effectLst/>
+              <a:uLnTx/>
+              <a:uFillTx/>
+              <a:latin typeface="Pretendard Black" panose="02000A03000000020004" pitchFamily="50" charset="-127"/>
+              <a:ea typeface="Pretendard Black" panose="02000A03000000020004" pitchFamily="50" charset="-127"/>
+              <a:cs typeface="Pretendard Black" panose="02000A03000000020004" pitchFamily="50" charset="-127"/>
+            </a:endParaRPr>
           </a:p>
         </p:txBody>
       </p:sp>
@@ -9196,8 +9969,8 @@
         </p:nvSpPr>
         <p:spPr>
           <a:xfrm>
-            <a:off x="1156593" y="3113805"/>
-            <a:ext cx="3566987" cy="707886"/>
+            <a:off x="888478" y="3133096"/>
+            <a:ext cx="1986441" cy="400110"/>
           </a:xfrm>
           <a:prstGeom prst="rect">
             <a:avLst/>
@@ -9205,52 +9978,113 @@
           <a:noFill/>
         </p:spPr>
         <p:txBody>
-          <a:bodyPr wrap="square" lIns="91440" tIns="45720" rIns="91440" bIns="45720" rtlCol="0" anchor="t">
+          <a:bodyPr wrap="none" lIns="91440" tIns="45720" rIns="91440" bIns="45720" rtlCol="0" anchor="t">
             <a:spAutoFit/>
           </a:bodyPr>
           <a:lstStyle/>
           <a:p>
-            <a:r>
-              <a:rPr lang="en-US" altLang="ko-KR" sz="2000" spc="-150">
+            <a:pPr marL="0" marR="0" lvl="0" indent="0" algn="l" defTabSz="914400" rtl="0" eaLnBrk="1" fontAlgn="auto" latinLnBrk="1" hangingPunct="1">
+              <a:lnSpc>
+                <a:spcPct val="100000"/>
+              </a:lnSpc>
+              <a:spcBef>
+                <a:spcPts val="0"/>
+              </a:spcBef>
+              <a:spcAft>
+                <a:spcPts val="0"/>
+              </a:spcAft>
+              <a:buClrTx/>
+              <a:buSzTx/>
+              <a:buFontTx/>
+              <a:buNone/>
+              <a:tabLst/>
+              <a:defRPr/>
+            </a:pPr>
+            <a:r>
+              <a:rPr kumimoji="0" lang="en-US" altLang="ko-KR" sz="2000" b="0" i="0" u="none" strike="noStrike" kern="1200" cap="none" spc="-150" normalizeH="0" baseline="0" noProof="0" dirty="0" err="1">
+                <a:ln>
+                  <a:noFill/>
+                </a:ln>
                 <a:solidFill>
-                  <a:schemeClr val="bg1"/>
+                  <a:prstClr val="white"/>
                 </a:solidFill>
+                <a:effectLst/>
+                <a:uLnTx/>
+                <a:uFillTx/>
+                <a:latin typeface="AppleSDGothicNeoB00" panose="02000503000000000000" pitchFamily="2" charset="-127"/>
                 <a:ea typeface="AppleSDGothicNeoB00"/>
-              </a:rPr>
-              <a:t>각 </a:t>
-            </a:r>
-            <a:r>
-              <a:rPr lang="ko-KR" altLang="en-US" sz="2000" spc="-150">
+                <a:cs typeface="Pretendard Black" panose="02000A03000000020004" pitchFamily="50" charset="-127"/>
+              </a:rPr>
+              <a:t>스킬</a:t>
+            </a:r>
+            <a:r>
+              <a:rPr kumimoji="0" lang="en-US" altLang="ko-KR" sz="2000" b="0" i="0" u="none" strike="noStrike" kern="1200" cap="none" spc="-150" normalizeH="0" baseline="0" noProof="0" dirty="0">
+                <a:ln>
+                  <a:noFill/>
+                </a:ln>
                 <a:solidFill>
-                  <a:schemeClr val="bg1"/>
+                  <a:prstClr val="white"/>
                 </a:solidFill>
+                <a:effectLst/>
+                <a:uLnTx/>
+                <a:uFillTx/>
+                <a:latin typeface="AppleSDGothicNeoB00" panose="02000503000000000000" pitchFamily="2" charset="-127"/>
                 <a:ea typeface="AppleSDGothicNeoB00"/>
-              </a:rPr>
-              <a:t>클래스에서 성공여부를</a:t>
-            </a:r>
-            <a:br>
-              <a:rPr lang="en-US" altLang="ko-KR" sz="2000" spc="-150">
+                <a:cs typeface="Pretendard Black" panose="02000A03000000020004" pitchFamily="50" charset="-127"/>
+              </a:rPr>
+              <a:t> </a:t>
+            </a:r>
+            <a:r>
+              <a:rPr kumimoji="0" lang="en-US" altLang="ko-KR" sz="2000" b="0" i="0" u="none" strike="noStrike" kern="1200" cap="none" spc="-150" normalizeH="0" baseline="0" noProof="0" dirty="0" err="1">
+                <a:ln>
+                  <a:noFill/>
+                </a:ln>
                 <a:solidFill>
-                  <a:schemeClr val="bg1"/>
+                  <a:prstClr val="white"/>
                 </a:solidFill>
+                <a:effectLst/>
+                <a:uLnTx/>
+                <a:uFillTx/>
+                <a:latin typeface="AppleSDGothicNeoB00" panose="02000503000000000000" pitchFamily="2" charset="-127"/>
                 <a:ea typeface="AppleSDGothicNeoB00"/>
-              </a:rPr>
-            </a:br>
-            <a:r>
-              <a:rPr lang="ko-KR" altLang="en-US" sz="2000" spc="-150">
+                <a:cs typeface="Pretendard Black" panose="02000A03000000020004" pitchFamily="50" charset="-127"/>
+              </a:rPr>
+              <a:t>프리셋</a:t>
+            </a:r>
+            <a:r>
+              <a:rPr kumimoji="0" lang="en-US" altLang="ko-KR" sz="2000" b="0" i="0" u="none" strike="noStrike" kern="1200" cap="none" spc="-150" normalizeH="0" baseline="0" noProof="0" dirty="0">
+                <a:ln>
+                  <a:noFill/>
+                </a:ln>
                 <a:solidFill>
-                  <a:schemeClr val="bg1"/>
+                  <a:prstClr val="white"/>
                 </a:solidFill>
+                <a:effectLst/>
+                <a:uLnTx/>
+                <a:uFillTx/>
+                <a:latin typeface="AppleSDGothicNeoB00" panose="02000503000000000000" pitchFamily="2" charset="-127"/>
                 <a:ea typeface="AppleSDGothicNeoB00"/>
-              </a:rPr>
-              <a:t>체크하는 함수를 넣었어요</a:t>
-            </a:r>
-            <a:endParaRPr lang="en-US" altLang="ko-KR" sz="2000" spc="-150" dirty="0" err="1">
-              <a:solidFill>
-                <a:schemeClr val="bg1"/>
-              </a:solidFill>
-              <a:ea typeface="AppleSDGothicNeoB00"/>
-            </a:endParaRPr>
+                <a:cs typeface="Pretendard Black" panose="02000A03000000020004" pitchFamily="50" charset="-127"/>
+              </a:rPr>
+              <a:t> </a:t>
+            </a:r>
+            <a:r>
+              <a:rPr kumimoji="0" lang="en-US" altLang="ko-KR" sz="2000" b="0" i="0" u="none" strike="noStrike" kern="1200" cap="none" spc="-150" normalizeH="0" baseline="0" noProof="0" dirty="0" err="1">
+                <a:ln>
+                  <a:noFill/>
+                </a:ln>
+                <a:solidFill>
+                  <a:prstClr val="white"/>
+                </a:solidFill>
+                <a:effectLst/>
+                <a:uLnTx/>
+                <a:uFillTx/>
+                <a:latin typeface="AppleSDGothicNeoB00" panose="02000503000000000000" pitchFamily="2" charset="-127"/>
+                <a:ea typeface="AppleSDGothicNeoB00"/>
+                <a:cs typeface="Pretendard Black" panose="02000A03000000020004" pitchFamily="50" charset="-127"/>
+              </a:rPr>
+              <a:t>생성</a:t>
+            </a:r>
           </a:p>
         </p:txBody>
       </p:sp>
@@ -9282,12 +10116,34 @@
           </a:bodyPr>
           <a:lstStyle/>
           <a:p>
-            <a:pPr algn="ctr"/>
-            <a:r>
-              <a:rPr lang="en-US" altLang="ko-KR" sz="1050">
+            <a:pPr marL="0" marR="0" lvl="0" indent="0" algn="ctr" defTabSz="914400" rtl="0" eaLnBrk="1" fontAlgn="auto" latinLnBrk="1" hangingPunct="1">
+              <a:lnSpc>
+                <a:spcPct val="100000"/>
+              </a:lnSpc>
+              <a:spcBef>
+                <a:spcPts val="0"/>
+              </a:spcBef>
+              <a:spcAft>
+                <a:spcPts val="0"/>
+              </a:spcAft>
+              <a:buClrTx/>
+              <a:buSzTx/>
+              <a:buFontTx/>
+              <a:buNone/>
+              <a:tabLst/>
+              <a:defRPr/>
+            </a:pPr>
+            <a:r>
+              <a:rPr kumimoji="0" lang="en-US" altLang="ko-KR" sz="1050" b="0" i="0" u="none" strike="noStrike" kern="1200" cap="none" spc="0" normalizeH="0" baseline="0" noProof="0">
+                <a:ln>
+                  <a:noFill/>
+                </a:ln>
                 <a:solidFill>
-                  <a:schemeClr val="bg1"/>
+                  <a:prstClr val="white"/>
                 </a:solidFill>
+                <a:effectLst/>
+                <a:uLnTx/>
+                <a:uFillTx/>
                 <a:latin typeface="Pretendard" panose="02000803000000020004" pitchFamily="50" charset="-127"/>
                 <a:ea typeface="Pretendard" panose="02000803000000020004" pitchFamily="50" charset="-127"/>
                 <a:cs typeface="Pretendard" panose="02000803000000020004" pitchFamily="50" charset="-127"/>
@@ -9295,10 +10151,16 @@
               <a:t>&lt;</a:t>
             </a:r>
             <a:r>
-              <a:rPr lang="ko-KR" altLang="en-US" sz="1050">
+              <a:rPr kumimoji="0" lang="ko-KR" altLang="en-US" sz="1050" b="0" i="0" u="none" strike="noStrike" kern="1200" cap="none" spc="0" normalizeH="0" baseline="0" noProof="0">
+                <a:ln>
+                  <a:noFill/>
+                </a:ln>
                 <a:solidFill>
-                  <a:schemeClr val="bg1"/>
+                  <a:prstClr val="white"/>
                 </a:solidFill>
+                <a:effectLst/>
+                <a:uLnTx/>
+                <a:uFillTx/>
                 <a:latin typeface="Pretendard" panose="02000803000000020004" pitchFamily="50" charset="-127"/>
                 <a:ea typeface="Pretendard" panose="02000803000000020004" pitchFamily="50" charset="-127"/>
                 <a:cs typeface="Pretendard" panose="02000803000000020004" pitchFamily="50" charset="-127"/>
@@ -9306,10 +10168,16 @@
               <a:t>한끼줍쇼</a:t>
             </a:r>
             <a:r>
-              <a:rPr lang="en-US" altLang="ko-KR" sz="1050">
+              <a:rPr kumimoji="0" lang="en-US" altLang="ko-KR" sz="1050" b="0" i="0" u="none" strike="noStrike" kern="1200" cap="none" spc="0" normalizeH="0" baseline="0" noProof="0">
+                <a:ln>
+                  <a:noFill/>
+                </a:ln>
                 <a:solidFill>
-                  <a:schemeClr val="bg1"/>
+                  <a:prstClr val="white"/>
                 </a:solidFill>
+                <a:effectLst/>
+                <a:uLnTx/>
+                <a:uFillTx/>
                 <a:latin typeface="Pretendard" panose="02000803000000020004" pitchFamily="50" charset="-127"/>
                 <a:ea typeface="Pretendard" panose="02000803000000020004" pitchFamily="50" charset="-127"/>
                 <a:cs typeface="Pretendard" panose="02000803000000020004" pitchFamily="50" charset="-127"/>
@@ -9317,10 +10185,16 @@
               <a:t>&gt; </a:t>
             </a:r>
             <a:r>
-              <a:rPr lang="ko-KR" altLang="en-US" sz="1050">
+              <a:rPr kumimoji="0" lang="ko-KR" altLang="en-US" sz="1050" b="0" i="0" u="none" strike="noStrike" kern="1200" cap="none" spc="0" normalizeH="0" baseline="0" noProof="0">
+                <a:ln>
+                  <a:noFill/>
+                </a:ln>
                 <a:solidFill>
-                  <a:schemeClr val="bg1"/>
+                  <a:prstClr val="white"/>
                 </a:solidFill>
+                <a:effectLst/>
+                <a:uLnTx/>
+                <a:uFillTx/>
                 <a:latin typeface="Pretendard" panose="02000803000000020004" pitchFamily="50" charset="-127"/>
                 <a:ea typeface="Pretendard" panose="02000803000000020004" pitchFamily="50" charset="-127"/>
                 <a:cs typeface="Pretendard" panose="02000803000000020004" pitchFamily="50" charset="-127"/>
@@ -9328,10 +10202,16 @@
               <a:t>매니저님밥</a:t>
             </a:r>
             <a:r>
-              <a:rPr lang="en-US" altLang="ko-KR" sz="1050">
+              <a:rPr kumimoji="0" lang="en-US" altLang="ko-KR" sz="1050" b="0" i="0" u="none" strike="noStrike" kern="1200" cap="none" spc="0" normalizeH="0" baseline="0" noProof="0">
+                <a:ln>
+                  <a:noFill/>
+                </a:ln>
                 <a:solidFill>
-                  <a:schemeClr val="bg1"/>
+                  <a:prstClr val="white"/>
                 </a:solidFill>
+                <a:effectLst/>
+                <a:uLnTx/>
+                <a:uFillTx/>
                 <a:latin typeface="Pretendard" panose="02000803000000020004" pitchFamily="50" charset="-127"/>
                 <a:ea typeface="Pretendard" panose="02000803000000020004" pitchFamily="50" charset="-127"/>
                 <a:cs typeface="Pretendard" panose="02000803000000020004" pitchFamily="50" charset="-127"/>
@@ -9339,20 +10219,32 @@
               <a:t>4</a:t>
             </a:r>
             <a:r>
-              <a:rPr lang="ko-KR" altLang="en-US" sz="1050">
+              <a:rPr kumimoji="0" lang="ko-KR" altLang="en-US" sz="1050" b="0" i="0" u="none" strike="noStrike" kern="1200" cap="none" spc="0" normalizeH="0" baseline="0" noProof="0">
+                <a:ln>
+                  <a:noFill/>
+                </a:ln>
                 <a:solidFill>
-                  <a:schemeClr val="bg1"/>
+                  <a:prstClr val="white"/>
                 </a:solidFill>
+                <a:effectLst/>
+                <a:uLnTx/>
+                <a:uFillTx/>
                 <a:latin typeface="Pretendard" panose="02000803000000020004" pitchFamily="50" charset="-127"/>
                 <a:ea typeface="Pretendard" panose="02000803000000020004" pitchFamily="50" charset="-127"/>
                 <a:cs typeface="Pretendard" panose="02000803000000020004" pitchFamily="50" charset="-127"/>
               </a:rPr>
               <a:t>조</a:t>
             </a:r>
-            <a:endParaRPr lang="ko-KR" altLang="en-US" sz="1600" dirty="0">
+            <a:endParaRPr kumimoji="0" lang="ko-KR" altLang="en-US" sz="1600" b="0" i="0" u="none" strike="noStrike" kern="1200" cap="none" spc="0" normalizeH="0" baseline="0" noProof="0" dirty="0">
+              <a:ln>
+                <a:noFill/>
+              </a:ln>
               <a:solidFill>
-                <a:schemeClr val="bg1"/>
+                <a:prstClr val="white"/>
               </a:solidFill>
+              <a:effectLst/>
+              <a:uLnTx/>
+              <a:uFillTx/>
               <a:latin typeface="Pretendard" panose="02000803000000020004" pitchFamily="50" charset="-127"/>
               <a:ea typeface="Pretendard" panose="02000803000000020004" pitchFamily="50" charset="-127"/>
               <a:cs typeface="Pretendard" panose="02000803000000020004" pitchFamily="50" charset="-127"/>
@@ -9362,10 +10254,10 @@
       </p:sp>
       <p:pic>
         <p:nvPicPr>
-          <p:cNvPr id="3" name="그림 2" descr="텍스트, 스크린샷, 폰트이(가) 표시된 사진&#10;&#10;자동 생성된 설명">
-            <a:extLst>
-              <a:ext uri="{FF2B5EF4-FFF2-40B4-BE49-F238E27FC236}">
-                <a16:creationId xmlns:a16="http://schemas.microsoft.com/office/drawing/2014/main" id="{F88325F8-0317-179A-9CC9-BD3544390E32}"/>
+          <p:cNvPr id="2" name="그림 1" descr="텍스트, 스크린샷이(가) 표시된 사진&#10;&#10;자동 생성된 설명">
+            <a:extLst>
+              <a:ext uri="{FF2B5EF4-FFF2-40B4-BE49-F238E27FC236}">
+                <a16:creationId xmlns:a16="http://schemas.microsoft.com/office/drawing/2014/main" id="{772306EF-C56C-25F5-55DE-09806A75A48C}"/>
               </a:ext>
             </a:extLst>
           </p:cNvPr>
@@ -9376,13 +10268,14 @@
         </p:nvPicPr>
         <p:blipFill>
           <a:blip r:embed="rId3"/>
-          <a:srcRect b="21141"/>
-          <a:stretch/>
+          <a:stretch>
+            <a:fillRect/>
+          </a:stretch>
         </p:blipFill>
         <p:spPr>
           <a:xfrm>
-            <a:off x="4723580" y="2374855"/>
-            <a:ext cx="4985915" cy="2281927"/>
+            <a:off x="4920713" y="2893836"/>
+            <a:ext cx="6276813" cy="3821277"/>
           </a:xfrm>
           <a:prstGeom prst="rect">
             <a:avLst/>
@@ -9391,10 +10284,10 @@
       </p:pic>
       <p:pic>
         <p:nvPicPr>
-          <p:cNvPr id="4" name="그림 3" descr="텍스트, 스크린샷, 폰트, 소프트웨어이(가) 표시된 사진&#10;&#10;자동 생성된 설명">
-            <a:extLst>
-              <a:ext uri="{FF2B5EF4-FFF2-40B4-BE49-F238E27FC236}">
-                <a16:creationId xmlns:a16="http://schemas.microsoft.com/office/drawing/2014/main" id="{B81D2848-CED8-026F-46D7-80A908C33A75}"/>
+          <p:cNvPr id="4" name="그림 3" descr="텍스트, 스크린샷, 디스플레이, 폰트이(가) 표시된 사진&#10;&#10;자동 생성된 설명">
+            <a:extLst>
+              <a:ext uri="{FF2B5EF4-FFF2-40B4-BE49-F238E27FC236}">
+                <a16:creationId xmlns:a16="http://schemas.microsoft.com/office/drawing/2014/main" id="{27B244F0-F1D7-569A-7D57-81D6CEC95372}"/>
               </a:ext>
             </a:extLst>
           </p:cNvPr>
@@ -9411,8 +10304,8 @@
         </p:blipFill>
         <p:spPr>
           <a:xfrm>
-            <a:off x="4597409" y="4813276"/>
-            <a:ext cx="7967240" cy="2281927"/>
+            <a:off x="4925474" y="149656"/>
+            <a:ext cx="6267288" cy="2877841"/>
           </a:xfrm>
           <a:prstGeom prst="rect">
             <a:avLst/>
@@ -9422,7 +10315,7 @@
     </p:spTree>
     <p:extLst>
       <p:ext uri="{BB962C8B-B14F-4D97-AF65-F5344CB8AC3E}">
-        <p14:creationId xmlns:p14="http://schemas.microsoft.com/office/powerpoint/2010/main" val="4030390168"/>
+        <p14:creationId xmlns:p14="http://schemas.microsoft.com/office/powerpoint/2010/main" val="2796479059"/>
       </p:ext>
     </p:extLst>
   </p:cSld>
@@ -9471,8 +10364,8 @@
         </p:nvSpPr>
         <p:spPr>
           <a:xfrm>
-            <a:off x="1153838" y="2403415"/>
-            <a:ext cx="2021707" cy="707886"/>
+            <a:off x="856787" y="2403415"/>
+            <a:ext cx="2930610" cy="707886"/>
           </a:xfrm>
           <a:prstGeom prst="rect">
             <a:avLst/>
@@ -9485,34 +10378,52 @@
           </a:bodyPr>
           <a:lstStyle/>
           <a:p>
-            <a:r>
-              <a:rPr lang="ko-KR" altLang="en-US" sz="4000" err="1">
+            <a:pPr marL="0" marR="0" lvl="0" indent="0" algn="l" defTabSz="914400" rtl="0" eaLnBrk="1" fontAlgn="auto" latinLnBrk="1" hangingPunct="1">
+              <a:lnSpc>
+                <a:spcPct val="100000"/>
+              </a:lnSpc>
+              <a:spcBef>
+                <a:spcPts val="0"/>
+              </a:spcBef>
+              <a:spcAft>
+                <a:spcPts val="0"/>
+              </a:spcAft>
+              <a:buClrTx/>
+              <a:buSzTx/>
+              <a:buFontTx/>
+              <a:buNone/>
+              <a:tabLst/>
+              <a:defRPr/>
+            </a:pPr>
+            <a:r>
+              <a:rPr kumimoji="0" lang="ko-KR" altLang="en-US" sz="4000" b="0" i="0" u="none" strike="noStrike" kern="1200" cap="none" spc="0" normalizeH="0" baseline="0" noProof="0" dirty="0">
+                <a:ln>
+                  <a:noFill/>
+                </a:ln>
                 <a:solidFill>
-                  <a:schemeClr val="bg1"/>
+                  <a:prstClr val="white"/>
                 </a:solidFill>
+                <a:effectLst/>
+                <a:uLnTx/>
+                <a:uFillTx/>
                 <a:latin typeface="Pretendard Black" panose="02000A03000000020004" pitchFamily="50" charset="-127"/>
                 <a:ea typeface="Pretendard Black"/>
                 <a:cs typeface="Pretendard Black" panose="02000A03000000020004" pitchFamily="50" charset="-127"/>
               </a:rPr>
-              <a:t>퀘스트</a:t>
-            </a:r>
-            <a:r>
-              <a:rPr lang="ko-KR" altLang="en-US" sz="4000">
-                <a:solidFill>
-                  <a:schemeClr val="bg1"/>
-                </a:solidFill>
-                <a:latin typeface="Pretendard Black" panose="02000A03000000020004" pitchFamily="50" charset="-127"/>
-                <a:ea typeface="Pretendard Black"/>
-                <a:cs typeface="Pretendard Black" panose="02000A03000000020004" pitchFamily="50" charset="-127"/>
-              </a:rPr>
-              <a:t>UI</a:t>
-            </a:r>
-            <a:endParaRPr lang="ko-KR" altLang="en-US" sz="4000" dirty="0">
+              <a:t>스킬 클래스</a:t>
+            </a:r>
+            <a:endParaRPr kumimoji="0" lang="ko-KR" altLang="en-US" sz="4000" b="0" i="0" u="none" strike="noStrike" kern="1200" cap="none" spc="0" normalizeH="0" baseline="0" noProof="0" dirty="0">
+              <a:ln>
+                <a:noFill/>
+              </a:ln>
               <a:solidFill>
-                <a:schemeClr val="bg1"/>
+                <a:prstClr val="white"/>
               </a:solidFill>
+              <a:effectLst/>
+              <a:uLnTx/>
+              <a:uFillTx/>
               <a:latin typeface="Pretendard Black" panose="02000A03000000020004" pitchFamily="50" charset="-127"/>
-              <a:ea typeface="Pretendard Black"/>
+              <a:ea typeface="Pretendard Black" panose="02000A03000000020004" pitchFamily="50" charset="-127"/>
               <a:cs typeface="Pretendard Black" panose="02000A03000000020004" pitchFamily="50" charset="-127"/>
             </a:endParaRPr>
           </a:p>
@@ -9532,8 +10443,8 @@
         </p:nvSpPr>
         <p:spPr>
           <a:xfrm>
-            <a:off x="1156593" y="3113805"/>
-            <a:ext cx="3566987" cy="1323439"/>
+            <a:off x="888478" y="3133096"/>
+            <a:ext cx="1204176" cy="400110"/>
           </a:xfrm>
           <a:prstGeom prst="rect">
             <a:avLst/>
@@ -9541,161 +10452,79 @@
           <a:noFill/>
         </p:spPr>
         <p:txBody>
-          <a:bodyPr wrap="square" lIns="91440" tIns="45720" rIns="91440" bIns="45720" rtlCol="0" anchor="t">
+          <a:bodyPr wrap="none" lIns="91440" tIns="45720" rIns="91440" bIns="45720" rtlCol="0" anchor="t">
             <a:spAutoFit/>
           </a:bodyPr>
           <a:lstStyle/>
           <a:p>
-            <a:r>
-              <a:rPr lang="en-US" altLang="ko-KR" sz="2000" spc="-150" dirty="0" err="1">
+            <a:pPr marL="0" marR="0" lvl="0" indent="0" algn="l" defTabSz="914400" rtl="0" eaLnBrk="1" fontAlgn="auto" latinLnBrk="1" hangingPunct="1">
+              <a:lnSpc>
+                <a:spcPct val="100000"/>
+              </a:lnSpc>
+              <a:spcBef>
+                <a:spcPts val="0"/>
+              </a:spcBef>
+              <a:spcAft>
+                <a:spcPts val="0"/>
+              </a:spcAft>
+              <a:buClrTx/>
+              <a:buSzTx/>
+              <a:buFontTx/>
+              <a:buNone/>
+              <a:tabLst/>
+              <a:defRPr/>
+            </a:pPr>
+            <a:r>
+              <a:rPr kumimoji="0" lang="en-US" altLang="ko-KR" sz="2000" b="0" i="0" u="none" strike="noStrike" kern="1200" cap="none" spc="-150" normalizeH="0" baseline="0" noProof="0" dirty="0" err="1">
+                <a:ln>
+                  <a:noFill/>
+                </a:ln>
                 <a:solidFill>
-                  <a:schemeClr val="bg1"/>
+                  <a:prstClr val="white"/>
                 </a:solidFill>
+                <a:effectLst/>
+                <a:uLnTx/>
+                <a:uFillTx/>
+                <a:latin typeface="AppleSDGothicNeoB00" panose="02000503000000000000" pitchFamily="2" charset="-127"/>
                 <a:ea typeface="AppleSDGothicNeoB00"/>
-              </a:rPr>
-              <a:t>현재</a:t>
-            </a:r>
-            <a:r>
-              <a:rPr lang="en-US" altLang="ko-KR" sz="2000" spc="-150" dirty="0">
+                <a:cs typeface="Pretendard Black" panose="02000A03000000020004" pitchFamily="50" charset="-127"/>
+              </a:rPr>
+              <a:t>스킬</a:t>
+            </a:r>
+            <a:r>
+              <a:rPr kumimoji="0" lang="en-US" altLang="ko-KR" sz="2000" b="0" i="0" u="none" strike="noStrike" kern="1200" cap="none" spc="-150" normalizeH="0" baseline="0" noProof="0" dirty="0">
+                <a:ln>
+                  <a:noFill/>
+                </a:ln>
                 <a:solidFill>
-                  <a:schemeClr val="bg1"/>
+                  <a:prstClr val="white"/>
                 </a:solidFill>
+                <a:effectLst/>
+                <a:uLnTx/>
+                <a:uFillTx/>
+                <a:latin typeface="AppleSDGothicNeoB00" panose="02000503000000000000" pitchFamily="2" charset="-127"/>
                 <a:ea typeface="AppleSDGothicNeoB00"/>
+                <a:cs typeface="Pretendard Black" panose="02000A03000000020004" pitchFamily="50" charset="-127"/>
               </a:rPr>
               <a:t> </a:t>
             </a:r>
             <a:r>
-              <a:rPr lang="en-US" altLang="ko-KR" sz="2000" spc="-150" dirty="0" err="1">
+              <a:rPr kumimoji="0" lang="en-US" altLang="ko-KR" sz="2000" b="0" i="0" u="none" strike="noStrike" kern="1200" cap="none" spc="-150" normalizeH="0" baseline="0" noProof="0" dirty="0" err="1">
+                <a:ln>
+                  <a:noFill/>
+                </a:ln>
                 <a:solidFill>
-                  <a:schemeClr val="bg1"/>
+                  <a:prstClr val="white"/>
                 </a:solidFill>
+                <a:effectLst/>
+                <a:uLnTx/>
+                <a:uFillTx/>
+                <a:latin typeface="AppleSDGothicNeoB00" panose="02000503000000000000" pitchFamily="2" charset="-127"/>
                 <a:ea typeface="AppleSDGothicNeoB00"/>
-              </a:rPr>
-              <a:t>퀘스트가</a:t>
-            </a:r>
-          </a:p>
-          <a:p>
-            <a:r>
-              <a:rPr lang="en-US" altLang="ko-KR" sz="2000" spc="-150" dirty="0" err="1">
-                <a:solidFill>
-                  <a:schemeClr val="bg1"/>
-                </a:solidFill>
-                <a:ea typeface="AppleSDGothicNeoB00"/>
-              </a:rPr>
-              <a:t>수락한</a:t>
-            </a:r>
-            <a:r>
-              <a:rPr lang="en-US" altLang="ko-KR" sz="2000" spc="-150" dirty="0">
-                <a:solidFill>
-                  <a:schemeClr val="bg1"/>
-                </a:solidFill>
-                <a:ea typeface="AppleSDGothicNeoB00"/>
-              </a:rPr>
-              <a:t> </a:t>
-            </a:r>
-            <a:r>
-              <a:rPr lang="en-US" altLang="ko-KR" sz="2000" spc="-150" dirty="0" err="1">
-                <a:solidFill>
-                  <a:schemeClr val="bg1"/>
-                </a:solidFill>
-                <a:ea typeface="AppleSDGothicNeoB00"/>
-              </a:rPr>
-              <a:t>상태인지</a:t>
-            </a:r>
-            <a:endParaRPr lang="en-US" altLang="ko-KR" sz="2000" spc="-150" dirty="0">
-              <a:solidFill>
-                <a:schemeClr val="bg1"/>
-              </a:solidFill>
-              <a:ea typeface="AppleSDGothicNeoB00"/>
-            </a:endParaRPr>
-          </a:p>
-          <a:p>
-            <a:r>
-              <a:rPr lang="en-US" altLang="ko-KR" sz="2000" spc="-150" dirty="0" err="1">
-                <a:solidFill>
-                  <a:schemeClr val="bg1"/>
-                </a:solidFill>
-                <a:ea typeface="AppleSDGothicNeoB00"/>
-              </a:rPr>
-              <a:t>조건을</a:t>
-            </a:r>
-            <a:r>
-              <a:rPr lang="en-US" altLang="ko-KR" sz="2000" spc="-150" dirty="0">
-                <a:solidFill>
-                  <a:schemeClr val="bg1"/>
-                </a:solidFill>
-                <a:ea typeface="AppleSDGothicNeoB00"/>
-              </a:rPr>
-              <a:t> </a:t>
-            </a:r>
-            <a:r>
-              <a:rPr lang="en-US" altLang="ko-KR" sz="2000" spc="-150" dirty="0" err="1">
-                <a:solidFill>
-                  <a:schemeClr val="bg1"/>
-                </a:solidFill>
-                <a:ea typeface="AppleSDGothicNeoB00"/>
-              </a:rPr>
-              <a:t>완료하였는지</a:t>
-            </a:r>
-            <a:endParaRPr lang="en-US" altLang="ko-KR" sz="2000" spc="-150" dirty="0">
-              <a:solidFill>
-                <a:schemeClr val="bg1"/>
-              </a:solidFill>
-              <a:ea typeface="AppleSDGothicNeoB00"/>
-            </a:endParaRPr>
-          </a:p>
-          <a:p>
-            <a:r>
-              <a:rPr lang="en-US" altLang="ko-KR" sz="2000" spc="-150" dirty="0" err="1">
-                <a:solidFill>
-                  <a:schemeClr val="bg1"/>
-                </a:solidFill>
-                <a:ea typeface="AppleSDGothicNeoB00"/>
-              </a:rPr>
-              <a:t>이미</a:t>
-            </a:r>
-            <a:r>
-              <a:rPr lang="en-US" altLang="ko-KR" sz="2000" spc="-150" dirty="0">
-                <a:solidFill>
-                  <a:schemeClr val="bg1"/>
-                </a:solidFill>
-                <a:ea typeface="AppleSDGothicNeoB00"/>
-              </a:rPr>
-              <a:t> </a:t>
-            </a:r>
-            <a:r>
-              <a:rPr lang="en-US" altLang="ko-KR" sz="2000" spc="-150" dirty="0" err="1">
-                <a:solidFill>
-                  <a:schemeClr val="bg1"/>
-                </a:solidFill>
-                <a:ea typeface="AppleSDGothicNeoB00"/>
-              </a:rPr>
-              <a:t>클리어했는지</a:t>
-            </a:r>
-            <a:r>
-              <a:rPr lang="en-US" altLang="ko-KR" sz="2000" spc="-150" dirty="0">
-                <a:solidFill>
-                  <a:schemeClr val="bg1"/>
-                </a:solidFill>
-                <a:ea typeface="AppleSDGothicNeoB00"/>
-              </a:rPr>
-              <a:t> </a:t>
-            </a:r>
-            <a:r>
-              <a:rPr lang="en-US" altLang="ko-KR" sz="2000" spc="-150" dirty="0" err="1">
-                <a:solidFill>
-                  <a:schemeClr val="bg1"/>
-                </a:solidFill>
-                <a:ea typeface="AppleSDGothicNeoB00"/>
-              </a:rPr>
-              <a:t>체크</a:t>
-            </a:r>
-            <a:endParaRPr lang="en-US" altLang="ko-KR" sz="2000" spc="-150" dirty="0">
-              <a:solidFill>
-                <a:schemeClr val="bg1"/>
-              </a:solidFill>
-              <a:ea typeface="AppleSDGothicNeoB00"/>
-            </a:endParaRPr>
+                <a:cs typeface="Pretendard Black" panose="02000A03000000020004" pitchFamily="50" charset="-127"/>
+              </a:rPr>
+              <a:t>사용</a:t>
+            </a:r>
           </a:p>
         </p:txBody>
       </p:sp>
@@ -9727,12 +10556,34 @@
           </a:bodyPr>
           <a:lstStyle/>
           <a:p>
-            <a:pPr algn="ctr"/>
-            <a:r>
-              <a:rPr lang="en-US" altLang="ko-KR" sz="1050">
+            <a:pPr marL="0" marR="0" lvl="0" indent="0" algn="ctr" defTabSz="914400" rtl="0" eaLnBrk="1" fontAlgn="auto" latinLnBrk="1" hangingPunct="1">
+              <a:lnSpc>
+                <a:spcPct val="100000"/>
+              </a:lnSpc>
+              <a:spcBef>
+                <a:spcPts val="0"/>
+              </a:spcBef>
+              <a:spcAft>
+                <a:spcPts val="0"/>
+              </a:spcAft>
+              <a:buClrTx/>
+              <a:buSzTx/>
+              <a:buFontTx/>
+              <a:buNone/>
+              <a:tabLst/>
+              <a:defRPr/>
+            </a:pPr>
+            <a:r>
+              <a:rPr kumimoji="0" lang="en-US" altLang="ko-KR" sz="1050" b="0" i="0" u="none" strike="noStrike" kern="1200" cap="none" spc="0" normalizeH="0" baseline="0" noProof="0">
+                <a:ln>
+                  <a:noFill/>
+                </a:ln>
                 <a:solidFill>
-                  <a:schemeClr val="bg1"/>
+                  <a:prstClr val="white"/>
                 </a:solidFill>
+                <a:effectLst/>
+                <a:uLnTx/>
+                <a:uFillTx/>
                 <a:latin typeface="Pretendard" panose="02000803000000020004" pitchFamily="50" charset="-127"/>
                 <a:ea typeface="Pretendard" panose="02000803000000020004" pitchFamily="50" charset="-127"/>
                 <a:cs typeface="Pretendard" panose="02000803000000020004" pitchFamily="50" charset="-127"/>
@@ -9740,10 +10591,16 @@
               <a:t>&lt;</a:t>
             </a:r>
             <a:r>
-              <a:rPr lang="ko-KR" altLang="en-US" sz="1050">
+              <a:rPr kumimoji="0" lang="ko-KR" altLang="en-US" sz="1050" b="0" i="0" u="none" strike="noStrike" kern="1200" cap="none" spc="0" normalizeH="0" baseline="0" noProof="0">
+                <a:ln>
+                  <a:noFill/>
+                </a:ln>
                 <a:solidFill>
-                  <a:schemeClr val="bg1"/>
+                  <a:prstClr val="white"/>
                 </a:solidFill>
+                <a:effectLst/>
+                <a:uLnTx/>
+                <a:uFillTx/>
                 <a:latin typeface="Pretendard" panose="02000803000000020004" pitchFamily="50" charset="-127"/>
                 <a:ea typeface="Pretendard" panose="02000803000000020004" pitchFamily="50" charset="-127"/>
                 <a:cs typeface="Pretendard" panose="02000803000000020004" pitchFamily="50" charset="-127"/>
@@ -9751,10 +10608,16 @@
               <a:t>한끼줍쇼</a:t>
             </a:r>
             <a:r>
-              <a:rPr lang="en-US" altLang="ko-KR" sz="1050">
+              <a:rPr kumimoji="0" lang="en-US" altLang="ko-KR" sz="1050" b="0" i="0" u="none" strike="noStrike" kern="1200" cap="none" spc="0" normalizeH="0" baseline="0" noProof="0">
+                <a:ln>
+                  <a:noFill/>
+                </a:ln>
                 <a:solidFill>
-                  <a:schemeClr val="bg1"/>
+                  <a:prstClr val="white"/>
                 </a:solidFill>
+                <a:effectLst/>
+                <a:uLnTx/>
+                <a:uFillTx/>
                 <a:latin typeface="Pretendard" panose="02000803000000020004" pitchFamily="50" charset="-127"/>
                 <a:ea typeface="Pretendard" panose="02000803000000020004" pitchFamily="50" charset="-127"/>
                 <a:cs typeface="Pretendard" panose="02000803000000020004" pitchFamily="50" charset="-127"/>
@@ -9762,10 +10625,16 @@
               <a:t>&gt; </a:t>
             </a:r>
             <a:r>
-              <a:rPr lang="ko-KR" altLang="en-US" sz="1050">
+              <a:rPr kumimoji="0" lang="ko-KR" altLang="en-US" sz="1050" b="0" i="0" u="none" strike="noStrike" kern="1200" cap="none" spc="0" normalizeH="0" baseline="0" noProof="0">
+                <a:ln>
+                  <a:noFill/>
+                </a:ln>
                 <a:solidFill>
-                  <a:schemeClr val="bg1"/>
+                  <a:prstClr val="white"/>
                 </a:solidFill>
+                <a:effectLst/>
+                <a:uLnTx/>
+                <a:uFillTx/>
                 <a:latin typeface="Pretendard" panose="02000803000000020004" pitchFamily="50" charset="-127"/>
                 <a:ea typeface="Pretendard" panose="02000803000000020004" pitchFamily="50" charset="-127"/>
                 <a:cs typeface="Pretendard" panose="02000803000000020004" pitchFamily="50" charset="-127"/>
@@ -9773,10 +10642,16 @@
               <a:t>매니저님밥</a:t>
             </a:r>
             <a:r>
-              <a:rPr lang="en-US" altLang="ko-KR" sz="1050">
+              <a:rPr kumimoji="0" lang="en-US" altLang="ko-KR" sz="1050" b="0" i="0" u="none" strike="noStrike" kern="1200" cap="none" spc="0" normalizeH="0" baseline="0" noProof="0">
+                <a:ln>
+                  <a:noFill/>
+                </a:ln>
                 <a:solidFill>
-                  <a:schemeClr val="bg1"/>
+                  <a:prstClr val="white"/>
                 </a:solidFill>
+                <a:effectLst/>
+                <a:uLnTx/>
+                <a:uFillTx/>
                 <a:latin typeface="Pretendard" panose="02000803000000020004" pitchFamily="50" charset="-127"/>
                 <a:ea typeface="Pretendard" panose="02000803000000020004" pitchFamily="50" charset="-127"/>
                 <a:cs typeface="Pretendard" panose="02000803000000020004" pitchFamily="50" charset="-127"/>
@@ -9784,20 +10659,32 @@
               <a:t>4</a:t>
             </a:r>
             <a:r>
-              <a:rPr lang="ko-KR" altLang="en-US" sz="1050">
+              <a:rPr kumimoji="0" lang="ko-KR" altLang="en-US" sz="1050" b="0" i="0" u="none" strike="noStrike" kern="1200" cap="none" spc="0" normalizeH="0" baseline="0" noProof="0">
+                <a:ln>
+                  <a:noFill/>
+                </a:ln>
                 <a:solidFill>
-                  <a:schemeClr val="bg1"/>
+                  <a:prstClr val="white"/>
                 </a:solidFill>
+                <a:effectLst/>
+                <a:uLnTx/>
+                <a:uFillTx/>
                 <a:latin typeface="Pretendard" panose="02000803000000020004" pitchFamily="50" charset="-127"/>
                 <a:ea typeface="Pretendard" panose="02000803000000020004" pitchFamily="50" charset="-127"/>
                 <a:cs typeface="Pretendard" panose="02000803000000020004" pitchFamily="50" charset="-127"/>
               </a:rPr>
               <a:t>조</a:t>
             </a:r>
-            <a:endParaRPr lang="ko-KR" altLang="en-US" sz="1600" dirty="0">
+            <a:endParaRPr kumimoji="0" lang="ko-KR" altLang="en-US" sz="1600" b="0" i="0" u="none" strike="noStrike" kern="1200" cap="none" spc="0" normalizeH="0" baseline="0" noProof="0" dirty="0">
+              <a:ln>
+                <a:noFill/>
+              </a:ln>
               <a:solidFill>
-                <a:schemeClr val="bg1"/>
+                <a:prstClr val="white"/>
               </a:solidFill>
+              <a:effectLst/>
+              <a:uLnTx/>
+              <a:uFillTx/>
               <a:latin typeface="Pretendard" panose="02000803000000020004" pitchFamily="50" charset="-127"/>
               <a:ea typeface="Pretendard" panose="02000803000000020004" pitchFamily="50" charset="-127"/>
               <a:cs typeface="Pretendard" panose="02000803000000020004" pitchFamily="50" charset="-127"/>
@@ -9807,10 +10694,10 @@
       </p:sp>
       <p:pic>
         <p:nvPicPr>
-          <p:cNvPr id="3" name="그림 2" descr="텍스트, 스크린샷, 소프트웨어이(가) 표시된 사진&#10;&#10;자동 생성된 설명">
-            <a:extLst>
-              <a:ext uri="{FF2B5EF4-FFF2-40B4-BE49-F238E27FC236}">
-                <a16:creationId xmlns:a16="http://schemas.microsoft.com/office/drawing/2014/main" id="{665259E5-C1A4-770A-E799-5E22845E0733}"/>
+          <p:cNvPr id="3" name="그림 2" descr="텍스트, 스크린샷, 소프트웨어, 디스플레이이(가) 표시된 사진&#10;&#10;자동 생성된 설명">
+            <a:extLst>
+              <a:ext uri="{FF2B5EF4-FFF2-40B4-BE49-F238E27FC236}">
+                <a16:creationId xmlns:a16="http://schemas.microsoft.com/office/drawing/2014/main" id="{6D89C867-2F35-DA28-7CF9-289C1542B40E}"/>
               </a:ext>
             </a:extLst>
           </p:cNvPr>
@@ -9827,8 +10714,8 @@
         </p:blipFill>
         <p:spPr>
           <a:xfrm>
-            <a:off x="4239014" y="2403415"/>
-            <a:ext cx="6258940" cy="5754546"/>
+            <a:off x="4520665" y="73617"/>
+            <a:ext cx="7038161" cy="6723681"/>
           </a:xfrm>
           <a:prstGeom prst="rect">
             <a:avLst/>
@@ -9838,7 +10725,589 @@
     </p:spTree>
     <p:extLst>
       <p:ext uri="{BB962C8B-B14F-4D97-AF65-F5344CB8AC3E}">
-        <p14:creationId xmlns:p14="http://schemas.microsoft.com/office/powerpoint/2010/main" val="3529839104"/>
+        <p14:creationId xmlns:p14="http://schemas.microsoft.com/office/powerpoint/2010/main" val="3952885622"/>
+      </p:ext>
+    </p:extLst>
+  </p:cSld>
+  <p:clrMapOvr>
+    <a:masterClrMapping/>
+  </p:clrMapOvr>
+</p:sld>
+</file>
+
+<file path=ppt/slides/slide19.xml><?xml version="1.0" encoding="utf-8"?>
+<p:sld xmlns:a="http://schemas.openxmlformats.org/drawingml/2006/main" xmlns:r="http://schemas.openxmlformats.org/officeDocument/2006/relationships" xmlns:p="http://schemas.openxmlformats.org/presentationml/2006/main">
+  <p:cSld>
+    <p:bg>
+      <p:bgPr>
+        <a:solidFill>
+          <a:schemeClr val="tx1"/>
+        </a:solidFill>
+        <a:effectLst/>
+      </p:bgPr>
+    </p:bg>
+    <p:spTree>
+      <p:nvGrpSpPr>
+        <p:cNvPr id="1" name=""/>
+        <p:cNvGrpSpPr/>
+        <p:nvPr/>
+      </p:nvGrpSpPr>
+      <p:grpSpPr>
+        <a:xfrm>
+          <a:off x="0" y="0"/>
+          <a:ext cx="0" cy="0"/>
+          <a:chOff x="0" y="0"/>
+          <a:chExt cx="0" cy="0"/>
+        </a:xfrm>
+      </p:grpSpPr>
+      <p:sp>
+        <p:nvSpPr>
+          <p:cNvPr id="7" name="TextBox 6">
+            <a:extLst>
+              <a:ext uri="{FF2B5EF4-FFF2-40B4-BE49-F238E27FC236}">
+                <a16:creationId xmlns:a16="http://schemas.microsoft.com/office/drawing/2014/main" id="{57D789ED-E9F7-24E6-F755-AB0AE85FD0A2}"/>
+              </a:ext>
+            </a:extLst>
+          </p:cNvPr>
+          <p:cNvSpPr txBox="1"/>
+          <p:nvPr/>
+        </p:nvSpPr>
+        <p:spPr>
+          <a:xfrm>
+            <a:off x="1153838" y="2403415"/>
+            <a:ext cx="3443571" cy="707886"/>
+          </a:xfrm>
+          <a:prstGeom prst="rect">
+            <a:avLst/>
+          </a:prstGeom>
+          <a:noFill/>
+        </p:spPr>
+        <p:txBody>
+          <a:bodyPr wrap="none" lIns="91440" tIns="45720" rIns="91440" bIns="45720" rtlCol="0" anchor="t">
+            <a:spAutoFit/>
+          </a:bodyPr>
+          <a:lstStyle/>
+          <a:p>
+            <a:r>
+              <a:rPr lang="ko-KR" altLang="en-US" sz="4000" dirty="0">
+                <a:solidFill>
+                  <a:schemeClr val="bg1"/>
+                </a:solidFill>
+                <a:latin typeface="Pretendard Black" panose="02000A03000000020004" pitchFamily="50" charset="-127"/>
+                <a:ea typeface="Pretendard Black"/>
+                <a:cs typeface="Pretendard Black" panose="02000A03000000020004" pitchFamily="50" charset="-127"/>
+              </a:rPr>
+              <a:t>퀘스트 클래스</a:t>
+            </a:r>
+          </a:p>
+        </p:txBody>
+      </p:sp>
+      <p:sp>
+        <p:nvSpPr>
+          <p:cNvPr id="27" name="TextBox 26">
+            <a:extLst>
+              <a:ext uri="{FF2B5EF4-FFF2-40B4-BE49-F238E27FC236}">
+                <a16:creationId xmlns:a16="http://schemas.microsoft.com/office/drawing/2014/main" id="{76DFBF0E-FDF1-1F46-CC62-E837A6407A10}"/>
+              </a:ext>
+            </a:extLst>
+          </p:cNvPr>
+          <p:cNvSpPr txBox="1"/>
+          <p:nvPr/>
+        </p:nvSpPr>
+        <p:spPr>
+          <a:xfrm>
+            <a:off x="1156593" y="3113805"/>
+            <a:ext cx="3566987" cy="707886"/>
+          </a:xfrm>
+          <a:prstGeom prst="rect">
+            <a:avLst/>
+          </a:prstGeom>
+          <a:noFill/>
+        </p:spPr>
+        <p:txBody>
+          <a:bodyPr wrap="square" lIns="91440" tIns="45720" rIns="91440" bIns="45720" rtlCol="0" anchor="t">
+            <a:spAutoFit/>
+          </a:bodyPr>
+          <a:lstStyle/>
+          <a:p>
+            <a:r>
+              <a:rPr lang="en-US" altLang="ko-KR" sz="2000" spc="-150">
+                <a:solidFill>
+                  <a:schemeClr val="bg1"/>
+                </a:solidFill>
+                <a:ea typeface="AppleSDGothicNeoB00"/>
+              </a:rPr>
+              <a:t>퀘스트의 </a:t>
+            </a:r>
+            <a:r>
+              <a:rPr lang="ko-KR" altLang="en-US" sz="2000" spc="-150">
+                <a:solidFill>
+                  <a:schemeClr val="bg1"/>
+                </a:solidFill>
+                <a:ea typeface="AppleSDGothicNeoB00"/>
+              </a:rPr>
+              <a:t>내용</a:t>
+            </a:r>
+            <a:r>
+              <a:rPr lang="en-US" altLang="ko-KR" sz="2000" spc="-150">
+                <a:solidFill>
+                  <a:schemeClr val="bg1"/>
+                </a:solidFill>
+                <a:ea typeface="AppleSDGothicNeoB00"/>
+              </a:rPr>
+              <a:t>에 </a:t>
+            </a:r>
+            <a:r>
+              <a:rPr lang="ko-KR" altLang="en-US" sz="2000" spc="-150">
+                <a:solidFill>
+                  <a:schemeClr val="bg1"/>
+                </a:solidFill>
+                <a:ea typeface="AppleSDGothicNeoB00"/>
+              </a:rPr>
+              <a:t>따라</a:t>
+            </a:r>
+            <a:endParaRPr lang="en-US" altLang="ko-KR" sz="2000" spc="-150" dirty="0" err="1">
+              <a:solidFill>
+                <a:schemeClr val="bg1"/>
+              </a:solidFill>
+              <a:ea typeface="AppleSDGothicNeoB00"/>
+            </a:endParaRPr>
+          </a:p>
+          <a:p>
+            <a:r>
+              <a:rPr lang="en-US" altLang="ko-KR" sz="2000" spc="-150" err="1">
+                <a:solidFill>
+                  <a:schemeClr val="bg1"/>
+                </a:solidFill>
+                <a:ea typeface="AppleSDGothicNeoB00"/>
+              </a:rPr>
+              <a:t>자식클래스</a:t>
+            </a:r>
+            <a:r>
+              <a:rPr lang="en-US" altLang="ko-KR" sz="2000" spc="-150">
+                <a:solidFill>
+                  <a:schemeClr val="bg1"/>
+                </a:solidFill>
+                <a:ea typeface="AppleSDGothicNeoB00"/>
+              </a:rPr>
+              <a:t> 생성</a:t>
+            </a:r>
+            <a:r>
+              <a:rPr lang="ko-KR" altLang="en-US" sz="2000" spc="-150">
+                <a:solidFill>
+                  <a:schemeClr val="bg1"/>
+                </a:solidFill>
+                <a:ea typeface="AppleSDGothicNeoB00"/>
+              </a:rPr>
+              <a:t>해요</a:t>
+            </a:r>
+            <a:endParaRPr lang="en-US" altLang="ko-KR" sz="2000" spc="-150" dirty="0" err="1">
+              <a:solidFill>
+                <a:schemeClr val="bg1"/>
+              </a:solidFill>
+              <a:ea typeface="AppleSDGothicNeoB00"/>
+            </a:endParaRPr>
+          </a:p>
+        </p:txBody>
+      </p:sp>
+      <p:sp>
+        <p:nvSpPr>
+          <p:cNvPr id="6" name="TextBox 5">
+            <a:extLst>
+              <a:ext uri="{FF2B5EF4-FFF2-40B4-BE49-F238E27FC236}">
+                <a16:creationId xmlns:a16="http://schemas.microsoft.com/office/drawing/2014/main" id="{66D086EB-0C52-1987-1F8D-A09E7FC4D2C8}"/>
+              </a:ext>
+            </a:extLst>
+          </p:cNvPr>
+          <p:cNvSpPr txBox="1"/>
+          <p:nvPr/>
+        </p:nvSpPr>
+        <p:spPr>
+          <a:xfrm>
+            <a:off x="1221133" y="852041"/>
+            <a:ext cx="1679229" cy="253916"/>
+          </a:xfrm>
+          <a:prstGeom prst="rect">
+            <a:avLst/>
+          </a:prstGeom>
+          <a:noFill/>
+        </p:spPr>
+        <p:txBody>
+          <a:bodyPr wrap="square" rtlCol="0">
+            <a:spAutoFit/>
+          </a:bodyPr>
+          <a:lstStyle/>
+          <a:p>
+            <a:pPr algn="ctr"/>
+            <a:r>
+              <a:rPr lang="en-US" altLang="ko-KR" sz="1050">
+                <a:solidFill>
+                  <a:schemeClr val="bg1"/>
+                </a:solidFill>
+                <a:latin typeface="Pretendard" panose="02000803000000020004" pitchFamily="50" charset="-127"/>
+                <a:ea typeface="Pretendard" panose="02000803000000020004" pitchFamily="50" charset="-127"/>
+                <a:cs typeface="Pretendard" panose="02000803000000020004" pitchFamily="50" charset="-127"/>
+              </a:rPr>
+              <a:t>&lt;</a:t>
+            </a:r>
+            <a:r>
+              <a:rPr lang="ko-KR" altLang="en-US" sz="1050">
+                <a:solidFill>
+                  <a:schemeClr val="bg1"/>
+                </a:solidFill>
+                <a:latin typeface="Pretendard" panose="02000803000000020004" pitchFamily="50" charset="-127"/>
+                <a:ea typeface="Pretendard" panose="02000803000000020004" pitchFamily="50" charset="-127"/>
+                <a:cs typeface="Pretendard" panose="02000803000000020004" pitchFamily="50" charset="-127"/>
+              </a:rPr>
+              <a:t>한끼줍쇼</a:t>
+            </a:r>
+            <a:r>
+              <a:rPr lang="en-US" altLang="ko-KR" sz="1050">
+                <a:solidFill>
+                  <a:schemeClr val="bg1"/>
+                </a:solidFill>
+                <a:latin typeface="Pretendard" panose="02000803000000020004" pitchFamily="50" charset="-127"/>
+                <a:ea typeface="Pretendard" panose="02000803000000020004" pitchFamily="50" charset="-127"/>
+                <a:cs typeface="Pretendard" panose="02000803000000020004" pitchFamily="50" charset="-127"/>
+              </a:rPr>
+              <a:t>&gt; </a:t>
+            </a:r>
+            <a:r>
+              <a:rPr lang="ko-KR" altLang="en-US" sz="1050">
+                <a:solidFill>
+                  <a:schemeClr val="bg1"/>
+                </a:solidFill>
+                <a:latin typeface="Pretendard" panose="02000803000000020004" pitchFamily="50" charset="-127"/>
+                <a:ea typeface="Pretendard" panose="02000803000000020004" pitchFamily="50" charset="-127"/>
+                <a:cs typeface="Pretendard" panose="02000803000000020004" pitchFamily="50" charset="-127"/>
+              </a:rPr>
+              <a:t>매니저님밥</a:t>
+            </a:r>
+            <a:r>
+              <a:rPr lang="en-US" altLang="ko-KR" sz="1050">
+                <a:solidFill>
+                  <a:schemeClr val="bg1"/>
+                </a:solidFill>
+                <a:latin typeface="Pretendard" panose="02000803000000020004" pitchFamily="50" charset="-127"/>
+                <a:ea typeface="Pretendard" panose="02000803000000020004" pitchFamily="50" charset="-127"/>
+                <a:cs typeface="Pretendard" panose="02000803000000020004" pitchFamily="50" charset="-127"/>
+              </a:rPr>
+              <a:t>4</a:t>
+            </a:r>
+            <a:r>
+              <a:rPr lang="ko-KR" altLang="en-US" sz="1050">
+                <a:solidFill>
+                  <a:schemeClr val="bg1"/>
+                </a:solidFill>
+                <a:latin typeface="Pretendard" panose="02000803000000020004" pitchFamily="50" charset="-127"/>
+                <a:ea typeface="Pretendard" panose="02000803000000020004" pitchFamily="50" charset="-127"/>
+                <a:cs typeface="Pretendard" panose="02000803000000020004" pitchFamily="50" charset="-127"/>
+              </a:rPr>
+              <a:t>조</a:t>
+            </a:r>
+            <a:endParaRPr lang="ko-KR" altLang="en-US" sz="1600" dirty="0">
+              <a:solidFill>
+                <a:schemeClr val="bg1"/>
+              </a:solidFill>
+              <a:latin typeface="Pretendard" panose="02000803000000020004" pitchFamily="50" charset="-127"/>
+              <a:ea typeface="Pretendard" panose="02000803000000020004" pitchFamily="50" charset="-127"/>
+              <a:cs typeface="Pretendard" panose="02000803000000020004" pitchFamily="50" charset="-127"/>
+            </a:endParaRPr>
+          </a:p>
+        </p:txBody>
+      </p:sp>
+      <p:pic>
+        <p:nvPicPr>
+          <p:cNvPr id="2" name="그림 1" descr="텍스트, 스크린샷, 폰트이(가) 표시된 사진&#10;&#10;자동 생성된 설명">
+            <a:extLst>
+              <a:ext uri="{FF2B5EF4-FFF2-40B4-BE49-F238E27FC236}">
+                <a16:creationId xmlns:a16="http://schemas.microsoft.com/office/drawing/2014/main" id="{AF832BAC-6276-4623-838E-8B046A088E7B}"/>
+              </a:ext>
+            </a:extLst>
+          </p:cNvPr>
+          <p:cNvPicPr>
+            <a:picLocks noChangeAspect="1"/>
+          </p:cNvPicPr>
+          <p:nvPr/>
+        </p:nvPicPr>
+        <p:blipFill>
+          <a:blip r:embed="rId3"/>
+          <a:srcRect t="48562"/>
+          <a:stretch/>
+        </p:blipFill>
+        <p:spPr>
+          <a:xfrm>
+            <a:off x="5416407" y="3632047"/>
+            <a:ext cx="5010871" cy="635854"/>
+          </a:xfrm>
+          <a:prstGeom prst="rect">
+            <a:avLst/>
+          </a:prstGeom>
+        </p:spPr>
+      </p:pic>
+      <p:pic>
+        <p:nvPicPr>
+          <p:cNvPr id="5" name="그림 4" descr="텍스트, 스크린샷, 폰트이(가) 표시된 사진&#10;&#10;자동 생성된 설명">
+            <a:extLst>
+              <a:ext uri="{FF2B5EF4-FFF2-40B4-BE49-F238E27FC236}">
+                <a16:creationId xmlns:a16="http://schemas.microsoft.com/office/drawing/2014/main" id="{4325BD59-4A52-AFEC-2801-D96D98313262}"/>
+              </a:ext>
+            </a:extLst>
+          </p:cNvPr>
+          <p:cNvPicPr>
+            <a:picLocks noChangeAspect="1"/>
+          </p:cNvPicPr>
+          <p:nvPr/>
+        </p:nvPicPr>
+        <p:blipFill>
+          <a:blip r:embed="rId3"/>
+          <a:srcRect b="50000"/>
+          <a:stretch/>
+        </p:blipFill>
+        <p:spPr>
+          <a:xfrm>
+            <a:off x="5416408" y="2403415"/>
+            <a:ext cx="5010871" cy="618081"/>
+          </a:xfrm>
+          <a:prstGeom prst="rect">
+            <a:avLst/>
+          </a:prstGeom>
+        </p:spPr>
+      </p:pic>
+      <p:sp>
+        <p:nvSpPr>
+          <p:cNvPr id="10" name="TextBox 9">
+            <a:extLst>
+              <a:ext uri="{FF2B5EF4-FFF2-40B4-BE49-F238E27FC236}">
+                <a16:creationId xmlns:a16="http://schemas.microsoft.com/office/drawing/2014/main" id="{AD713C17-6794-B6DF-671B-2669438C0F5D}"/>
+              </a:ext>
+            </a:extLst>
+          </p:cNvPr>
+          <p:cNvSpPr txBox="1"/>
+          <p:nvPr/>
+        </p:nvSpPr>
+        <p:spPr>
+          <a:xfrm>
+            <a:off x="5562996" y="4339866"/>
+            <a:ext cx="2861681" cy="307777"/>
+          </a:xfrm>
+          <a:prstGeom prst="rect">
+            <a:avLst/>
+          </a:prstGeom>
+          <a:noFill/>
+        </p:spPr>
+        <p:txBody>
+          <a:bodyPr wrap="none" rtlCol="0">
+            <a:spAutoFit/>
+          </a:bodyPr>
+          <a:lstStyle/>
+          <a:p>
+            <a:r>
+              <a:rPr lang="ko-KR" altLang="en-US" sz="1400">
+                <a:solidFill>
+                  <a:schemeClr val="bg1">
+                    <a:lumMod val="75000"/>
+                  </a:schemeClr>
+                </a:solidFill>
+                <a:latin typeface="AppleSDGothicNeoB00" panose="02000503000000000000" pitchFamily="2" charset="-127"/>
+                <a:ea typeface="AppleSDGothicNeoB00" panose="02000503000000000000" pitchFamily="2" charset="-127"/>
+              </a:rPr>
+              <a:t>인벤토리에 특정 아이템을 장착하세요</a:t>
+            </a:r>
+            <a:r>
+              <a:rPr lang="en-US" altLang="ko-KR" sz="1400">
+                <a:solidFill>
+                  <a:schemeClr val="bg1">
+                    <a:lumMod val="75000"/>
+                  </a:schemeClr>
+                </a:solidFill>
+                <a:latin typeface="AppleSDGothicNeoB00" panose="02000503000000000000" pitchFamily="2" charset="-127"/>
+                <a:ea typeface="AppleSDGothicNeoB00" panose="02000503000000000000" pitchFamily="2" charset="-127"/>
+              </a:rPr>
+              <a:t>!</a:t>
+            </a:r>
+            <a:endParaRPr lang="ko-KR" altLang="en-US" sz="1400">
+              <a:solidFill>
+                <a:schemeClr val="bg1">
+                  <a:lumMod val="75000"/>
+                </a:schemeClr>
+              </a:solidFill>
+              <a:latin typeface="AppleSDGothicNeoB00" panose="02000503000000000000" pitchFamily="2" charset="-127"/>
+              <a:ea typeface="AppleSDGothicNeoB00" panose="02000503000000000000" pitchFamily="2" charset="-127"/>
+            </a:endParaRPr>
+          </a:p>
+        </p:txBody>
+      </p:sp>
+      <p:sp>
+        <p:nvSpPr>
+          <p:cNvPr id="9" name="TextBox 8">
+            <a:extLst>
+              <a:ext uri="{FF2B5EF4-FFF2-40B4-BE49-F238E27FC236}">
+                <a16:creationId xmlns:a16="http://schemas.microsoft.com/office/drawing/2014/main" id="{34F725AB-3B4E-4A48-E851-CCE4101001C3}"/>
+              </a:ext>
+            </a:extLst>
+          </p:cNvPr>
+          <p:cNvSpPr txBox="1"/>
+          <p:nvPr/>
+        </p:nvSpPr>
+        <p:spPr>
+          <a:xfrm>
+            <a:off x="5562996" y="3098416"/>
+            <a:ext cx="2752677" cy="307777"/>
+          </a:xfrm>
+          <a:prstGeom prst="rect">
+            <a:avLst/>
+          </a:prstGeom>
+          <a:noFill/>
+        </p:spPr>
+        <p:txBody>
+          <a:bodyPr wrap="none" rtlCol="0">
+            <a:spAutoFit/>
+          </a:bodyPr>
+          <a:lstStyle/>
+          <a:p>
+            <a:r>
+              <a:rPr lang="ko-KR" altLang="en-US" sz="1400">
+                <a:solidFill>
+                  <a:schemeClr val="bg1">
+                    <a:lumMod val="75000"/>
+                  </a:schemeClr>
+                </a:solidFill>
+                <a:latin typeface="AppleSDGothicNeoB00" panose="02000503000000000000" pitchFamily="2" charset="-127"/>
+                <a:ea typeface="AppleSDGothicNeoB00" panose="02000503000000000000" pitchFamily="2" charset="-127"/>
+              </a:rPr>
+              <a:t>일정 횟수 이상 던전을 클리어하세요</a:t>
+            </a:r>
+            <a:r>
+              <a:rPr lang="en-US" altLang="ko-KR" sz="1400">
+                <a:solidFill>
+                  <a:schemeClr val="bg1">
+                    <a:lumMod val="75000"/>
+                  </a:schemeClr>
+                </a:solidFill>
+                <a:latin typeface="AppleSDGothicNeoB00" panose="02000503000000000000" pitchFamily="2" charset="-127"/>
+                <a:ea typeface="AppleSDGothicNeoB00" panose="02000503000000000000" pitchFamily="2" charset="-127"/>
+              </a:rPr>
+              <a:t>!</a:t>
+            </a:r>
+            <a:endParaRPr lang="ko-KR" altLang="en-US" sz="1400">
+              <a:solidFill>
+                <a:schemeClr val="bg1">
+                  <a:lumMod val="75000"/>
+                </a:schemeClr>
+              </a:solidFill>
+              <a:latin typeface="AppleSDGothicNeoB00" panose="02000503000000000000" pitchFamily="2" charset="-127"/>
+              <a:ea typeface="AppleSDGothicNeoB00" panose="02000503000000000000" pitchFamily="2" charset="-127"/>
+            </a:endParaRPr>
+          </a:p>
+        </p:txBody>
+      </p:sp>
+      <p:sp>
+        <p:nvSpPr>
+          <p:cNvPr id="11" name="이등변 삼각형 10">
+            <a:extLst>
+              <a:ext uri="{FF2B5EF4-FFF2-40B4-BE49-F238E27FC236}">
+                <a16:creationId xmlns:a16="http://schemas.microsoft.com/office/drawing/2014/main" id="{45820476-7D5C-83CE-2451-EC220966A142}"/>
+              </a:ext>
+            </a:extLst>
+          </p:cNvPr>
+          <p:cNvSpPr/>
+          <p:nvPr/>
+        </p:nvSpPr>
+        <p:spPr>
+          <a:xfrm rot="5400000">
+            <a:off x="5404679" y="3168455"/>
+            <a:ext cx="170044" cy="146589"/>
+          </a:xfrm>
+          <a:prstGeom prst="triangle">
+            <a:avLst/>
+          </a:prstGeom>
+          <a:solidFill>
+            <a:schemeClr val="bg1">
+              <a:alpha val="76000"/>
+            </a:schemeClr>
+          </a:solidFill>
+        </p:spPr>
+        <p:style>
+          <a:lnRef idx="2">
+            <a:schemeClr val="accent1">
+              <a:shade val="15000"/>
+            </a:schemeClr>
+          </a:lnRef>
+          <a:fillRef idx="1">
+            <a:schemeClr val="accent1"/>
+          </a:fillRef>
+          <a:effectRef idx="0">
+            <a:schemeClr val="accent1"/>
+          </a:effectRef>
+          <a:fontRef idx="minor">
+            <a:schemeClr val="lt1"/>
+          </a:fontRef>
+        </p:style>
+        <p:txBody>
+          <a:bodyPr rtlCol="0" anchor="ctr"/>
+          <a:lstStyle/>
+          <a:p>
+            <a:pPr algn="ctr"/>
+            <a:endParaRPr lang="ko-KR" altLang="en-US"/>
+          </a:p>
+        </p:txBody>
+      </p:sp>
+      <p:sp>
+        <p:nvSpPr>
+          <p:cNvPr id="12" name="이등변 삼각형 11">
+            <a:extLst>
+              <a:ext uri="{FF2B5EF4-FFF2-40B4-BE49-F238E27FC236}">
+                <a16:creationId xmlns:a16="http://schemas.microsoft.com/office/drawing/2014/main" id="{8629CF60-618B-72F9-B0C3-994173F00439}"/>
+              </a:ext>
+            </a:extLst>
+          </p:cNvPr>
+          <p:cNvSpPr/>
+          <p:nvPr/>
+        </p:nvSpPr>
+        <p:spPr>
+          <a:xfrm rot="5400000">
+            <a:off x="5405075" y="4420628"/>
+            <a:ext cx="170044" cy="146589"/>
+          </a:xfrm>
+          <a:prstGeom prst="triangle">
+            <a:avLst/>
+          </a:prstGeom>
+          <a:solidFill>
+            <a:schemeClr val="bg1">
+              <a:alpha val="76000"/>
+            </a:schemeClr>
+          </a:solidFill>
+        </p:spPr>
+        <p:style>
+          <a:lnRef idx="2">
+            <a:schemeClr val="accent1">
+              <a:shade val="15000"/>
+            </a:schemeClr>
+          </a:lnRef>
+          <a:fillRef idx="1">
+            <a:schemeClr val="accent1"/>
+          </a:fillRef>
+          <a:effectRef idx="0">
+            <a:schemeClr val="accent1"/>
+          </a:effectRef>
+          <a:fontRef idx="minor">
+            <a:schemeClr val="lt1"/>
+          </a:fontRef>
+        </p:style>
+        <p:txBody>
+          <a:bodyPr rtlCol="0" anchor="ctr"/>
+          <a:lstStyle/>
+          <a:p>
+            <a:pPr algn="ctr"/>
+            <a:endParaRPr lang="ko-KR" altLang="en-US"/>
+          </a:p>
+        </p:txBody>
+      </p:sp>
+    </p:spTree>
+    <p:extLst>
+      <p:ext uri="{BB962C8B-B14F-4D97-AF65-F5344CB8AC3E}">
+        <p14:creationId xmlns:p14="http://schemas.microsoft.com/office/powerpoint/2010/main" val="146011450"/>
       </p:ext>
     </p:extLst>
   </p:cSld>
@@ -10754,6 +12223,1149 @@
     <p:extLst>
       <p:ext uri="{BB962C8B-B14F-4D97-AF65-F5344CB8AC3E}">
         <p14:creationId xmlns:p14="http://schemas.microsoft.com/office/powerpoint/2010/main" val="933456725"/>
+      </p:ext>
+    </p:extLst>
+  </p:cSld>
+  <p:clrMapOvr>
+    <a:masterClrMapping/>
+  </p:clrMapOvr>
+</p:sld>
+</file>
+
+<file path=ppt/slides/slide20.xml><?xml version="1.0" encoding="utf-8"?>
+<p:sld xmlns:a="http://schemas.openxmlformats.org/drawingml/2006/main" xmlns:r="http://schemas.openxmlformats.org/officeDocument/2006/relationships" xmlns:p="http://schemas.openxmlformats.org/presentationml/2006/main">
+  <p:cSld>
+    <p:bg>
+      <p:bgPr>
+        <a:solidFill>
+          <a:schemeClr val="tx1"/>
+        </a:solidFill>
+        <a:effectLst/>
+      </p:bgPr>
+    </p:bg>
+    <p:spTree>
+      <p:nvGrpSpPr>
+        <p:cNvPr id="1" name=""/>
+        <p:cNvGrpSpPr/>
+        <p:nvPr/>
+      </p:nvGrpSpPr>
+      <p:grpSpPr>
+        <a:xfrm>
+          <a:off x="0" y="0"/>
+          <a:ext cx="0" cy="0"/>
+          <a:chOff x="0" y="0"/>
+          <a:chExt cx="0" cy="0"/>
+        </a:xfrm>
+      </p:grpSpPr>
+      <p:sp>
+        <p:nvSpPr>
+          <p:cNvPr id="7" name="TextBox 6">
+            <a:extLst>
+              <a:ext uri="{FF2B5EF4-FFF2-40B4-BE49-F238E27FC236}">
+                <a16:creationId xmlns:a16="http://schemas.microsoft.com/office/drawing/2014/main" id="{57D789ED-E9F7-24E6-F755-AB0AE85FD0A2}"/>
+              </a:ext>
+            </a:extLst>
+          </p:cNvPr>
+          <p:cNvSpPr txBox="1"/>
+          <p:nvPr/>
+        </p:nvSpPr>
+        <p:spPr>
+          <a:xfrm>
+            <a:off x="1153838" y="2403415"/>
+            <a:ext cx="2133918" cy="707886"/>
+          </a:xfrm>
+          <a:prstGeom prst="rect">
+            <a:avLst/>
+          </a:prstGeom>
+          <a:noFill/>
+        </p:spPr>
+        <p:txBody>
+          <a:bodyPr wrap="none" lIns="91440" tIns="45720" rIns="91440" bIns="45720" rtlCol="0" anchor="t">
+            <a:spAutoFit/>
+          </a:bodyPr>
+          <a:lstStyle/>
+          <a:p>
+            <a:r>
+              <a:rPr lang="ko-KR" altLang="en-US" sz="4000">
+                <a:solidFill>
+                  <a:schemeClr val="bg1"/>
+                </a:solidFill>
+                <a:latin typeface="Pretendard Black" panose="02000A03000000020004" pitchFamily="50" charset="-127"/>
+                <a:ea typeface="Pretendard Black"/>
+                <a:cs typeface="Pretendard Black" panose="02000A03000000020004" pitchFamily="50" charset="-127"/>
+              </a:rPr>
+              <a:t>퀘스트 </a:t>
+            </a:r>
+            <a:r>
+              <a:rPr lang="en-US" altLang="ko-KR" sz="4000">
+                <a:solidFill>
+                  <a:schemeClr val="bg1"/>
+                </a:solidFill>
+                <a:latin typeface="Pretendard Black" panose="02000A03000000020004" pitchFamily="50" charset="-127"/>
+                <a:ea typeface="Pretendard Black"/>
+                <a:cs typeface="Pretendard Black" panose="02000A03000000020004" pitchFamily="50" charset="-127"/>
+              </a:rPr>
+              <a:t>UI</a:t>
+            </a:r>
+            <a:endParaRPr lang="ko-KR" altLang="en-US" sz="4000" dirty="0">
+              <a:solidFill>
+                <a:schemeClr val="bg1"/>
+              </a:solidFill>
+              <a:latin typeface="Pretendard Black" panose="02000A03000000020004" pitchFamily="50" charset="-127"/>
+              <a:ea typeface="Pretendard Black"/>
+              <a:cs typeface="Pretendard Black" panose="02000A03000000020004" pitchFamily="50" charset="-127"/>
+            </a:endParaRPr>
+          </a:p>
+        </p:txBody>
+      </p:sp>
+      <p:sp>
+        <p:nvSpPr>
+          <p:cNvPr id="27" name="TextBox 26">
+            <a:extLst>
+              <a:ext uri="{FF2B5EF4-FFF2-40B4-BE49-F238E27FC236}">
+                <a16:creationId xmlns:a16="http://schemas.microsoft.com/office/drawing/2014/main" id="{76DFBF0E-FDF1-1F46-CC62-E837A6407A10}"/>
+              </a:ext>
+            </a:extLst>
+          </p:cNvPr>
+          <p:cNvSpPr txBox="1"/>
+          <p:nvPr/>
+        </p:nvSpPr>
+        <p:spPr>
+          <a:xfrm>
+            <a:off x="1156593" y="3113805"/>
+            <a:ext cx="3566987" cy="707886"/>
+          </a:xfrm>
+          <a:prstGeom prst="rect">
+            <a:avLst/>
+          </a:prstGeom>
+          <a:noFill/>
+        </p:spPr>
+        <p:txBody>
+          <a:bodyPr wrap="square" lIns="91440" tIns="45720" rIns="91440" bIns="45720" rtlCol="0" anchor="t">
+            <a:spAutoFit/>
+          </a:bodyPr>
+          <a:lstStyle/>
+          <a:p>
+            <a:r>
+              <a:rPr lang="en-US" altLang="ko-KR" sz="2000" spc="-150" dirty="0" err="1">
+                <a:solidFill>
+                  <a:schemeClr val="bg1"/>
+                </a:solidFill>
+                <a:ea typeface="AppleSDGothicNeoB00"/>
+              </a:rPr>
+              <a:t>퀘스트</a:t>
+            </a:r>
+            <a:r>
+              <a:rPr lang="en-US" altLang="ko-KR" sz="2000" spc="-150" dirty="0">
+                <a:solidFill>
+                  <a:schemeClr val="bg1"/>
+                </a:solidFill>
+                <a:ea typeface="AppleSDGothicNeoB00"/>
+              </a:rPr>
+              <a:t> </a:t>
+            </a:r>
+            <a:r>
+              <a:rPr lang="en-US" altLang="ko-KR" sz="2000" spc="-150" dirty="0" err="1">
+                <a:solidFill>
+                  <a:schemeClr val="bg1"/>
+                </a:solidFill>
+                <a:ea typeface="AppleSDGothicNeoB00"/>
+              </a:rPr>
+              <a:t>선택화면에서</a:t>
+            </a:r>
+          </a:p>
+          <a:p>
+            <a:r>
+              <a:rPr lang="en-US" altLang="ko-KR" sz="2000" spc="-150" dirty="0" err="1">
+                <a:solidFill>
+                  <a:schemeClr val="bg1"/>
+                </a:solidFill>
+                <a:ea typeface="AppleSDGothicNeoB00"/>
+              </a:rPr>
+              <a:t>퀘스트</a:t>
+            </a:r>
+            <a:r>
+              <a:rPr lang="en-US" altLang="ko-KR" sz="2000" spc="-150" dirty="0">
+                <a:solidFill>
+                  <a:schemeClr val="bg1"/>
+                </a:solidFill>
+                <a:ea typeface="AppleSDGothicNeoB00"/>
+              </a:rPr>
+              <a:t> </a:t>
+            </a:r>
+            <a:r>
+              <a:rPr lang="en-US" altLang="ko-KR" sz="2000" spc="-150" dirty="0" err="1">
+                <a:solidFill>
+                  <a:schemeClr val="bg1"/>
+                </a:solidFill>
+                <a:ea typeface="AppleSDGothicNeoB00"/>
+              </a:rPr>
+              <a:t>성공여부를</a:t>
+            </a:r>
+            <a:r>
+              <a:rPr lang="en-US" altLang="ko-KR" sz="2000" spc="-150" dirty="0">
+                <a:solidFill>
+                  <a:schemeClr val="bg1"/>
+                </a:solidFill>
+                <a:ea typeface="AppleSDGothicNeoB00"/>
+              </a:rPr>
+              <a:t> </a:t>
+            </a:r>
+            <a:r>
+              <a:rPr lang="en-US" altLang="ko-KR" sz="2000" spc="-150" dirty="0" err="1">
+                <a:solidFill>
+                  <a:schemeClr val="bg1"/>
+                </a:solidFill>
+                <a:ea typeface="AppleSDGothicNeoB00"/>
+              </a:rPr>
+              <a:t>항상</a:t>
+            </a:r>
+            <a:r>
+              <a:rPr lang="en-US" altLang="ko-KR" sz="2000" spc="-150" dirty="0">
+                <a:solidFill>
+                  <a:schemeClr val="bg1"/>
+                </a:solidFill>
+                <a:ea typeface="AppleSDGothicNeoB00"/>
+              </a:rPr>
+              <a:t> </a:t>
+            </a:r>
+            <a:r>
+              <a:rPr lang="en-US" altLang="ko-KR" sz="2000" spc="-150" dirty="0" err="1">
+                <a:solidFill>
+                  <a:schemeClr val="bg1"/>
+                </a:solidFill>
+                <a:ea typeface="AppleSDGothicNeoB00"/>
+              </a:rPr>
+              <a:t>체크</a:t>
+            </a:r>
+          </a:p>
+        </p:txBody>
+      </p:sp>
+      <p:sp>
+        <p:nvSpPr>
+          <p:cNvPr id="6" name="TextBox 5">
+            <a:extLst>
+              <a:ext uri="{FF2B5EF4-FFF2-40B4-BE49-F238E27FC236}">
+                <a16:creationId xmlns:a16="http://schemas.microsoft.com/office/drawing/2014/main" id="{66D086EB-0C52-1987-1F8D-A09E7FC4D2C8}"/>
+              </a:ext>
+            </a:extLst>
+          </p:cNvPr>
+          <p:cNvSpPr txBox="1"/>
+          <p:nvPr/>
+        </p:nvSpPr>
+        <p:spPr>
+          <a:xfrm>
+            <a:off x="1221133" y="852041"/>
+            <a:ext cx="1679229" cy="253916"/>
+          </a:xfrm>
+          <a:prstGeom prst="rect">
+            <a:avLst/>
+          </a:prstGeom>
+          <a:noFill/>
+        </p:spPr>
+        <p:txBody>
+          <a:bodyPr wrap="square" rtlCol="0">
+            <a:spAutoFit/>
+          </a:bodyPr>
+          <a:lstStyle/>
+          <a:p>
+            <a:pPr algn="ctr"/>
+            <a:r>
+              <a:rPr lang="en-US" altLang="ko-KR" sz="1050">
+                <a:solidFill>
+                  <a:schemeClr val="bg1"/>
+                </a:solidFill>
+                <a:latin typeface="Pretendard" panose="02000803000000020004" pitchFamily="50" charset="-127"/>
+                <a:ea typeface="Pretendard" panose="02000803000000020004" pitchFamily="50" charset="-127"/>
+                <a:cs typeface="Pretendard" panose="02000803000000020004" pitchFamily="50" charset="-127"/>
+              </a:rPr>
+              <a:t>&lt;</a:t>
+            </a:r>
+            <a:r>
+              <a:rPr lang="ko-KR" altLang="en-US" sz="1050">
+                <a:solidFill>
+                  <a:schemeClr val="bg1"/>
+                </a:solidFill>
+                <a:latin typeface="Pretendard" panose="02000803000000020004" pitchFamily="50" charset="-127"/>
+                <a:ea typeface="Pretendard" panose="02000803000000020004" pitchFamily="50" charset="-127"/>
+                <a:cs typeface="Pretendard" panose="02000803000000020004" pitchFamily="50" charset="-127"/>
+              </a:rPr>
+              <a:t>한끼줍쇼</a:t>
+            </a:r>
+            <a:r>
+              <a:rPr lang="en-US" altLang="ko-KR" sz="1050">
+                <a:solidFill>
+                  <a:schemeClr val="bg1"/>
+                </a:solidFill>
+                <a:latin typeface="Pretendard" panose="02000803000000020004" pitchFamily="50" charset="-127"/>
+                <a:ea typeface="Pretendard" panose="02000803000000020004" pitchFamily="50" charset="-127"/>
+                <a:cs typeface="Pretendard" panose="02000803000000020004" pitchFamily="50" charset="-127"/>
+              </a:rPr>
+              <a:t>&gt; </a:t>
+            </a:r>
+            <a:r>
+              <a:rPr lang="ko-KR" altLang="en-US" sz="1050">
+                <a:solidFill>
+                  <a:schemeClr val="bg1"/>
+                </a:solidFill>
+                <a:latin typeface="Pretendard" panose="02000803000000020004" pitchFamily="50" charset="-127"/>
+                <a:ea typeface="Pretendard" panose="02000803000000020004" pitchFamily="50" charset="-127"/>
+                <a:cs typeface="Pretendard" panose="02000803000000020004" pitchFamily="50" charset="-127"/>
+              </a:rPr>
+              <a:t>매니저님밥</a:t>
+            </a:r>
+            <a:r>
+              <a:rPr lang="en-US" altLang="ko-KR" sz="1050">
+                <a:solidFill>
+                  <a:schemeClr val="bg1"/>
+                </a:solidFill>
+                <a:latin typeface="Pretendard" panose="02000803000000020004" pitchFamily="50" charset="-127"/>
+                <a:ea typeface="Pretendard" panose="02000803000000020004" pitchFamily="50" charset="-127"/>
+                <a:cs typeface="Pretendard" panose="02000803000000020004" pitchFamily="50" charset="-127"/>
+              </a:rPr>
+              <a:t>4</a:t>
+            </a:r>
+            <a:r>
+              <a:rPr lang="ko-KR" altLang="en-US" sz="1050">
+                <a:solidFill>
+                  <a:schemeClr val="bg1"/>
+                </a:solidFill>
+                <a:latin typeface="Pretendard" panose="02000803000000020004" pitchFamily="50" charset="-127"/>
+                <a:ea typeface="Pretendard" panose="02000803000000020004" pitchFamily="50" charset="-127"/>
+                <a:cs typeface="Pretendard" panose="02000803000000020004" pitchFamily="50" charset="-127"/>
+              </a:rPr>
+              <a:t>조</a:t>
+            </a:r>
+            <a:endParaRPr lang="ko-KR" altLang="en-US" sz="1600" dirty="0">
+              <a:solidFill>
+                <a:schemeClr val="bg1"/>
+              </a:solidFill>
+              <a:latin typeface="Pretendard" panose="02000803000000020004" pitchFamily="50" charset="-127"/>
+              <a:ea typeface="Pretendard" panose="02000803000000020004" pitchFamily="50" charset="-127"/>
+              <a:cs typeface="Pretendard" panose="02000803000000020004" pitchFamily="50" charset="-127"/>
+            </a:endParaRPr>
+          </a:p>
+        </p:txBody>
+      </p:sp>
+      <p:pic>
+        <p:nvPicPr>
+          <p:cNvPr id="2" name="그림 1" descr="텍스트, 스크린샷, 디스플레이, 소프트웨어이(가) 표시된 사진&#10;&#10;자동 생성된 설명">
+            <a:extLst>
+              <a:ext uri="{FF2B5EF4-FFF2-40B4-BE49-F238E27FC236}">
+                <a16:creationId xmlns:a16="http://schemas.microsoft.com/office/drawing/2014/main" id="{72366E56-DDF7-80E0-3FC6-D90118FB58F8}"/>
+              </a:ext>
+            </a:extLst>
+          </p:cNvPr>
+          <p:cNvPicPr>
+            <a:picLocks noChangeAspect="1"/>
+          </p:cNvPicPr>
+          <p:nvPr/>
+        </p:nvPicPr>
+        <p:blipFill>
+          <a:blip r:embed="rId3"/>
+          <a:stretch>
+            <a:fillRect/>
+          </a:stretch>
+        </p:blipFill>
+        <p:spPr>
+          <a:xfrm>
+            <a:off x="4326134" y="2487310"/>
+            <a:ext cx="7271226" cy="5000885"/>
+          </a:xfrm>
+          <a:prstGeom prst="rect">
+            <a:avLst/>
+          </a:prstGeom>
+        </p:spPr>
+      </p:pic>
+      <p:sp>
+        <p:nvSpPr>
+          <p:cNvPr id="4" name="직사각형 3">
+            <a:extLst>
+              <a:ext uri="{FF2B5EF4-FFF2-40B4-BE49-F238E27FC236}">
+                <a16:creationId xmlns:a16="http://schemas.microsoft.com/office/drawing/2014/main" id="{10212E26-602F-A658-3F30-021416F27442}"/>
+              </a:ext>
+            </a:extLst>
+          </p:cNvPr>
+          <p:cNvSpPr/>
+          <p:nvPr/>
+        </p:nvSpPr>
+        <p:spPr>
+          <a:xfrm>
+            <a:off x="5956300" y="4406900"/>
+            <a:ext cx="1174750" cy="209550"/>
+          </a:xfrm>
+          <a:prstGeom prst="rect">
+            <a:avLst/>
+          </a:prstGeom>
+          <a:noFill/>
+          <a:ln>
+            <a:solidFill>
+              <a:schemeClr val="bg1"/>
+            </a:solidFill>
+          </a:ln>
+        </p:spPr>
+        <p:style>
+          <a:lnRef idx="2">
+            <a:schemeClr val="accent1">
+              <a:shade val="15000"/>
+            </a:schemeClr>
+          </a:lnRef>
+          <a:fillRef idx="1">
+            <a:schemeClr val="accent1"/>
+          </a:fillRef>
+          <a:effectRef idx="0">
+            <a:schemeClr val="accent1"/>
+          </a:effectRef>
+          <a:fontRef idx="minor">
+            <a:schemeClr val="lt1"/>
+          </a:fontRef>
+        </p:style>
+        <p:txBody>
+          <a:bodyPr rtlCol="0" anchor="ctr"/>
+          <a:lstStyle/>
+          <a:p>
+            <a:pPr algn="ctr"/>
+            <a:endParaRPr lang="ko-KR" altLang="en-US"/>
+          </a:p>
+        </p:txBody>
+      </p:sp>
+    </p:spTree>
+    <p:extLst>
+      <p:ext uri="{BB962C8B-B14F-4D97-AF65-F5344CB8AC3E}">
+        <p14:creationId xmlns:p14="http://schemas.microsoft.com/office/powerpoint/2010/main" val="130132520"/>
+      </p:ext>
+    </p:extLst>
+  </p:cSld>
+  <p:clrMapOvr>
+    <a:masterClrMapping/>
+  </p:clrMapOvr>
+</p:sld>
+</file>
+
+<file path=ppt/slides/slide21.xml><?xml version="1.0" encoding="utf-8"?>
+<p:sld xmlns:a="http://schemas.openxmlformats.org/drawingml/2006/main" xmlns:r="http://schemas.openxmlformats.org/officeDocument/2006/relationships" xmlns:p="http://schemas.openxmlformats.org/presentationml/2006/main">
+  <p:cSld>
+    <p:bg>
+      <p:bgPr>
+        <a:solidFill>
+          <a:schemeClr val="tx1"/>
+        </a:solidFill>
+        <a:effectLst/>
+      </p:bgPr>
+    </p:bg>
+    <p:spTree>
+      <p:nvGrpSpPr>
+        <p:cNvPr id="1" name=""/>
+        <p:cNvGrpSpPr/>
+        <p:nvPr/>
+      </p:nvGrpSpPr>
+      <p:grpSpPr>
+        <a:xfrm>
+          <a:off x="0" y="0"/>
+          <a:ext cx="0" cy="0"/>
+          <a:chOff x="0" y="0"/>
+          <a:chExt cx="0" cy="0"/>
+        </a:xfrm>
+      </p:grpSpPr>
+      <p:sp>
+        <p:nvSpPr>
+          <p:cNvPr id="7" name="TextBox 6">
+            <a:extLst>
+              <a:ext uri="{FF2B5EF4-FFF2-40B4-BE49-F238E27FC236}">
+                <a16:creationId xmlns:a16="http://schemas.microsoft.com/office/drawing/2014/main" id="{57D789ED-E9F7-24E6-F755-AB0AE85FD0A2}"/>
+              </a:ext>
+            </a:extLst>
+          </p:cNvPr>
+          <p:cNvSpPr txBox="1"/>
+          <p:nvPr/>
+        </p:nvSpPr>
+        <p:spPr>
+          <a:xfrm>
+            <a:off x="1153838" y="2403415"/>
+            <a:ext cx="3443571" cy="707886"/>
+          </a:xfrm>
+          <a:prstGeom prst="rect">
+            <a:avLst/>
+          </a:prstGeom>
+          <a:noFill/>
+        </p:spPr>
+        <p:txBody>
+          <a:bodyPr wrap="none" lIns="91440" tIns="45720" rIns="91440" bIns="45720" rtlCol="0" anchor="t">
+            <a:spAutoFit/>
+          </a:bodyPr>
+          <a:lstStyle/>
+          <a:p>
+            <a:r>
+              <a:rPr lang="ko-KR" altLang="en-US" sz="4000" dirty="0">
+                <a:solidFill>
+                  <a:schemeClr val="bg1"/>
+                </a:solidFill>
+                <a:latin typeface="Pretendard Black" panose="02000A03000000020004" pitchFamily="50" charset="-127"/>
+                <a:ea typeface="Pretendard Black"/>
+                <a:cs typeface="Pretendard Black" panose="02000A03000000020004" pitchFamily="50" charset="-127"/>
+              </a:rPr>
+              <a:t>퀘스트 클래스</a:t>
+            </a:r>
+          </a:p>
+        </p:txBody>
+      </p:sp>
+      <p:sp>
+        <p:nvSpPr>
+          <p:cNvPr id="27" name="TextBox 26">
+            <a:extLst>
+              <a:ext uri="{FF2B5EF4-FFF2-40B4-BE49-F238E27FC236}">
+                <a16:creationId xmlns:a16="http://schemas.microsoft.com/office/drawing/2014/main" id="{76DFBF0E-FDF1-1F46-CC62-E837A6407A10}"/>
+              </a:ext>
+            </a:extLst>
+          </p:cNvPr>
+          <p:cNvSpPr txBox="1"/>
+          <p:nvPr/>
+        </p:nvSpPr>
+        <p:spPr>
+          <a:xfrm>
+            <a:off x="1156593" y="3113805"/>
+            <a:ext cx="3566987" cy="707886"/>
+          </a:xfrm>
+          <a:prstGeom prst="rect">
+            <a:avLst/>
+          </a:prstGeom>
+          <a:noFill/>
+        </p:spPr>
+        <p:txBody>
+          <a:bodyPr wrap="square" lIns="91440" tIns="45720" rIns="91440" bIns="45720" rtlCol="0" anchor="t">
+            <a:spAutoFit/>
+          </a:bodyPr>
+          <a:lstStyle/>
+          <a:p>
+            <a:r>
+              <a:rPr lang="en-US" altLang="ko-KR" sz="2000" spc="-150">
+                <a:solidFill>
+                  <a:schemeClr val="bg1"/>
+                </a:solidFill>
+                <a:ea typeface="AppleSDGothicNeoB00"/>
+              </a:rPr>
+              <a:t>각 </a:t>
+            </a:r>
+            <a:r>
+              <a:rPr lang="ko-KR" altLang="en-US" sz="2000" spc="-150">
+                <a:solidFill>
+                  <a:schemeClr val="bg1"/>
+                </a:solidFill>
+                <a:ea typeface="AppleSDGothicNeoB00"/>
+              </a:rPr>
+              <a:t>클래스에서 성공여부를</a:t>
+            </a:r>
+            <a:br>
+              <a:rPr lang="en-US" altLang="ko-KR" sz="2000" spc="-150">
+                <a:solidFill>
+                  <a:schemeClr val="bg1"/>
+                </a:solidFill>
+                <a:ea typeface="AppleSDGothicNeoB00"/>
+              </a:rPr>
+            </a:br>
+            <a:r>
+              <a:rPr lang="ko-KR" altLang="en-US" sz="2000" spc="-150">
+                <a:solidFill>
+                  <a:schemeClr val="bg1"/>
+                </a:solidFill>
+                <a:ea typeface="AppleSDGothicNeoB00"/>
+              </a:rPr>
+              <a:t>체크하는 함수를 넣었어요</a:t>
+            </a:r>
+            <a:endParaRPr lang="en-US" altLang="ko-KR" sz="2000" spc="-150" dirty="0" err="1">
+              <a:solidFill>
+                <a:schemeClr val="bg1"/>
+              </a:solidFill>
+              <a:ea typeface="AppleSDGothicNeoB00"/>
+            </a:endParaRPr>
+          </a:p>
+        </p:txBody>
+      </p:sp>
+      <p:sp>
+        <p:nvSpPr>
+          <p:cNvPr id="6" name="TextBox 5">
+            <a:extLst>
+              <a:ext uri="{FF2B5EF4-FFF2-40B4-BE49-F238E27FC236}">
+                <a16:creationId xmlns:a16="http://schemas.microsoft.com/office/drawing/2014/main" id="{66D086EB-0C52-1987-1F8D-A09E7FC4D2C8}"/>
+              </a:ext>
+            </a:extLst>
+          </p:cNvPr>
+          <p:cNvSpPr txBox="1"/>
+          <p:nvPr/>
+        </p:nvSpPr>
+        <p:spPr>
+          <a:xfrm>
+            <a:off x="1221133" y="852041"/>
+            <a:ext cx="1679229" cy="253916"/>
+          </a:xfrm>
+          <a:prstGeom prst="rect">
+            <a:avLst/>
+          </a:prstGeom>
+          <a:noFill/>
+        </p:spPr>
+        <p:txBody>
+          <a:bodyPr wrap="square" rtlCol="0">
+            <a:spAutoFit/>
+          </a:bodyPr>
+          <a:lstStyle/>
+          <a:p>
+            <a:pPr algn="ctr"/>
+            <a:r>
+              <a:rPr lang="en-US" altLang="ko-KR" sz="1050">
+                <a:solidFill>
+                  <a:schemeClr val="bg1"/>
+                </a:solidFill>
+                <a:latin typeface="Pretendard" panose="02000803000000020004" pitchFamily="50" charset="-127"/>
+                <a:ea typeface="Pretendard" panose="02000803000000020004" pitchFamily="50" charset="-127"/>
+                <a:cs typeface="Pretendard" panose="02000803000000020004" pitchFamily="50" charset="-127"/>
+              </a:rPr>
+              <a:t>&lt;</a:t>
+            </a:r>
+            <a:r>
+              <a:rPr lang="ko-KR" altLang="en-US" sz="1050">
+                <a:solidFill>
+                  <a:schemeClr val="bg1"/>
+                </a:solidFill>
+                <a:latin typeface="Pretendard" panose="02000803000000020004" pitchFamily="50" charset="-127"/>
+                <a:ea typeface="Pretendard" panose="02000803000000020004" pitchFamily="50" charset="-127"/>
+                <a:cs typeface="Pretendard" panose="02000803000000020004" pitchFamily="50" charset="-127"/>
+              </a:rPr>
+              <a:t>한끼줍쇼</a:t>
+            </a:r>
+            <a:r>
+              <a:rPr lang="en-US" altLang="ko-KR" sz="1050">
+                <a:solidFill>
+                  <a:schemeClr val="bg1"/>
+                </a:solidFill>
+                <a:latin typeface="Pretendard" panose="02000803000000020004" pitchFamily="50" charset="-127"/>
+                <a:ea typeface="Pretendard" panose="02000803000000020004" pitchFamily="50" charset="-127"/>
+                <a:cs typeface="Pretendard" panose="02000803000000020004" pitchFamily="50" charset="-127"/>
+              </a:rPr>
+              <a:t>&gt; </a:t>
+            </a:r>
+            <a:r>
+              <a:rPr lang="ko-KR" altLang="en-US" sz="1050">
+                <a:solidFill>
+                  <a:schemeClr val="bg1"/>
+                </a:solidFill>
+                <a:latin typeface="Pretendard" panose="02000803000000020004" pitchFamily="50" charset="-127"/>
+                <a:ea typeface="Pretendard" panose="02000803000000020004" pitchFamily="50" charset="-127"/>
+                <a:cs typeface="Pretendard" panose="02000803000000020004" pitchFamily="50" charset="-127"/>
+              </a:rPr>
+              <a:t>매니저님밥</a:t>
+            </a:r>
+            <a:r>
+              <a:rPr lang="en-US" altLang="ko-KR" sz="1050">
+                <a:solidFill>
+                  <a:schemeClr val="bg1"/>
+                </a:solidFill>
+                <a:latin typeface="Pretendard" panose="02000803000000020004" pitchFamily="50" charset="-127"/>
+                <a:ea typeface="Pretendard" panose="02000803000000020004" pitchFamily="50" charset="-127"/>
+                <a:cs typeface="Pretendard" panose="02000803000000020004" pitchFamily="50" charset="-127"/>
+              </a:rPr>
+              <a:t>4</a:t>
+            </a:r>
+            <a:r>
+              <a:rPr lang="ko-KR" altLang="en-US" sz="1050">
+                <a:solidFill>
+                  <a:schemeClr val="bg1"/>
+                </a:solidFill>
+                <a:latin typeface="Pretendard" panose="02000803000000020004" pitchFamily="50" charset="-127"/>
+                <a:ea typeface="Pretendard" panose="02000803000000020004" pitchFamily="50" charset="-127"/>
+                <a:cs typeface="Pretendard" panose="02000803000000020004" pitchFamily="50" charset="-127"/>
+              </a:rPr>
+              <a:t>조</a:t>
+            </a:r>
+            <a:endParaRPr lang="ko-KR" altLang="en-US" sz="1600" dirty="0">
+              <a:solidFill>
+                <a:schemeClr val="bg1"/>
+              </a:solidFill>
+              <a:latin typeface="Pretendard" panose="02000803000000020004" pitchFamily="50" charset="-127"/>
+              <a:ea typeface="Pretendard" panose="02000803000000020004" pitchFamily="50" charset="-127"/>
+              <a:cs typeface="Pretendard" panose="02000803000000020004" pitchFamily="50" charset="-127"/>
+            </a:endParaRPr>
+          </a:p>
+        </p:txBody>
+      </p:sp>
+      <p:pic>
+        <p:nvPicPr>
+          <p:cNvPr id="3" name="그림 2" descr="텍스트, 스크린샷, 폰트이(가) 표시된 사진&#10;&#10;자동 생성된 설명">
+            <a:extLst>
+              <a:ext uri="{FF2B5EF4-FFF2-40B4-BE49-F238E27FC236}">
+                <a16:creationId xmlns:a16="http://schemas.microsoft.com/office/drawing/2014/main" id="{F88325F8-0317-179A-9CC9-BD3544390E32}"/>
+              </a:ext>
+            </a:extLst>
+          </p:cNvPr>
+          <p:cNvPicPr>
+            <a:picLocks noChangeAspect="1"/>
+          </p:cNvPicPr>
+          <p:nvPr/>
+        </p:nvPicPr>
+        <p:blipFill>
+          <a:blip r:embed="rId3"/>
+          <a:srcRect b="21141"/>
+          <a:stretch/>
+        </p:blipFill>
+        <p:spPr>
+          <a:xfrm>
+            <a:off x="4665043" y="2403415"/>
+            <a:ext cx="4985915" cy="2281927"/>
+          </a:xfrm>
+          <a:prstGeom prst="rect">
+            <a:avLst/>
+          </a:prstGeom>
+        </p:spPr>
+      </p:pic>
+      <p:pic>
+        <p:nvPicPr>
+          <p:cNvPr id="4" name="그림 3" descr="텍스트, 스크린샷, 폰트, 소프트웨어이(가) 표시된 사진&#10;&#10;자동 생성된 설명">
+            <a:extLst>
+              <a:ext uri="{FF2B5EF4-FFF2-40B4-BE49-F238E27FC236}">
+                <a16:creationId xmlns:a16="http://schemas.microsoft.com/office/drawing/2014/main" id="{B81D2848-CED8-026F-46D7-80A908C33A75}"/>
+              </a:ext>
+            </a:extLst>
+          </p:cNvPr>
+          <p:cNvPicPr>
+            <a:picLocks noChangeAspect="1"/>
+          </p:cNvPicPr>
+          <p:nvPr/>
+        </p:nvPicPr>
+        <p:blipFill>
+          <a:blip r:embed="rId4"/>
+          <a:stretch>
+            <a:fillRect/>
+          </a:stretch>
+        </p:blipFill>
+        <p:spPr>
+          <a:xfrm>
+            <a:off x="4597409" y="4843094"/>
+            <a:ext cx="7967240" cy="2281927"/>
+          </a:xfrm>
+          <a:prstGeom prst="rect">
+            <a:avLst/>
+          </a:prstGeom>
+        </p:spPr>
+      </p:pic>
+    </p:spTree>
+    <p:extLst>
+      <p:ext uri="{BB962C8B-B14F-4D97-AF65-F5344CB8AC3E}">
+        <p14:creationId xmlns:p14="http://schemas.microsoft.com/office/powerpoint/2010/main" val="4030390168"/>
+      </p:ext>
+    </p:extLst>
+  </p:cSld>
+  <p:clrMapOvr>
+    <a:masterClrMapping/>
+  </p:clrMapOvr>
+</p:sld>
+</file>
+
+<file path=ppt/slides/slide22.xml><?xml version="1.0" encoding="utf-8"?>
+<p:sld xmlns:a="http://schemas.openxmlformats.org/drawingml/2006/main" xmlns:r="http://schemas.openxmlformats.org/officeDocument/2006/relationships" xmlns:p="http://schemas.openxmlformats.org/presentationml/2006/main">
+  <p:cSld>
+    <p:bg>
+      <p:bgPr>
+        <a:solidFill>
+          <a:schemeClr val="tx1"/>
+        </a:solidFill>
+        <a:effectLst/>
+      </p:bgPr>
+    </p:bg>
+    <p:spTree>
+      <p:nvGrpSpPr>
+        <p:cNvPr id="1" name=""/>
+        <p:cNvGrpSpPr/>
+        <p:nvPr/>
+      </p:nvGrpSpPr>
+      <p:grpSpPr>
+        <a:xfrm>
+          <a:off x="0" y="0"/>
+          <a:ext cx="0" cy="0"/>
+          <a:chOff x="0" y="0"/>
+          <a:chExt cx="0" cy="0"/>
+        </a:xfrm>
+      </p:grpSpPr>
+      <p:sp>
+        <p:nvSpPr>
+          <p:cNvPr id="7" name="TextBox 6">
+            <a:extLst>
+              <a:ext uri="{FF2B5EF4-FFF2-40B4-BE49-F238E27FC236}">
+                <a16:creationId xmlns:a16="http://schemas.microsoft.com/office/drawing/2014/main" id="{57D789ED-E9F7-24E6-F755-AB0AE85FD0A2}"/>
+              </a:ext>
+            </a:extLst>
+          </p:cNvPr>
+          <p:cNvSpPr txBox="1"/>
+          <p:nvPr/>
+        </p:nvSpPr>
+        <p:spPr>
+          <a:xfrm>
+            <a:off x="1153838" y="2403415"/>
+            <a:ext cx="2021707" cy="707886"/>
+          </a:xfrm>
+          <a:prstGeom prst="rect">
+            <a:avLst/>
+          </a:prstGeom>
+          <a:noFill/>
+        </p:spPr>
+        <p:txBody>
+          <a:bodyPr wrap="none" lIns="91440" tIns="45720" rIns="91440" bIns="45720" rtlCol="0" anchor="t">
+            <a:spAutoFit/>
+          </a:bodyPr>
+          <a:lstStyle/>
+          <a:p>
+            <a:r>
+              <a:rPr lang="ko-KR" altLang="en-US" sz="4000" err="1">
+                <a:solidFill>
+                  <a:schemeClr val="bg1"/>
+                </a:solidFill>
+                <a:latin typeface="Pretendard Black" panose="02000A03000000020004" pitchFamily="50" charset="-127"/>
+                <a:ea typeface="Pretendard Black"/>
+                <a:cs typeface="Pretendard Black" panose="02000A03000000020004" pitchFamily="50" charset="-127"/>
+              </a:rPr>
+              <a:t>퀘스트</a:t>
+            </a:r>
+            <a:r>
+              <a:rPr lang="ko-KR" altLang="en-US" sz="4000">
+                <a:solidFill>
+                  <a:schemeClr val="bg1"/>
+                </a:solidFill>
+                <a:latin typeface="Pretendard Black" panose="02000A03000000020004" pitchFamily="50" charset="-127"/>
+                <a:ea typeface="Pretendard Black"/>
+                <a:cs typeface="Pretendard Black" panose="02000A03000000020004" pitchFamily="50" charset="-127"/>
+              </a:rPr>
+              <a:t>UI</a:t>
+            </a:r>
+            <a:endParaRPr lang="ko-KR" altLang="en-US" sz="4000" dirty="0">
+              <a:solidFill>
+                <a:schemeClr val="bg1"/>
+              </a:solidFill>
+              <a:latin typeface="Pretendard Black" panose="02000A03000000020004" pitchFamily="50" charset="-127"/>
+              <a:ea typeface="Pretendard Black"/>
+              <a:cs typeface="Pretendard Black" panose="02000A03000000020004" pitchFamily="50" charset="-127"/>
+            </a:endParaRPr>
+          </a:p>
+        </p:txBody>
+      </p:sp>
+      <p:sp>
+        <p:nvSpPr>
+          <p:cNvPr id="27" name="TextBox 26">
+            <a:extLst>
+              <a:ext uri="{FF2B5EF4-FFF2-40B4-BE49-F238E27FC236}">
+                <a16:creationId xmlns:a16="http://schemas.microsoft.com/office/drawing/2014/main" id="{76DFBF0E-FDF1-1F46-CC62-E837A6407A10}"/>
+              </a:ext>
+            </a:extLst>
+          </p:cNvPr>
+          <p:cNvSpPr txBox="1"/>
+          <p:nvPr/>
+        </p:nvSpPr>
+        <p:spPr>
+          <a:xfrm>
+            <a:off x="1156593" y="3113805"/>
+            <a:ext cx="3566987" cy="1323439"/>
+          </a:xfrm>
+          <a:prstGeom prst="rect">
+            <a:avLst/>
+          </a:prstGeom>
+          <a:noFill/>
+        </p:spPr>
+        <p:txBody>
+          <a:bodyPr wrap="square" lIns="91440" tIns="45720" rIns="91440" bIns="45720" rtlCol="0" anchor="t">
+            <a:spAutoFit/>
+          </a:bodyPr>
+          <a:lstStyle/>
+          <a:p>
+            <a:r>
+              <a:rPr lang="en-US" altLang="ko-KR" sz="2000" spc="-150" dirty="0" err="1">
+                <a:solidFill>
+                  <a:schemeClr val="bg1"/>
+                </a:solidFill>
+                <a:ea typeface="AppleSDGothicNeoB00"/>
+              </a:rPr>
+              <a:t>현재</a:t>
+            </a:r>
+            <a:r>
+              <a:rPr lang="en-US" altLang="ko-KR" sz="2000" spc="-150" dirty="0">
+                <a:solidFill>
+                  <a:schemeClr val="bg1"/>
+                </a:solidFill>
+                <a:ea typeface="AppleSDGothicNeoB00"/>
+              </a:rPr>
+              <a:t> </a:t>
+            </a:r>
+            <a:r>
+              <a:rPr lang="en-US" altLang="ko-KR" sz="2000" spc="-150" dirty="0" err="1">
+                <a:solidFill>
+                  <a:schemeClr val="bg1"/>
+                </a:solidFill>
+                <a:ea typeface="AppleSDGothicNeoB00"/>
+              </a:rPr>
+              <a:t>퀘스트가</a:t>
+            </a:r>
+          </a:p>
+          <a:p>
+            <a:r>
+              <a:rPr lang="en-US" altLang="ko-KR" sz="2000" spc="-150" dirty="0" err="1">
+                <a:solidFill>
+                  <a:schemeClr val="bg1"/>
+                </a:solidFill>
+                <a:ea typeface="AppleSDGothicNeoB00"/>
+              </a:rPr>
+              <a:t>수락한</a:t>
+            </a:r>
+            <a:r>
+              <a:rPr lang="en-US" altLang="ko-KR" sz="2000" spc="-150" dirty="0">
+                <a:solidFill>
+                  <a:schemeClr val="bg1"/>
+                </a:solidFill>
+                <a:ea typeface="AppleSDGothicNeoB00"/>
+              </a:rPr>
+              <a:t> </a:t>
+            </a:r>
+            <a:r>
+              <a:rPr lang="en-US" altLang="ko-KR" sz="2000" spc="-150" dirty="0" err="1">
+                <a:solidFill>
+                  <a:schemeClr val="bg1"/>
+                </a:solidFill>
+                <a:ea typeface="AppleSDGothicNeoB00"/>
+              </a:rPr>
+              <a:t>상태인지</a:t>
+            </a:r>
+            <a:endParaRPr lang="en-US" altLang="ko-KR" sz="2000" spc="-150" dirty="0">
+              <a:solidFill>
+                <a:schemeClr val="bg1"/>
+              </a:solidFill>
+              <a:ea typeface="AppleSDGothicNeoB00"/>
+            </a:endParaRPr>
+          </a:p>
+          <a:p>
+            <a:r>
+              <a:rPr lang="en-US" altLang="ko-KR" sz="2000" spc="-150" dirty="0" err="1">
+                <a:solidFill>
+                  <a:schemeClr val="bg1"/>
+                </a:solidFill>
+                <a:ea typeface="AppleSDGothicNeoB00"/>
+              </a:rPr>
+              <a:t>조건을</a:t>
+            </a:r>
+            <a:r>
+              <a:rPr lang="en-US" altLang="ko-KR" sz="2000" spc="-150" dirty="0">
+                <a:solidFill>
+                  <a:schemeClr val="bg1"/>
+                </a:solidFill>
+                <a:ea typeface="AppleSDGothicNeoB00"/>
+              </a:rPr>
+              <a:t> </a:t>
+            </a:r>
+            <a:r>
+              <a:rPr lang="en-US" altLang="ko-KR" sz="2000" spc="-150" dirty="0" err="1">
+                <a:solidFill>
+                  <a:schemeClr val="bg1"/>
+                </a:solidFill>
+                <a:ea typeface="AppleSDGothicNeoB00"/>
+              </a:rPr>
+              <a:t>완료하였는지</a:t>
+            </a:r>
+            <a:endParaRPr lang="en-US" altLang="ko-KR" sz="2000" spc="-150" dirty="0">
+              <a:solidFill>
+                <a:schemeClr val="bg1"/>
+              </a:solidFill>
+              <a:ea typeface="AppleSDGothicNeoB00"/>
+            </a:endParaRPr>
+          </a:p>
+          <a:p>
+            <a:r>
+              <a:rPr lang="en-US" altLang="ko-KR" sz="2000" spc="-150" dirty="0" err="1">
+                <a:solidFill>
+                  <a:schemeClr val="bg1"/>
+                </a:solidFill>
+                <a:ea typeface="AppleSDGothicNeoB00"/>
+              </a:rPr>
+              <a:t>이미</a:t>
+            </a:r>
+            <a:r>
+              <a:rPr lang="en-US" altLang="ko-KR" sz="2000" spc="-150" dirty="0">
+                <a:solidFill>
+                  <a:schemeClr val="bg1"/>
+                </a:solidFill>
+                <a:ea typeface="AppleSDGothicNeoB00"/>
+              </a:rPr>
+              <a:t> </a:t>
+            </a:r>
+            <a:r>
+              <a:rPr lang="en-US" altLang="ko-KR" sz="2000" spc="-150" dirty="0" err="1">
+                <a:solidFill>
+                  <a:schemeClr val="bg1"/>
+                </a:solidFill>
+                <a:ea typeface="AppleSDGothicNeoB00"/>
+              </a:rPr>
+              <a:t>클리어했는지</a:t>
+            </a:r>
+            <a:r>
+              <a:rPr lang="en-US" altLang="ko-KR" sz="2000" spc="-150" dirty="0">
+                <a:solidFill>
+                  <a:schemeClr val="bg1"/>
+                </a:solidFill>
+                <a:ea typeface="AppleSDGothicNeoB00"/>
+              </a:rPr>
+              <a:t> </a:t>
+            </a:r>
+            <a:r>
+              <a:rPr lang="en-US" altLang="ko-KR" sz="2000" spc="-150" dirty="0" err="1">
+                <a:solidFill>
+                  <a:schemeClr val="bg1"/>
+                </a:solidFill>
+                <a:ea typeface="AppleSDGothicNeoB00"/>
+              </a:rPr>
+              <a:t>체크</a:t>
+            </a:r>
+            <a:endParaRPr lang="en-US" altLang="ko-KR" sz="2000" spc="-150" dirty="0">
+              <a:solidFill>
+                <a:schemeClr val="bg1"/>
+              </a:solidFill>
+              <a:ea typeface="AppleSDGothicNeoB00"/>
+            </a:endParaRPr>
+          </a:p>
+        </p:txBody>
+      </p:sp>
+      <p:sp>
+        <p:nvSpPr>
+          <p:cNvPr id="6" name="TextBox 5">
+            <a:extLst>
+              <a:ext uri="{FF2B5EF4-FFF2-40B4-BE49-F238E27FC236}">
+                <a16:creationId xmlns:a16="http://schemas.microsoft.com/office/drawing/2014/main" id="{66D086EB-0C52-1987-1F8D-A09E7FC4D2C8}"/>
+              </a:ext>
+            </a:extLst>
+          </p:cNvPr>
+          <p:cNvSpPr txBox="1"/>
+          <p:nvPr/>
+        </p:nvSpPr>
+        <p:spPr>
+          <a:xfrm>
+            <a:off x="1221133" y="852041"/>
+            <a:ext cx="1679229" cy="253916"/>
+          </a:xfrm>
+          <a:prstGeom prst="rect">
+            <a:avLst/>
+          </a:prstGeom>
+          <a:noFill/>
+        </p:spPr>
+        <p:txBody>
+          <a:bodyPr wrap="square" rtlCol="0">
+            <a:spAutoFit/>
+          </a:bodyPr>
+          <a:lstStyle/>
+          <a:p>
+            <a:pPr algn="ctr"/>
+            <a:r>
+              <a:rPr lang="en-US" altLang="ko-KR" sz="1050">
+                <a:solidFill>
+                  <a:schemeClr val="bg1"/>
+                </a:solidFill>
+                <a:latin typeface="Pretendard" panose="02000803000000020004" pitchFamily="50" charset="-127"/>
+                <a:ea typeface="Pretendard" panose="02000803000000020004" pitchFamily="50" charset="-127"/>
+                <a:cs typeface="Pretendard" panose="02000803000000020004" pitchFamily="50" charset="-127"/>
+              </a:rPr>
+              <a:t>&lt;</a:t>
+            </a:r>
+            <a:r>
+              <a:rPr lang="ko-KR" altLang="en-US" sz="1050">
+                <a:solidFill>
+                  <a:schemeClr val="bg1"/>
+                </a:solidFill>
+                <a:latin typeface="Pretendard" panose="02000803000000020004" pitchFamily="50" charset="-127"/>
+                <a:ea typeface="Pretendard" panose="02000803000000020004" pitchFamily="50" charset="-127"/>
+                <a:cs typeface="Pretendard" panose="02000803000000020004" pitchFamily="50" charset="-127"/>
+              </a:rPr>
+              <a:t>한끼줍쇼</a:t>
+            </a:r>
+            <a:r>
+              <a:rPr lang="en-US" altLang="ko-KR" sz="1050">
+                <a:solidFill>
+                  <a:schemeClr val="bg1"/>
+                </a:solidFill>
+                <a:latin typeface="Pretendard" panose="02000803000000020004" pitchFamily="50" charset="-127"/>
+                <a:ea typeface="Pretendard" panose="02000803000000020004" pitchFamily="50" charset="-127"/>
+                <a:cs typeface="Pretendard" panose="02000803000000020004" pitchFamily="50" charset="-127"/>
+              </a:rPr>
+              <a:t>&gt; </a:t>
+            </a:r>
+            <a:r>
+              <a:rPr lang="ko-KR" altLang="en-US" sz="1050">
+                <a:solidFill>
+                  <a:schemeClr val="bg1"/>
+                </a:solidFill>
+                <a:latin typeface="Pretendard" panose="02000803000000020004" pitchFamily="50" charset="-127"/>
+                <a:ea typeface="Pretendard" panose="02000803000000020004" pitchFamily="50" charset="-127"/>
+                <a:cs typeface="Pretendard" panose="02000803000000020004" pitchFamily="50" charset="-127"/>
+              </a:rPr>
+              <a:t>매니저님밥</a:t>
+            </a:r>
+            <a:r>
+              <a:rPr lang="en-US" altLang="ko-KR" sz="1050">
+                <a:solidFill>
+                  <a:schemeClr val="bg1"/>
+                </a:solidFill>
+                <a:latin typeface="Pretendard" panose="02000803000000020004" pitchFamily="50" charset="-127"/>
+                <a:ea typeface="Pretendard" panose="02000803000000020004" pitchFamily="50" charset="-127"/>
+                <a:cs typeface="Pretendard" panose="02000803000000020004" pitchFamily="50" charset="-127"/>
+              </a:rPr>
+              <a:t>4</a:t>
+            </a:r>
+            <a:r>
+              <a:rPr lang="ko-KR" altLang="en-US" sz="1050">
+                <a:solidFill>
+                  <a:schemeClr val="bg1"/>
+                </a:solidFill>
+                <a:latin typeface="Pretendard" panose="02000803000000020004" pitchFamily="50" charset="-127"/>
+                <a:ea typeface="Pretendard" panose="02000803000000020004" pitchFamily="50" charset="-127"/>
+                <a:cs typeface="Pretendard" panose="02000803000000020004" pitchFamily="50" charset="-127"/>
+              </a:rPr>
+              <a:t>조</a:t>
+            </a:r>
+            <a:endParaRPr lang="ko-KR" altLang="en-US" sz="1600" dirty="0">
+              <a:solidFill>
+                <a:schemeClr val="bg1"/>
+              </a:solidFill>
+              <a:latin typeface="Pretendard" panose="02000803000000020004" pitchFamily="50" charset="-127"/>
+              <a:ea typeface="Pretendard" panose="02000803000000020004" pitchFamily="50" charset="-127"/>
+              <a:cs typeface="Pretendard" panose="02000803000000020004" pitchFamily="50" charset="-127"/>
+            </a:endParaRPr>
+          </a:p>
+        </p:txBody>
+      </p:sp>
+      <p:pic>
+        <p:nvPicPr>
+          <p:cNvPr id="3" name="그림 2" descr="텍스트, 스크린샷, 소프트웨어이(가) 표시된 사진&#10;&#10;자동 생성된 설명">
+            <a:extLst>
+              <a:ext uri="{FF2B5EF4-FFF2-40B4-BE49-F238E27FC236}">
+                <a16:creationId xmlns:a16="http://schemas.microsoft.com/office/drawing/2014/main" id="{665259E5-C1A4-770A-E799-5E22845E0733}"/>
+              </a:ext>
+            </a:extLst>
+          </p:cNvPr>
+          <p:cNvPicPr>
+            <a:picLocks noChangeAspect="1"/>
+          </p:cNvPicPr>
+          <p:nvPr/>
+        </p:nvPicPr>
+        <p:blipFill>
+          <a:blip r:embed="rId3"/>
+          <a:stretch>
+            <a:fillRect/>
+          </a:stretch>
+        </p:blipFill>
+        <p:spPr>
+          <a:xfrm>
+            <a:off x="4239014" y="2403415"/>
+            <a:ext cx="6258940" cy="5754546"/>
+          </a:xfrm>
+          <a:prstGeom prst="rect">
+            <a:avLst/>
+          </a:prstGeom>
+        </p:spPr>
+      </p:pic>
+    </p:spTree>
+    <p:extLst>
+      <p:ext uri="{BB962C8B-B14F-4D97-AF65-F5344CB8AC3E}">
+        <p14:creationId xmlns:p14="http://schemas.microsoft.com/office/powerpoint/2010/main" val="3529839104"/>
       </p:ext>
     </p:extLst>
   </p:cSld>
@@ -15819,22 +18431,22 @@
                 <a:ea typeface="Pretendard Light" panose="02000403000000020004" pitchFamily="50" charset="-127"/>
                 <a:cs typeface="Pretendard Light" panose="02000403000000020004" pitchFamily="50" charset="-127"/>
               </a:rPr>
-              <a:t>몬스터를 클론으로 </a:t>
-            </a:r>
-            <a:endParaRPr lang="en-US" altLang="ko-KR" sz="1400">
-              <a:latin typeface="Pretendard Light" panose="02000403000000020004" pitchFamily="50" charset="-127"/>
-              <a:ea typeface="Pretendard Light" panose="02000403000000020004" pitchFamily="50" charset="-127"/>
-              <a:cs typeface="Pretendard Light" panose="02000403000000020004" pitchFamily="50" charset="-127"/>
-            </a:endParaRPr>
-          </a:p>
-          <a:p>
+              <a:t>클론을 이용한 </a:t>
+            </a:r>
+            <a:br>
+              <a:rPr lang="en-US" altLang="ko-KR" sz="1400">
+                <a:latin typeface="Pretendard Light" panose="02000403000000020004" pitchFamily="50" charset="-127"/>
+                <a:ea typeface="Pretendard Light" panose="02000403000000020004" pitchFamily="50" charset="-127"/>
+                <a:cs typeface="Pretendard Light" panose="02000403000000020004" pitchFamily="50" charset="-127"/>
+              </a:rPr>
+            </a:br>
             <a:r>
               <a:rPr lang="ko-KR" altLang="en-US" sz="1400">
                 <a:latin typeface="Pretendard Light" panose="02000403000000020004" pitchFamily="50" charset="-127"/>
                 <a:ea typeface="Pretendard Light" panose="02000403000000020004" pitchFamily="50" charset="-127"/>
                 <a:cs typeface="Pretendard Light" panose="02000403000000020004" pitchFamily="50" charset="-127"/>
               </a:rPr>
-              <a:t>만들고 </a:t>
+              <a:t>몬스터 대기열 생성</a:t>
             </a:r>
           </a:p>
         </p:txBody>
@@ -15983,7 +18595,7 @@
           <p:spPr>
             <a:xfrm>
               <a:off x="3681468" y="4779125"/>
-              <a:ext cx="1642828" cy="1169551"/>
+              <a:ext cx="1642828" cy="307777"/>
             </a:xfrm>
             <a:prstGeom prst="rect">
               <a:avLst/>
@@ -16002,86 +18614,7 @@
                   <a:ea typeface="Pretendard Light" panose="02000403000000020004" pitchFamily="50" charset="-127"/>
                   <a:cs typeface="Pretendard Light" panose="02000403000000020004" pitchFamily="50" charset="-127"/>
                 </a:rPr>
-                <a:t>내용 추가 예정 내용 추가 예정</a:t>
-              </a:r>
-              <a:r>
-                <a:rPr lang="en-US" altLang="ko-KR" sz="1400">
-                  <a:latin typeface="Pretendard Light" panose="02000403000000020004" pitchFamily="50" charset="-127"/>
-                  <a:ea typeface="Pretendard Light" panose="02000403000000020004" pitchFamily="50" charset="-127"/>
-                  <a:cs typeface="Pretendard Light" panose="02000403000000020004" pitchFamily="50" charset="-127"/>
-                </a:rPr>
-                <a:t> </a:t>
-              </a:r>
-              <a:r>
-                <a:rPr lang="ko-KR" altLang="en-US" sz="1400">
-                  <a:latin typeface="Pretendard Light" panose="02000403000000020004" pitchFamily="50" charset="-127"/>
-                  <a:ea typeface="Pretendard Light" panose="02000403000000020004" pitchFamily="50" charset="-127"/>
-                  <a:cs typeface="Pretendard Light" panose="02000403000000020004" pitchFamily="50" charset="-127"/>
-                </a:rPr>
-                <a:t>내용 추가 예정</a:t>
-              </a:r>
-              <a:r>
-                <a:rPr lang="en-US" altLang="ko-KR" sz="1400">
-                  <a:latin typeface="Pretendard Light" panose="02000403000000020004" pitchFamily="50" charset="-127"/>
-                  <a:ea typeface="Pretendard Light" panose="02000403000000020004" pitchFamily="50" charset="-127"/>
-                  <a:cs typeface="Pretendard Light" panose="02000403000000020004" pitchFamily="50" charset="-127"/>
-                </a:rPr>
-                <a:t> </a:t>
-              </a:r>
-              <a:r>
-                <a:rPr lang="ko-KR" altLang="en-US" sz="1400">
-                  <a:latin typeface="Pretendard Light" panose="02000403000000020004" pitchFamily="50" charset="-127"/>
-                  <a:ea typeface="Pretendard Light" panose="02000403000000020004" pitchFamily="50" charset="-127"/>
-                  <a:cs typeface="Pretendard Light" panose="02000403000000020004" pitchFamily="50" charset="-127"/>
-                </a:rPr>
-                <a:t>내용 추가 예정</a:t>
-              </a:r>
-              <a:endParaRPr lang="en-US" altLang="ko-KR" sz="1400">
-                <a:latin typeface="Pretendard Light" panose="02000403000000020004" pitchFamily="50" charset="-127"/>
-                <a:ea typeface="Pretendard Light" panose="02000403000000020004" pitchFamily="50" charset="-127"/>
-                <a:cs typeface="Pretendard Light" panose="02000403000000020004" pitchFamily="50" charset="-127"/>
-              </a:endParaRPr>
-            </a:p>
-            <a:p>
-              <a:r>
-                <a:rPr lang="ko-KR" altLang="en-US" sz="1400">
-                  <a:latin typeface="Pretendard Light" panose="02000403000000020004" pitchFamily="50" charset="-127"/>
-                  <a:ea typeface="Pretendard Light" panose="02000403000000020004" pitchFamily="50" charset="-127"/>
-                  <a:cs typeface="Pretendard Light" panose="02000403000000020004" pitchFamily="50" charset="-127"/>
-                </a:rPr>
-                <a:t>내용 추가 예정</a:t>
-              </a:r>
-              <a:r>
-                <a:rPr lang="en-US" altLang="ko-KR" sz="1400">
-                  <a:latin typeface="Pretendard Light" panose="02000403000000020004" pitchFamily="50" charset="-127"/>
-                  <a:ea typeface="Pretendard Light" panose="02000403000000020004" pitchFamily="50" charset="-127"/>
-                  <a:cs typeface="Pretendard Light" panose="02000403000000020004" pitchFamily="50" charset="-127"/>
-                </a:rPr>
-                <a:t> </a:t>
-              </a:r>
-              <a:r>
-                <a:rPr lang="ko-KR" altLang="en-US" sz="1400">
-                  <a:latin typeface="Pretendard Light" panose="02000403000000020004" pitchFamily="50" charset="-127"/>
-                  <a:ea typeface="Pretendard Light" panose="02000403000000020004" pitchFamily="50" charset="-127"/>
-                  <a:cs typeface="Pretendard Light" panose="02000403000000020004" pitchFamily="50" charset="-127"/>
-                </a:rPr>
-                <a:t>내용 추가 예정</a:t>
-              </a:r>
-              <a:r>
-                <a:rPr lang="en-US" altLang="ko-KR" sz="1400">
-                  <a:latin typeface="Pretendard Light" panose="02000403000000020004" pitchFamily="50" charset="-127"/>
-                  <a:ea typeface="Pretendard Light" panose="02000403000000020004" pitchFamily="50" charset="-127"/>
-                  <a:cs typeface="Pretendard Light" panose="02000403000000020004" pitchFamily="50" charset="-127"/>
-                </a:rPr>
-                <a:t> </a:t>
-              </a:r>
-              <a:r>
-                <a:rPr lang="ko-KR" altLang="en-US" sz="1400">
-                  <a:latin typeface="Pretendard Light" panose="02000403000000020004" pitchFamily="50" charset="-127"/>
-                  <a:ea typeface="Pretendard Light" panose="02000403000000020004" pitchFamily="50" charset="-127"/>
-                  <a:cs typeface="Pretendard Light" panose="02000403000000020004" pitchFamily="50" charset="-127"/>
-                </a:rPr>
-                <a:t>내용 추가</a:t>
+                <a:t>스킬 프리셋 생성</a:t>
               </a:r>
               <a:endParaRPr lang="en-US" altLang="ko-KR" sz="1400">
                 <a:latin typeface="Pretendard Light" panose="02000403000000020004" pitchFamily="50" charset="-127"/>
@@ -16239,7 +18772,7 @@
           <p:spPr>
             <a:xfrm>
               <a:off x="6002856" y="4779126"/>
-              <a:ext cx="1680497" cy="1169551"/>
+              <a:ext cx="1680497" cy="738664"/>
             </a:xfrm>
             <a:prstGeom prst="rect">
               <a:avLst/>
@@ -16258,7 +18791,37 @@
                   <a:ea typeface="Pretendard Light" panose="02000403000000020004" pitchFamily="50" charset="-127"/>
                   <a:cs typeface="Pretendard Light" panose="02000403000000020004" pitchFamily="50" charset="-127"/>
                 </a:rPr>
-                <a:t>퀘스트 내용에 따른 각각의 자식 클래스를 만들어서 성공 여부를 체크하는 함수를 사용했어요</a:t>
+                <a:t>진행도를 확인하기 </a:t>
+              </a:r>
+              <a:br>
+                <a:rPr lang="en-US" altLang="ko-KR" sz="1400">
+                  <a:latin typeface="Pretendard Light" panose="02000403000000020004" pitchFamily="50" charset="-127"/>
+                  <a:ea typeface="Pretendard Light" panose="02000403000000020004" pitchFamily="50" charset="-127"/>
+                  <a:cs typeface="Pretendard Light" panose="02000403000000020004" pitchFamily="50" charset="-127"/>
+                </a:rPr>
+              </a:br>
+              <a:r>
+                <a:rPr lang="ko-KR" altLang="en-US" sz="1400">
+                  <a:latin typeface="Pretendard Light" panose="02000403000000020004" pitchFamily="50" charset="-127"/>
+                  <a:ea typeface="Pretendard Light" panose="02000403000000020004" pitchFamily="50" charset="-127"/>
+                  <a:cs typeface="Pretendard Light" panose="02000403000000020004" pitchFamily="50" charset="-127"/>
+                </a:rPr>
+                <a:t>위해 세가지 변수 </a:t>
+              </a:r>
+              <a:br>
+                <a:rPr lang="en-US" altLang="ko-KR" sz="1400">
+                  <a:latin typeface="Pretendard Light" panose="02000403000000020004" pitchFamily="50" charset="-127"/>
+                  <a:ea typeface="Pretendard Light" panose="02000403000000020004" pitchFamily="50" charset="-127"/>
+                  <a:cs typeface="Pretendard Light" panose="02000403000000020004" pitchFamily="50" charset="-127"/>
+                </a:rPr>
+              </a:br>
+              <a:r>
+                <a:rPr lang="ko-KR" altLang="en-US" sz="1400">
+                  <a:latin typeface="Pretendard Light" panose="02000403000000020004" pitchFamily="50" charset="-127"/>
+                  <a:ea typeface="Pretendard Light" panose="02000403000000020004" pitchFamily="50" charset="-127"/>
+                  <a:cs typeface="Pretendard Light" panose="02000403000000020004" pitchFamily="50" charset="-127"/>
+                </a:rPr>
+                <a:t>이용</a:t>
               </a:r>
               <a:endParaRPr lang="en-US" altLang="ko-KR" sz="1400">
                 <a:latin typeface="Pretendard Light" panose="02000403000000020004" pitchFamily="50" charset="-127"/>
